--- a/document/쇼핑몰.pptx
+++ b/document/쇼핑몰.pptx
@@ -5,7 +5,7 @@
     <p:sldMasterId id="2147483672" r:id="rId1"/>
   </p:sldMasterIdLst>
   <p:notesMasterIdLst>
-    <p:notesMasterId r:id="rId14"/>
+    <p:notesMasterId r:id="rId15"/>
   </p:notesMasterIdLst>
   <p:sldIdLst>
     <p:sldId id="261" r:id="rId2"/>
@@ -17,9 +17,10 @@
     <p:sldId id="267" r:id="rId8"/>
     <p:sldId id="268" r:id="rId9"/>
     <p:sldId id="269" r:id="rId10"/>
-    <p:sldId id="270" r:id="rId11"/>
-    <p:sldId id="271" r:id="rId12"/>
-    <p:sldId id="266" r:id="rId13"/>
+    <p:sldId id="273" r:id="rId11"/>
+    <p:sldId id="270" r:id="rId12"/>
+    <p:sldId id="271" r:id="rId13"/>
+    <p:sldId id="266" r:id="rId14"/>
   </p:sldIdLst>
   <p:sldSz cx="12192000" cy="6858000"/>
   <p:notesSz cx="6858000" cy="9144000"/>
@@ -4558,7 +4559,7 @@
           <a:p>
             <a:fld id="{6A06C812-A89A-466F-A3D2-7B1A265B4DEF}" type="datetimeFigureOut">
               <a:rPr lang="ko-KR" altLang="en-US" smtClean="0"/>
-              <a:t>2023-10-18</a:t>
+              <a:t>2023-10-19</a:t>
             </a:fld>
             <a:endParaRPr lang="ko-KR" altLang="en-US"/>
           </a:p>
@@ -4956,7 +4957,7 @@
           <a:p>
             <a:fld id="{A7943331-F28A-4F3C-A50C-925F10851F61}" type="datetimeFigureOut">
               <a:rPr lang="ko-KR" altLang="en-US" smtClean="0"/>
-              <a:t>2023-10-18</a:t>
+              <a:t>2023-10-19</a:t>
             </a:fld>
             <a:endParaRPr lang="ko-KR" altLang="en-US" dirty="0"/>
           </a:p>
@@ -5126,7 +5127,7 @@
           <a:p>
             <a:fld id="{A7943331-F28A-4F3C-A50C-925F10851F61}" type="datetimeFigureOut">
               <a:rPr lang="ko-KR" altLang="en-US" smtClean="0"/>
-              <a:t>2023-10-18</a:t>
+              <a:t>2023-10-19</a:t>
             </a:fld>
             <a:endParaRPr lang="ko-KR" altLang="en-US" dirty="0"/>
           </a:p>
@@ -5306,7 +5307,7 @@
           <a:p>
             <a:fld id="{A7943331-F28A-4F3C-A50C-925F10851F61}" type="datetimeFigureOut">
               <a:rPr lang="ko-KR" altLang="en-US" smtClean="0"/>
-              <a:t>2023-10-18</a:t>
+              <a:t>2023-10-19</a:t>
             </a:fld>
             <a:endParaRPr lang="ko-KR" altLang="en-US" dirty="0"/>
           </a:p>
@@ -5476,7 +5477,7 @@
           <a:p>
             <a:fld id="{A7943331-F28A-4F3C-A50C-925F10851F61}" type="datetimeFigureOut">
               <a:rPr lang="ko-KR" altLang="en-US" smtClean="0"/>
-              <a:t>2023-10-18</a:t>
+              <a:t>2023-10-19</a:t>
             </a:fld>
             <a:endParaRPr lang="ko-KR" altLang="en-US" dirty="0"/>
           </a:p>
@@ -5722,7 +5723,7 @@
           <a:p>
             <a:fld id="{A7943331-F28A-4F3C-A50C-925F10851F61}" type="datetimeFigureOut">
               <a:rPr lang="ko-KR" altLang="en-US" smtClean="0"/>
-              <a:t>2023-10-18</a:t>
+              <a:t>2023-10-19</a:t>
             </a:fld>
             <a:endParaRPr lang="ko-KR" altLang="en-US" dirty="0"/>
           </a:p>
@@ -5954,7 +5955,7 @@
           <a:p>
             <a:fld id="{A7943331-F28A-4F3C-A50C-925F10851F61}" type="datetimeFigureOut">
               <a:rPr lang="ko-KR" altLang="en-US" smtClean="0"/>
-              <a:t>2023-10-18</a:t>
+              <a:t>2023-10-19</a:t>
             </a:fld>
             <a:endParaRPr lang="ko-KR" altLang="en-US" dirty="0"/>
           </a:p>
@@ -6321,7 +6322,7 @@
           <a:p>
             <a:fld id="{A7943331-F28A-4F3C-A50C-925F10851F61}" type="datetimeFigureOut">
               <a:rPr lang="ko-KR" altLang="en-US" smtClean="0"/>
-              <a:t>2023-10-18</a:t>
+              <a:t>2023-10-19</a:t>
             </a:fld>
             <a:endParaRPr lang="ko-KR" altLang="en-US" dirty="0"/>
           </a:p>
@@ -6439,7 +6440,7 @@
           <a:p>
             <a:fld id="{A7943331-F28A-4F3C-A50C-925F10851F61}" type="datetimeFigureOut">
               <a:rPr lang="ko-KR" altLang="en-US" smtClean="0"/>
-              <a:t>2023-10-18</a:t>
+              <a:t>2023-10-19</a:t>
             </a:fld>
             <a:endParaRPr lang="ko-KR" altLang="en-US" dirty="0"/>
           </a:p>
@@ -6534,7 +6535,7 @@
           <a:p>
             <a:fld id="{A7943331-F28A-4F3C-A50C-925F10851F61}" type="datetimeFigureOut">
               <a:rPr lang="ko-KR" altLang="en-US" smtClean="0"/>
-              <a:t>2023-10-18</a:t>
+              <a:t>2023-10-19</a:t>
             </a:fld>
             <a:endParaRPr lang="ko-KR" altLang="en-US" dirty="0"/>
           </a:p>
@@ -6811,7 +6812,7 @@
           <a:p>
             <a:fld id="{A7943331-F28A-4F3C-A50C-925F10851F61}" type="datetimeFigureOut">
               <a:rPr lang="ko-KR" altLang="en-US" smtClean="0"/>
-              <a:t>2023-10-18</a:t>
+              <a:t>2023-10-19</a:t>
             </a:fld>
             <a:endParaRPr lang="ko-KR" altLang="en-US" dirty="0"/>
           </a:p>
@@ -7068,7 +7069,7 @@
           <a:p>
             <a:fld id="{A7943331-F28A-4F3C-A50C-925F10851F61}" type="datetimeFigureOut">
               <a:rPr lang="ko-KR" altLang="en-US" smtClean="0"/>
-              <a:t>2023-10-18</a:t>
+              <a:t>2023-10-19</a:t>
             </a:fld>
             <a:endParaRPr lang="ko-KR" altLang="en-US" dirty="0"/>
           </a:p>
@@ -7281,7 +7282,7 @@
           <a:p>
             <a:fld id="{A7943331-F28A-4F3C-A50C-925F10851F61}" type="datetimeFigureOut">
               <a:rPr lang="ko-KR" altLang="en-US" smtClean="0"/>
-              <a:t>2023-10-18</a:t>
+              <a:t>2023-10-19</a:t>
             </a:fld>
             <a:endParaRPr lang="ko-KR" altLang="en-US" dirty="0"/>
           </a:p>
@@ -9200,6 +9201,429 @@
           <p:cNvPr id="4" name="그림 3">
             <a:extLst>
               <a:ext uri="{FF2B5EF4-FFF2-40B4-BE49-F238E27FC236}">
+                <a16:creationId xmlns:a16="http://schemas.microsoft.com/office/drawing/2014/main" id="{A0E3418D-683F-A716-4530-E8E8C3A5E9A2}"/>
+              </a:ext>
+            </a:extLst>
+          </p:cNvPr>
+          <p:cNvPicPr>
+            <a:picLocks noChangeAspect="1"/>
+          </p:cNvPicPr>
+          <p:nvPr/>
+        </p:nvPicPr>
+        <p:blipFill>
+          <a:blip r:embed="rId7">
+            <a:extLst>
+              <a:ext uri="{28A0092B-C50C-407E-A947-70E740481C1C}">
+                <a14:useLocalDpi xmlns:a14="http://schemas.microsoft.com/office/drawing/2010/main" val="0"/>
+              </a:ext>
+            </a:extLst>
+          </a:blip>
+          <a:stretch>
+            <a:fillRect/>
+          </a:stretch>
+        </p:blipFill>
+        <p:spPr>
+          <a:xfrm>
+            <a:off x="1369862" y="1574153"/>
+            <a:ext cx="9505950" cy="4438650"/>
+          </a:xfrm>
+          <a:prstGeom prst="rect">
+            <a:avLst/>
+          </a:prstGeom>
+        </p:spPr>
+      </p:pic>
+    </p:spTree>
+    <p:extLst>
+      <p:ext uri="{BB962C8B-B14F-4D97-AF65-F5344CB8AC3E}">
+        <p14:creationId xmlns:p14="http://schemas.microsoft.com/office/powerpoint/2010/main" val="3569545475"/>
+      </p:ext>
+    </p:extLst>
+  </p:cSld>
+  <p:clrMapOvr>
+    <a:masterClrMapping/>
+  </p:clrMapOvr>
+</p:sld>
+</file>
+
+<file path=ppt/slides/slide11.xml><?xml version="1.0" encoding="utf-8"?>
+<p:sld xmlns:a="http://schemas.openxmlformats.org/drawingml/2006/main" xmlns:r="http://schemas.openxmlformats.org/officeDocument/2006/relationships" xmlns:p="http://schemas.openxmlformats.org/presentationml/2006/main">
+  <p:cSld>
+    <p:spTree>
+      <p:nvGrpSpPr>
+        <p:cNvPr id="1" name=""/>
+        <p:cNvGrpSpPr/>
+        <p:nvPr/>
+      </p:nvGrpSpPr>
+      <p:grpSpPr>
+        <a:xfrm>
+          <a:off x="0" y="0"/>
+          <a:ext cx="0" cy="0"/>
+          <a:chOff x="0" y="0"/>
+          <a:chExt cx="0" cy="0"/>
+        </a:xfrm>
+      </p:grpSpPr>
+      <p:sp>
+        <p:nvSpPr>
+          <p:cNvPr id="2" name="직사각형 1"/>
+          <p:cNvSpPr/>
+          <p:nvPr/>
+        </p:nvSpPr>
+        <p:spPr>
+          <a:xfrm>
+            <a:off x="0" y="0"/>
+            <a:ext cx="12192000" cy="6858000"/>
+          </a:xfrm>
+          <a:prstGeom prst="rect">
+            <a:avLst/>
+          </a:prstGeom>
+          <a:solidFill>
+            <a:srgbClr val="F8E9D6"/>
+          </a:solidFill>
+          <a:ln>
+            <a:noFill/>
+          </a:ln>
+        </p:spPr>
+        <p:style>
+          <a:lnRef idx="2">
+            <a:schemeClr val="accent1">
+              <a:shade val="50000"/>
+            </a:schemeClr>
+          </a:lnRef>
+          <a:fillRef idx="1">
+            <a:schemeClr val="accent1"/>
+          </a:fillRef>
+          <a:effectRef idx="0">
+            <a:schemeClr val="accent1"/>
+          </a:effectRef>
+          <a:fontRef idx="minor">
+            <a:schemeClr val="lt1"/>
+          </a:fontRef>
+        </p:style>
+        <p:txBody>
+          <a:bodyPr rot="0" spcFirstLastPara="0" vertOverflow="overflow" horzOverflow="overflow" vert="horz" wrap="square" lIns="68580" tIns="34290" rIns="68580" bIns="34290" numCol="1" spcCol="0" rtlCol="0" fromWordArt="0" anchor="ctr" anchorCtr="0" forceAA="0" compatLnSpc="1">
+            <a:prstTxWarp prst="textNoShape">
+              <a:avLst/>
+            </a:prstTxWarp>
+            <a:noAutofit/>
+          </a:bodyPr>
+          <a:lstStyle/>
+          <a:p>
+            <a:pPr algn="ctr"/>
+            <a:endParaRPr lang="ko-KR" altLang="en-US" sz="1350" dirty="0"/>
+          </a:p>
+        </p:txBody>
+      </p:sp>
+      <p:sp>
+        <p:nvSpPr>
+          <p:cNvPr id="20" name="모서리가 둥근 직사각형 19"/>
+          <p:cNvSpPr/>
+          <p:nvPr/>
+        </p:nvSpPr>
+        <p:spPr>
+          <a:xfrm>
+            <a:off x="401256" y="1194837"/>
+            <a:ext cx="11389488" cy="5197282"/>
+          </a:xfrm>
+          <a:prstGeom prst="roundRect">
+            <a:avLst>
+              <a:gd name="adj" fmla="val 4948"/>
+            </a:avLst>
+          </a:prstGeom>
+          <a:solidFill>
+            <a:schemeClr val="bg1"/>
+          </a:solidFill>
+          <a:ln>
+            <a:noFill/>
+          </a:ln>
+          <a:effectLst>
+            <a:outerShdw blurRad="50800" dist="38100" dir="8100000" algn="tr" rotWithShape="0">
+              <a:prstClr val="black">
+                <a:alpha val="40000"/>
+              </a:prstClr>
+            </a:outerShdw>
+          </a:effectLst>
+        </p:spPr>
+        <p:style>
+          <a:lnRef idx="2">
+            <a:schemeClr val="accent1">
+              <a:shade val="50000"/>
+            </a:schemeClr>
+          </a:lnRef>
+          <a:fillRef idx="1">
+            <a:schemeClr val="accent1"/>
+          </a:fillRef>
+          <a:effectRef idx="0">
+            <a:schemeClr val="accent1"/>
+          </a:effectRef>
+          <a:fontRef idx="minor">
+            <a:schemeClr val="lt1"/>
+          </a:fontRef>
+        </p:style>
+        <p:txBody>
+          <a:bodyPr rtlCol="0" anchor="ctr"/>
+          <a:lstStyle/>
+          <a:p>
+            <a:pPr algn="ctr"/>
+            <a:endParaRPr lang="ko-KR" altLang="en-US"/>
+          </a:p>
+        </p:txBody>
+      </p:sp>
+      <p:pic>
+        <p:nvPicPr>
+          <p:cNvPr id="22" name="그림 21"/>
+          <p:cNvPicPr>
+            <a:picLocks noChangeAspect="1"/>
+          </p:cNvPicPr>
+          <p:nvPr/>
+        </p:nvPicPr>
+        <p:blipFill>
+          <a:blip r:embed="rId2">
+            <a:extLst>
+              <a:ext uri="{28A0092B-C50C-407E-A947-70E740481C1C}">
+                <a14:useLocalDpi xmlns:a14="http://schemas.microsoft.com/office/drawing/2010/main" val="0"/>
+              </a:ext>
+            </a:extLst>
+          </a:blip>
+          <a:stretch>
+            <a:fillRect/>
+          </a:stretch>
+        </p:blipFill>
+        <p:spPr>
+          <a:xfrm rot="1344446">
+            <a:off x="721748" y="309384"/>
+            <a:ext cx="1296228" cy="1256949"/>
+          </a:xfrm>
+          <a:prstGeom prst="rect">
+            <a:avLst/>
+          </a:prstGeom>
+          <a:effectLst>
+            <a:outerShdw blurRad="50800" dist="38100" dir="2700000" algn="tl" rotWithShape="0">
+              <a:prstClr val="black">
+                <a:alpha val="40000"/>
+              </a:prstClr>
+            </a:outerShdw>
+          </a:effectLst>
+        </p:spPr>
+      </p:pic>
+      <p:pic>
+        <p:nvPicPr>
+          <p:cNvPr id="23" name="그림 22"/>
+          <p:cNvPicPr>
+            <a:picLocks noChangeAspect="1"/>
+          </p:cNvPicPr>
+          <p:nvPr/>
+        </p:nvPicPr>
+        <p:blipFill>
+          <a:blip r:embed="rId3">
+            <a:extLst>
+              <a:ext uri="{28A0092B-C50C-407E-A947-70E740481C1C}">
+                <a14:useLocalDpi xmlns:a14="http://schemas.microsoft.com/office/drawing/2010/main" val="0"/>
+              </a:ext>
+            </a:extLst>
+          </a:blip>
+          <a:stretch>
+            <a:fillRect/>
+          </a:stretch>
+        </p:blipFill>
+        <p:spPr>
+          <a:xfrm rot="18613160">
+            <a:off x="567434" y="1226405"/>
+            <a:ext cx="461625" cy="816721"/>
+          </a:xfrm>
+          <a:prstGeom prst="rect">
+            <a:avLst/>
+          </a:prstGeom>
+          <a:effectLst>
+            <a:outerShdw blurRad="50800" dist="38100" dir="2700000" algn="tl" rotWithShape="0">
+              <a:prstClr val="black">
+                <a:alpha val="40000"/>
+              </a:prstClr>
+            </a:outerShdw>
+          </a:effectLst>
+        </p:spPr>
+      </p:pic>
+      <p:grpSp>
+        <p:nvGrpSpPr>
+          <p:cNvPr id="40" name="그룹 39"/>
+          <p:cNvGrpSpPr/>
+          <p:nvPr/>
+        </p:nvGrpSpPr>
+        <p:grpSpPr>
+          <a:xfrm>
+            <a:off x="10562373" y="4298491"/>
+            <a:ext cx="1447550" cy="2495569"/>
+            <a:chOff x="10562373" y="4298491"/>
+            <a:chExt cx="1447550" cy="2495569"/>
+          </a:xfrm>
+        </p:grpSpPr>
+        <p:pic>
+          <p:nvPicPr>
+            <p:cNvPr id="24" name="그림 23"/>
+            <p:cNvPicPr>
+              <a:picLocks noChangeAspect="1"/>
+            </p:cNvPicPr>
+            <p:nvPr/>
+          </p:nvPicPr>
+          <p:blipFill>
+            <a:blip r:embed="rId4">
+              <a:extLst>
+                <a:ext uri="{28A0092B-C50C-407E-A947-70E740481C1C}">
+                  <a14:useLocalDpi xmlns:a14="http://schemas.microsoft.com/office/drawing/2010/main" val="0"/>
+                </a:ext>
+              </a:extLst>
+            </a:blip>
+            <a:stretch>
+              <a:fillRect/>
+            </a:stretch>
+          </p:blipFill>
+          <p:spPr>
+            <a:xfrm>
+              <a:off x="10562373" y="5718785"/>
+              <a:ext cx="1118533" cy="1075275"/>
+            </a:xfrm>
+            <a:prstGeom prst="rect">
+              <a:avLst/>
+            </a:prstGeom>
+            <a:effectLst>
+              <a:outerShdw blurRad="50800" dist="38100" dir="2700000" algn="tl" rotWithShape="0">
+                <a:prstClr val="black">
+                  <a:alpha val="40000"/>
+                </a:prstClr>
+              </a:outerShdw>
+            </a:effectLst>
+          </p:spPr>
+        </p:pic>
+        <p:pic>
+          <p:nvPicPr>
+            <p:cNvPr id="25" name="그림 24"/>
+            <p:cNvPicPr>
+              <a:picLocks noChangeAspect="1"/>
+            </p:cNvPicPr>
+            <p:nvPr/>
+          </p:nvPicPr>
+          <p:blipFill>
+            <a:blip r:embed="rId5" cstate="print">
+              <a:extLst>
+                <a:ext uri="{28A0092B-C50C-407E-A947-70E740481C1C}">
+                  <a14:useLocalDpi xmlns:a14="http://schemas.microsoft.com/office/drawing/2010/main" val="0"/>
+                </a:ext>
+              </a:extLst>
+            </a:blip>
+            <a:stretch>
+              <a:fillRect/>
+            </a:stretch>
+          </p:blipFill>
+          <p:spPr>
+            <a:xfrm rot="11118140">
+              <a:off x="11604518" y="5382246"/>
+              <a:ext cx="405405" cy="805866"/>
+            </a:xfrm>
+            <a:prstGeom prst="rect">
+              <a:avLst/>
+            </a:prstGeom>
+            <a:effectLst>
+              <a:outerShdw blurRad="50800" dist="38100" dir="2700000" algn="tl" rotWithShape="0">
+                <a:prstClr val="black">
+                  <a:alpha val="40000"/>
+                </a:prstClr>
+              </a:outerShdw>
+            </a:effectLst>
+          </p:spPr>
+        </p:pic>
+        <p:pic>
+          <p:nvPicPr>
+            <p:cNvPr id="26" name="그림 25"/>
+            <p:cNvPicPr>
+              <a:picLocks noChangeAspect="1"/>
+            </p:cNvPicPr>
+            <p:nvPr/>
+          </p:nvPicPr>
+          <p:blipFill>
+            <a:blip r:embed="rId6">
+              <a:extLst>
+                <a:ext uri="{28A0092B-C50C-407E-A947-70E740481C1C}">
+                  <a14:useLocalDpi xmlns:a14="http://schemas.microsoft.com/office/drawing/2010/main" val="0"/>
+                </a:ext>
+              </a:extLst>
+            </a:blip>
+            <a:stretch>
+              <a:fillRect/>
+            </a:stretch>
+          </p:blipFill>
+          <p:spPr>
+            <a:xfrm rot="10439442">
+              <a:off x="11381790" y="4298491"/>
+              <a:ext cx="598232" cy="960621"/>
+            </a:xfrm>
+            <a:prstGeom prst="rect">
+              <a:avLst/>
+            </a:prstGeom>
+            <a:effectLst>
+              <a:outerShdw blurRad="50800" dist="38100" dir="2700000" algn="tl" rotWithShape="0">
+                <a:prstClr val="black">
+                  <a:alpha val="40000"/>
+                </a:prstClr>
+              </a:outerShdw>
+            </a:effectLst>
+          </p:spPr>
+        </p:pic>
+      </p:grpSp>
+      <p:sp>
+        <p:nvSpPr>
+          <p:cNvPr id="27" name="TextBox 26"/>
+          <p:cNvSpPr txBox="1"/>
+          <p:nvPr/>
+        </p:nvSpPr>
+        <p:spPr>
+          <a:xfrm>
+            <a:off x="3189677" y="314757"/>
+            <a:ext cx="5812646" cy="769441"/>
+          </a:xfrm>
+          <a:prstGeom prst="rect">
+            <a:avLst/>
+          </a:prstGeom>
+          <a:noFill/>
+        </p:spPr>
+        <p:txBody>
+          <a:bodyPr wrap="square" rtlCol="0">
+            <a:spAutoFit/>
+          </a:bodyPr>
+          <a:lstStyle/>
+          <a:p>
+            <a:pPr algn="ctr"/>
+            <a:r>
+              <a:rPr lang="en-US" altLang="ko-KR" sz="4400" b="1" dirty="0">
+                <a:latin typeface="더페이스샵 잉크립퀴드체" panose="03050503000000000000" pitchFamily="66" charset="-127"/>
+                <a:ea typeface="더페이스샵 잉크립퀴드체" panose="03050503000000000000" pitchFamily="66" charset="-127"/>
+              </a:rPr>
+              <a:t>‘</a:t>
+            </a:r>
+            <a:r>
+              <a:rPr lang="ko-KR" altLang="en-US" sz="4400" b="1" dirty="0">
+                <a:latin typeface="더페이스샵 잉크립퀴드체" panose="03050503000000000000" pitchFamily="66" charset="-127"/>
+                <a:ea typeface="더페이스샵 잉크립퀴드체" panose="03050503000000000000" pitchFamily="66" charset="-127"/>
+              </a:rPr>
+              <a:t>구현 화면</a:t>
+            </a:r>
+            <a:r>
+              <a:rPr lang="en-US" altLang="ko-KR" sz="4400" b="1" dirty="0">
+                <a:latin typeface="더페이스샵 잉크립퀴드체" panose="03050503000000000000" pitchFamily="66" charset="-127"/>
+                <a:ea typeface="더페이스샵 잉크립퀴드체" panose="03050503000000000000" pitchFamily="66" charset="-127"/>
+              </a:rPr>
+              <a:t>’</a:t>
+            </a:r>
+            <a:endParaRPr lang="ko-KR" altLang="en-US" sz="2800" spc="-100" dirty="0">
+              <a:latin typeface="나눔바른펜" panose="020B0503000000000000" pitchFamily="50" charset="-127"/>
+              <a:ea typeface="나눔바른펜" panose="020B0503000000000000" pitchFamily="50" charset="-127"/>
+            </a:endParaRPr>
+          </a:p>
+        </p:txBody>
+      </p:sp>
+      <p:pic>
+        <p:nvPicPr>
+          <p:cNvPr id="4" name="그림 3">
+            <a:extLst>
+              <a:ext uri="{FF2B5EF4-FFF2-40B4-BE49-F238E27FC236}">
                 <a16:creationId xmlns:a16="http://schemas.microsoft.com/office/drawing/2014/main" id="{516EEBE7-5878-1147-1A61-3950DC7B53DB}"/>
               </a:ext>
             </a:extLst>
@@ -9244,7 +9668,7 @@
 </p:sld>
 </file>
 
-<file path=ppt/slides/slide11.xml><?xml version="1.0" encoding="utf-8"?>
+<file path=ppt/slides/slide12.xml><?xml version="1.0" encoding="utf-8"?>
 <p:sld xmlns:a="http://schemas.openxmlformats.org/drawingml/2006/main" xmlns:r="http://schemas.openxmlformats.org/officeDocument/2006/relationships" xmlns:p="http://schemas.openxmlformats.org/presentationml/2006/main">
   <p:cSld>
     <p:spTree>
@@ -9667,7 +10091,7 @@
 </p:sld>
 </file>
 
-<file path=ppt/slides/slide12.xml><?xml version="1.0" encoding="utf-8"?>
+<file path=ppt/slides/slide13.xml><?xml version="1.0" encoding="utf-8"?>
 <p:sld xmlns:a="http://schemas.openxmlformats.org/drawingml/2006/main" xmlns:r="http://schemas.openxmlformats.org/officeDocument/2006/relationships" xmlns:p="http://schemas.openxmlformats.org/presentationml/2006/main">
   <p:cSld>
     <p:spTree>
@@ -14254,6 +14678,5426 @@
           </a:p>
         </p:txBody>
       </p:sp>
+      <p:graphicFrame>
+        <p:nvGraphicFramePr>
+          <p:cNvPr id="4" name="표 3">
+            <a:extLst>
+              <a:ext uri="{FF2B5EF4-FFF2-40B4-BE49-F238E27FC236}">
+                <a16:creationId xmlns:a16="http://schemas.microsoft.com/office/drawing/2014/main" id="{44106088-4D8C-C963-76E0-BBE8F82651B5}"/>
+              </a:ext>
+            </a:extLst>
+          </p:cNvPr>
+          <p:cNvGraphicFramePr>
+            <a:graphicFrameLocks noGrp="1"/>
+          </p:cNvGraphicFramePr>
+          <p:nvPr>
+            <p:extLst>
+              <p:ext uri="{D42A27DB-BD31-4B8C-83A1-F6EECF244321}">
+                <p14:modId xmlns:p14="http://schemas.microsoft.com/office/powerpoint/2010/main" val="157129449"/>
+              </p:ext>
+            </p:extLst>
+          </p:nvPr>
+        </p:nvGraphicFramePr>
+        <p:xfrm>
+          <a:off x="2046816" y="2497508"/>
+          <a:ext cx="7763245" cy="2371003"/>
+        </p:xfrm>
+        <a:graphic>
+          <a:graphicData uri="http://schemas.openxmlformats.org/drawingml/2006/table">
+            <a:tbl>
+              <a:tblPr/>
+              <a:tblGrid>
+                <a:gridCol w="2207045">
+                  <a:extLst>
+                    <a:ext uri="{9D8B030D-6E8A-4147-A177-3AD203B41FA5}">
+                      <a16:colId xmlns:a16="http://schemas.microsoft.com/office/drawing/2014/main" val="365675758"/>
+                    </a:ext>
+                  </a:extLst>
+                </a:gridCol>
+                <a:gridCol w="277810">
+                  <a:extLst>
+                    <a:ext uri="{9D8B030D-6E8A-4147-A177-3AD203B41FA5}">
+                      <a16:colId xmlns:a16="http://schemas.microsoft.com/office/drawing/2014/main" val="2972682476"/>
+                    </a:ext>
+                  </a:extLst>
+                </a:gridCol>
+                <a:gridCol w="277810">
+                  <a:extLst>
+                    <a:ext uri="{9D8B030D-6E8A-4147-A177-3AD203B41FA5}">
+                      <a16:colId xmlns:a16="http://schemas.microsoft.com/office/drawing/2014/main" val="4150327807"/>
+                    </a:ext>
+                  </a:extLst>
+                </a:gridCol>
+                <a:gridCol w="277810">
+                  <a:extLst>
+                    <a:ext uri="{9D8B030D-6E8A-4147-A177-3AD203B41FA5}">
+                      <a16:colId xmlns:a16="http://schemas.microsoft.com/office/drawing/2014/main" val="1546629985"/>
+                    </a:ext>
+                  </a:extLst>
+                </a:gridCol>
+                <a:gridCol w="277810">
+                  <a:extLst>
+                    <a:ext uri="{9D8B030D-6E8A-4147-A177-3AD203B41FA5}">
+                      <a16:colId xmlns:a16="http://schemas.microsoft.com/office/drawing/2014/main" val="2350011119"/>
+                    </a:ext>
+                  </a:extLst>
+                </a:gridCol>
+                <a:gridCol w="277810">
+                  <a:extLst>
+                    <a:ext uri="{9D8B030D-6E8A-4147-A177-3AD203B41FA5}">
+                      <a16:colId xmlns:a16="http://schemas.microsoft.com/office/drawing/2014/main" val="2845609457"/>
+                    </a:ext>
+                  </a:extLst>
+                </a:gridCol>
+                <a:gridCol w="277810">
+                  <a:extLst>
+                    <a:ext uri="{9D8B030D-6E8A-4147-A177-3AD203B41FA5}">
+                      <a16:colId xmlns:a16="http://schemas.microsoft.com/office/drawing/2014/main" val="2543705160"/>
+                    </a:ext>
+                  </a:extLst>
+                </a:gridCol>
+                <a:gridCol w="277810">
+                  <a:extLst>
+                    <a:ext uri="{9D8B030D-6E8A-4147-A177-3AD203B41FA5}">
+                      <a16:colId xmlns:a16="http://schemas.microsoft.com/office/drawing/2014/main" val="2580583130"/>
+                    </a:ext>
+                  </a:extLst>
+                </a:gridCol>
+                <a:gridCol w="277810">
+                  <a:extLst>
+                    <a:ext uri="{9D8B030D-6E8A-4147-A177-3AD203B41FA5}">
+                      <a16:colId xmlns:a16="http://schemas.microsoft.com/office/drawing/2014/main" val="3602354372"/>
+                    </a:ext>
+                  </a:extLst>
+                </a:gridCol>
+                <a:gridCol w="277810">
+                  <a:extLst>
+                    <a:ext uri="{9D8B030D-6E8A-4147-A177-3AD203B41FA5}">
+                      <a16:colId xmlns:a16="http://schemas.microsoft.com/office/drawing/2014/main" val="2693181612"/>
+                    </a:ext>
+                  </a:extLst>
+                </a:gridCol>
+                <a:gridCol w="277810">
+                  <a:extLst>
+                    <a:ext uri="{9D8B030D-6E8A-4147-A177-3AD203B41FA5}">
+                      <a16:colId xmlns:a16="http://schemas.microsoft.com/office/drawing/2014/main" val="2205021572"/>
+                    </a:ext>
+                  </a:extLst>
+                </a:gridCol>
+                <a:gridCol w="277810">
+                  <a:extLst>
+                    <a:ext uri="{9D8B030D-6E8A-4147-A177-3AD203B41FA5}">
+                      <a16:colId xmlns:a16="http://schemas.microsoft.com/office/drawing/2014/main" val="491367259"/>
+                    </a:ext>
+                  </a:extLst>
+                </a:gridCol>
+                <a:gridCol w="277810">
+                  <a:extLst>
+                    <a:ext uri="{9D8B030D-6E8A-4147-A177-3AD203B41FA5}">
+                      <a16:colId xmlns:a16="http://schemas.microsoft.com/office/drawing/2014/main" val="1829918621"/>
+                    </a:ext>
+                  </a:extLst>
+                </a:gridCol>
+                <a:gridCol w="277810">
+                  <a:extLst>
+                    <a:ext uri="{9D8B030D-6E8A-4147-A177-3AD203B41FA5}">
+                      <a16:colId xmlns:a16="http://schemas.microsoft.com/office/drawing/2014/main" val="3706214751"/>
+                    </a:ext>
+                  </a:extLst>
+                </a:gridCol>
+                <a:gridCol w="277810">
+                  <a:extLst>
+                    <a:ext uri="{9D8B030D-6E8A-4147-A177-3AD203B41FA5}">
+                      <a16:colId xmlns:a16="http://schemas.microsoft.com/office/drawing/2014/main" val="3878414919"/>
+                    </a:ext>
+                  </a:extLst>
+                </a:gridCol>
+                <a:gridCol w="277810">
+                  <a:extLst>
+                    <a:ext uri="{9D8B030D-6E8A-4147-A177-3AD203B41FA5}">
+                      <a16:colId xmlns:a16="http://schemas.microsoft.com/office/drawing/2014/main" val="101352997"/>
+                    </a:ext>
+                  </a:extLst>
+                </a:gridCol>
+                <a:gridCol w="277810">
+                  <a:extLst>
+                    <a:ext uri="{9D8B030D-6E8A-4147-A177-3AD203B41FA5}">
+                      <a16:colId xmlns:a16="http://schemas.microsoft.com/office/drawing/2014/main" val="3109150898"/>
+                    </a:ext>
+                  </a:extLst>
+                </a:gridCol>
+                <a:gridCol w="277810">
+                  <a:extLst>
+                    <a:ext uri="{9D8B030D-6E8A-4147-A177-3AD203B41FA5}">
+                      <a16:colId xmlns:a16="http://schemas.microsoft.com/office/drawing/2014/main" val="1243497678"/>
+                    </a:ext>
+                  </a:extLst>
+                </a:gridCol>
+                <a:gridCol w="277810">
+                  <a:extLst>
+                    <a:ext uri="{9D8B030D-6E8A-4147-A177-3AD203B41FA5}">
+                      <a16:colId xmlns:a16="http://schemas.microsoft.com/office/drawing/2014/main" val="3304253936"/>
+                    </a:ext>
+                  </a:extLst>
+                </a:gridCol>
+                <a:gridCol w="277810">
+                  <a:extLst>
+                    <a:ext uri="{9D8B030D-6E8A-4147-A177-3AD203B41FA5}">
+                      <a16:colId xmlns:a16="http://schemas.microsoft.com/office/drawing/2014/main" val="466830749"/>
+                    </a:ext>
+                  </a:extLst>
+                </a:gridCol>
+                <a:gridCol w="277810">
+                  <a:extLst>
+                    <a:ext uri="{9D8B030D-6E8A-4147-A177-3AD203B41FA5}">
+                      <a16:colId xmlns:a16="http://schemas.microsoft.com/office/drawing/2014/main" val="1006691291"/>
+                    </a:ext>
+                  </a:extLst>
+                </a:gridCol>
+              </a:tblGrid>
+              <a:tr h="231508">
+                <a:tc>
+                  <a:txBody>
+                    <a:bodyPr/>
+                    <a:lstStyle/>
+                    <a:p>
+                      <a:pPr algn="ctr" fontAlgn="ctr"/>
+                      <a:r>
+                        <a:rPr lang="ko-KR" altLang="en-US" sz="1000" b="1" i="0" u="none" strike="noStrike">
+                          <a:solidFill>
+                            <a:srgbClr val="FFFFFF"/>
+                          </a:solidFill>
+                          <a:effectLst/>
+                          <a:latin typeface="Roboto" panose="02000000000000000000" pitchFamily="2" charset="0"/>
+                        </a:rPr>
+                        <a:t>　</a:t>
+                      </a:r>
+                    </a:p>
+                  </a:txBody>
+                  <a:tcPr marL="11575" marR="11575" marT="11575" marB="0" anchor="ctr">
+                    <a:lnL w="6350" cap="flat" cmpd="sng" algn="ctr">
+                      <a:solidFill>
+                        <a:srgbClr val="000000"/>
+                      </a:solidFill>
+                      <a:prstDash val="solid"/>
+                      <a:round/>
+                      <a:headEnd type="none" w="med" len="med"/>
+                      <a:tailEnd type="none" w="med" len="med"/>
+                    </a:lnL>
+                    <a:lnR w="6350" cap="flat" cmpd="sng" algn="ctr">
+                      <a:solidFill>
+                        <a:srgbClr val="999999"/>
+                      </a:solidFill>
+                      <a:prstDash val="solid"/>
+                      <a:round/>
+                      <a:headEnd type="none" w="med" len="med"/>
+                      <a:tailEnd type="none" w="med" len="med"/>
+                    </a:lnR>
+                    <a:lnT w="6350" cap="flat" cmpd="sng" algn="ctr">
+                      <a:solidFill>
+                        <a:srgbClr val="000000"/>
+                      </a:solidFill>
+                      <a:prstDash val="solid"/>
+                      <a:round/>
+                      <a:headEnd type="none" w="med" len="med"/>
+                      <a:tailEnd type="none" w="med" len="med"/>
+                    </a:lnT>
+                    <a:lnB w="6350" cap="flat" cmpd="sng" algn="ctr">
+                      <a:solidFill>
+                        <a:srgbClr val="000000"/>
+                      </a:solidFill>
+                      <a:prstDash val="solid"/>
+                      <a:round/>
+                      <a:headEnd type="none" w="med" len="med"/>
+                      <a:tailEnd type="none" w="med" len="med"/>
+                    </a:lnB>
+                    <a:solidFill>
+                      <a:srgbClr val="434343"/>
+                    </a:solidFill>
+                  </a:tcPr>
+                </a:tc>
+                <a:tc gridSpan="20">
+                  <a:txBody>
+                    <a:bodyPr/>
+                    <a:lstStyle/>
+                    <a:p>
+                      <a:pPr algn="ctr" fontAlgn="ctr"/>
+                      <a:r>
+                        <a:rPr lang="en-US" altLang="ko-KR" sz="1100" b="1" i="0" u="none" strike="noStrike" dirty="0">
+                          <a:solidFill>
+                            <a:srgbClr val="FFFFFF"/>
+                          </a:solidFill>
+                          <a:effectLst/>
+                          <a:latin typeface="Roboto" panose="02000000000000000000" pitchFamily="2" charset="0"/>
+                        </a:rPr>
+                        <a:t>10</a:t>
+                      </a:r>
+                      <a:r>
+                        <a:rPr lang="ko-KR" altLang="en-US" sz="1100" b="1" i="0" u="none" strike="noStrike" dirty="0">
+                          <a:solidFill>
+                            <a:srgbClr val="FFFFFF"/>
+                          </a:solidFill>
+                          <a:effectLst/>
+                          <a:latin typeface="돋움" panose="020B0600000101010101" pitchFamily="50" charset="-127"/>
+                          <a:ea typeface="돋움" panose="020B0600000101010101" pitchFamily="50" charset="-127"/>
+                        </a:rPr>
+                        <a:t>월</a:t>
+                      </a:r>
+                      <a:endParaRPr lang="ko-KR" altLang="en-US" sz="1100" b="1" i="0" u="none" strike="noStrike" dirty="0">
+                        <a:solidFill>
+                          <a:srgbClr val="FFFFFF"/>
+                        </a:solidFill>
+                        <a:effectLst/>
+                        <a:latin typeface="Roboto" panose="02000000000000000000" pitchFamily="2" charset="0"/>
+                      </a:endParaRPr>
+                    </a:p>
+                  </a:txBody>
+                  <a:tcPr marL="111124" marR="111124" marT="55562" marB="55562" anchor="ctr">
+                    <a:lnL w="6350" cap="flat" cmpd="sng" algn="ctr">
+                      <a:solidFill>
+                        <a:srgbClr val="999999"/>
+                      </a:solidFill>
+                      <a:prstDash val="solid"/>
+                      <a:round/>
+                      <a:headEnd type="none" w="med" len="med"/>
+                      <a:tailEnd type="none" w="med" len="med"/>
+                    </a:lnL>
+                    <a:lnR w="6350" cap="flat" cmpd="sng" algn="ctr">
+                      <a:solidFill>
+                        <a:srgbClr val="000000"/>
+                      </a:solidFill>
+                      <a:prstDash val="solid"/>
+                      <a:round/>
+                      <a:headEnd type="none" w="med" len="med"/>
+                      <a:tailEnd type="none" w="med" len="med"/>
+                    </a:lnR>
+                    <a:lnT>
+                      <a:noFill/>
+                    </a:lnT>
+                    <a:lnB>
+                      <a:noFill/>
+                    </a:lnB>
+                    <a:solidFill>
+                      <a:srgbClr val="434343"/>
+                    </a:solidFill>
+                  </a:tcPr>
+                </a:tc>
+                <a:tc hMerge="1">
+                  <a:txBody>
+                    <a:bodyPr/>
+                    <a:lstStyle/>
+                    <a:p>
+                      <a:pPr latinLnBrk="1"/>
+                      <a:endParaRPr lang="ko-KR" altLang="en-US"/>
+                    </a:p>
+                  </a:txBody>
+                  <a:tcPr/>
+                </a:tc>
+                <a:tc hMerge="1">
+                  <a:txBody>
+                    <a:bodyPr/>
+                    <a:lstStyle/>
+                    <a:p>
+                      <a:pPr latinLnBrk="1"/>
+                      <a:endParaRPr lang="ko-KR" altLang="en-US"/>
+                    </a:p>
+                  </a:txBody>
+                  <a:tcPr/>
+                </a:tc>
+                <a:tc hMerge="1">
+                  <a:txBody>
+                    <a:bodyPr/>
+                    <a:lstStyle/>
+                    <a:p>
+                      <a:pPr latinLnBrk="1"/>
+                      <a:endParaRPr lang="ko-KR" altLang="en-US"/>
+                    </a:p>
+                  </a:txBody>
+                  <a:tcPr/>
+                </a:tc>
+                <a:tc hMerge="1">
+                  <a:txBody>
+                    <a:bodyPr/>
+                    <a:lstStyle/>
+                    <a:p>
+                      <a:pPr latinLnBrk="1"/>
+                      <a:endParaRPr lang="ko-KR" altLang="en-US"/>
+                    </a:p>
+                  </a:txBody>
+                  <a:tcPr/>
+                </a:tc>
+                <a:tc hMerge="1">
+                  <a:txBody>
+                    <a:bodyPr/>
+                    <a:lstStyle/>
+                    <a:p>
+                      <a:pPr latinLnBrk="1"/>
+                      <a:endParaRPr lang="ko-KR" altLang="en-US"/>
+                    </a:p>
+                  </a:txBody>
+                  <a:tcPr/>
+                </a:tc>
+                <a:tc hMerge="1">
+                  <a:txBody>
+                    <a:bodyPr/>
+                    <a:lstStyle/>
+                    <a:p>
+                      <a:pPr latinLnBrk="1"/>
+                      <a:endParaRPr lang="ko-KR" altLang="en-US"/>
+                    </a:p>
+                  </a:txBody>
+                  <a:tcPr/>
+                </a:tc>
+                <a:tc hMerge="1">
+                  <a:txBody>
+                    <a:bodyPr/>
+                    <a:lstStyle/>
+                    <a:p>
+                      <a:pPr latinLnBrk="1"/>
+                      <a:endParaRPr lang="ko-KR" altLang="en-US"/>
+                    </a:p>
+                  </a:txBody>
+                  <a:tcPr/>
+                </a:tc>
+                <a:tc hMerge="1">
+                  <a:txBody>
+                    <a:bodyPr/>
+                    <a:lstStyle/>
+                    <a:p>
+                      <a:pPr latinLnBrk="1"/>
+                      <a:endParaRPr lang="ko-KR" altLang="en-US"/>
+                    </a:p>
+                  </a:txBody>
+                  <a:tcPr/>
+                </a:tc>
+                <a:tc hMerge="1">
+                  <a:txBody>
+                    <a:bodyPr/>
+                    <a:lstStyle/>
+                    <a:p>
+                      <a:pPr latinLnBrk="1"/>
+                      <a:endParaRPr lang="ko-KR" altLang="en-US"/>
+                    </a:p>
+                  </a:txBody>
+                  <a:tcPr/>
+                </a:tc>
+                <a:tc hMerge="1">
+                  <a:txBody>
+                    <a:bodyPr/>
+                    <a:lstStyle/>
+                    <a:p>
+                      <a:pPr latinLnBrk="1"/>
+                      <a:endParaRPr lang="ko-KR" altLang="en-US"/>
+                    </a:p>
+                  </a:txBody>
+                  <a:tcPr/>
+                </a:tc>
+                <a:tc hMerge="1">
+                  <a:txBody>
+                    <a:bodyPr/>
+                    <a:lstStyle/>
+                    <a:p>
+                      <a:pPr latinLnBrk="1"/>
+                      <a:endParaRPr lang="ko-KR" altLang="en-US"/>
+                    </a:p>
+                  </a:txBody>
+                  <a:tcPr/>
+                </a:tc>
+                <a:tc hMerge="1">
+                  <a:txBody>
+                    <a:bodyPr/>
+                    <a:lstStyle/>
+                    <a:p>
+                      <a:pPr latinLnBrk="1"/>
+                      <a:endParaRPr lang="ko-KR" altLang="en-US"/>
+                    </a:p>
+                  </a:txBody>
+                  <a:tcPr/>
+                </a:tc>
+                <a:tc hMerge="1">
+                  <a:txBody>
+                    <a:bodyPr/>
+                    <a:lstStyle/>
+                    <a:p>
+                      <a:pPr latinLnBrk="1"/>
+                      <a:endParaRPr lang="ko-KR" altLang="en-US"/>
+                    </a:p>
+                  </a:txBody>
+                  <a:tcPr/>
+                </a:tc>
+                <a:tc hMerge="1">
+                  <a:txBody>
+                    <a:bodyPr/>
+                    <a:lstStyle/>
+                    <a:p>
+                      <a:pPr latinLnBrk="1"/>
+                      <a:endParaRPr lang="ko-KR" altLang="en-US"/>
+                    </a:p>
+                  </a:txBody>
+                  <a:tcPr/>
+                </a:tc>
+                <a:tc hMerge="1">
+                  <a:txBody>
+                    <a:bodyPr/>
+                    <a:lstStyle/>
+                    <a:p>
+                      <a:pPr latinLnBrk="1"/>
+                      <a:endParaRPr lang="ko-KR" altLang="en-US"/>
+                    </a:p>
+                  </a:txBody>
+                  <a:tcPr/>
+                </a:tc>
+                <a:tc hMerge="1">
+                  <a:txBody>
+                    <a:bodyPr/>
+                    <a:lstStyle/>
+                    <a:p>
+                      <a:pPr latinLnBrk="1"/>
+                      <a:endParaRPr lang="ko-KR" altLang="en-US"/>
+                    </a:p>
+                  </a:txBody>
+                  <a:tcPr/>
+                </a:tc>
+                <a:tc hMerge="1">
+                  <a:txBody>
+                    <a:bodyPr/>
+                    <a:lstStyle/>
+                    <a:p>
+                      <a:pPr latinLnBrk="1"/>
+                      <a:endParaRPr lang="ko-KR" altLang="en-US"/>
+                    </a:p>
+                  </a:txBody>
+                  <a:tcPr/>
+                </a:tc>
+                <a:tc hMerge="1">
+                  <a:txBody>
+                    <a:bodyPr/>
+                    <a:lstStyle/>
+                    <a:p>
+                      <a:pPr latinLnBrk="1"/>
+                      <a:endParaRPr lang="ko-KR" altLang="en-US"/>
+                    </a:p>
+                  </a:txBody>
+                  <a:tcPr/>
+                </a:tc>
+                <a:tc hMerge="1">
+                  <a:txBody>
+                    <a:bodyPr/>
+                    <a:lstStyle/>
+                    <a:p>
+                      <a:pPr latinLnBrk="1"/>
+                      <a:endParaRPr lang="ko-KR" altLang="en-US"/>
+                    </a:p>
+                  </a:txBody>
+                  <a:tcPr/>
+                </a:tc>
+                <a:extLst>
+                  <a:ext uri="{0D108BD9-81ED-4DB2-BD59-A6C34878D82A}">
+                    <a16:rowId xmlns:a16="http://schemas.microsoft.com/office/drawing/2014/main" val="422731440"/>
+                  </a:ext>
+                </a:extLst>
+              </a:tr>
+              <a:tr h="233823">
+                <a:tc>
+                  <a:txBody>
+                    <a:bodyPr/>
+                    <a:lstStyle/>
+                    <a:p>
+                      <a:pPr algn="l" fontAlgn="ctr"/>
+                      <a:r>
+                        <a:rPr lang="en-US" sz="1500" b="1" i="0" u="none" strike="noStrike">
+                          <a:solidFill>
+                            <a:srgbClr val="666666"/>
+                          </a:solidFill>
+                          <a:effectLst/>
+                          <a:latin typeface="Roboto" panose="02000000000000000000" pitchFamily="2" charset="0"/>
+                        </a:rPr>
+                        <a:t>TASK</a:t>
+                      </a:r>
+                    </a:p>
+                  </a:txBody>
+                  <a:tcPr marL="11575" marR="11575" marT="11575" marB="0" anchor="ctr">
+                    <a:lnL w="6350" cap="flat" cmpd="sng" algn="ctr">
+                      <a:solidFill>
+                        <a:srgbClr val="000000"/>
+                      </a:solidFill>
+                      <a:prstDash val="solid"/>
+                      <a:round/>
+                      <a:headEnd type="none" w="med" len="med"/>
+                      <a:tailEnd type="none" w="med" len="med"/>
+                    </a:lnL>
+                    <a:lnR w="6350" cap="flat" cmpd="sng" algn="ctr">
+                      <a:solidFill>
+                        <a:srgbClr val="999999"/>
+                      </a:solidFill>
+                      <a:prstDash val="solid"/>
+                      <a:round/>
+                      <a:headEnd type="none" w="med" len="med"/>
+                      <a:tailEnd type="none" w="med" len="med"/>
+                    </a:lnR>
+                    <a:lnT w="6350" cap="flat" cmpd="sng" algn="ctr">
+                      <a:solidFill>
+                        <a:srgbClr val="000000"/>
+                      </a:solidFill>
+                      <a:prstDash val="solid"/>
+                      <a:round/>
+                      <a:headEnd type="none" w="med" len="med"/>
+                      <a:tailEnd type="none" w="med" len="med"/>
+                    </a:lnT>
+                    <a:lnB>
+                      <a:noFill/>
+                    </a:lnB>
+                    <a:solidFill>
+                      <a:srgbClr val="EFEFEF"/>
+                    </a:solidFill>
+                  </a:tcPr>
+                </a:tc>
+                <a:tc>
+                  <a:txBody>
+                    <a:bodyPr/>
+                    <a:lstStyle/>
+                    <a:p>
+                      <a:pPr algn="ctr" fontAlgn="ctr"/>
+                      <a:r>
+                        <a:rPr lang="en-US" altLang="ko-KR" sz="1100" b="0" i="0" u="none" strike="noStrike">
+                          <a:solidFill>
+                            <a:srgbClr val="666666"/>
+                          </a:solidFill>
+                          <a:effectLst/>
+                          <a:latin typeface="Roboto" panose="02000000000000000000" pitchFamily="2" charset="0"/>
+                        </a:rPr>
+                        <a:t>1</a:t>
+                      </a:r>
+                    </a:p>
+                  </a:txBody>
+                  <a:tcPr marL="11575" marR="11575" marT="11575" marB="0" anchor="ctr">
+                    <a:lnL w="6350" cap="flat" cmpd="sng" algn="ctr">
+                      <a:solidFill>
+                        <a:srgbClr val="999999"/>
+                      </a:solidFill>
+                      <a:prstDash val="solid"/>
+                      <a:round/>
+                      <a:headEnd type="none" w="med" len="med"/>
+                      <a:tailEnd type="none" w="med" len="med"/>
+                    </a:lnL>
+                    <a:lnR>
+                      <a:noFill/>
+                    </a:lnR>
+                    <a:lnT>
+                      <a:noFill/>
+                    </a:lnT>
+                    <a:lnB w="6350" cap="flat" cmpd="sng" algn="ctr">
+                      <a:solidFill>
+                        <a:srgbClr val="999999"/>
+                      </a:solidFill>
+                      <a:prstDash val="solid"/>
+                      <a:round/>
+                      <a:headEnd type="none" w="med" len="med"/>
+                      <a:tailEnd type="none" w="med" len="med"/>
+                    </a:lnB>
+                    <a:solidFill>
+                      <a:srgbClr val="FFC000"/>
+                    </a:solidFill>
+                  </a:tcPr>
+                </a:tc>
+                <a:tc>
+                  <a:txBody>
+                    <a:bodyPr/>
+                    <a:lstStyle/>
+                    <a:p>
+                      <a:pPr algn="ctr" fontAlgn="ctr"/>
+                      <a:r>
+                        <a:rPr lang="en-US" altLang="ko-KR" sz="1100" b="0" i="0" u="none" strike="noStrike">
+                          <a:solidFill>
+                            <a:srgbClr val="666666"/>
+                          </a:solidFill>
+                          <a:effectLst/>
+                          <a:latin typeface="Roboto" panose="02000000000000000000" pitchFamily="2" charset="0"/>
+                        </a:rPr>
+                        <a:t>2</a:t>
+                      </a:r>
+                    </a:p>
+                  </a:txBody>
+                  <a:tcPr marL="11575" marR="11575" marT="11575" marB="0" anchor="ctr">
+                    <a:lnL>
+                      <a:noFill/>
+                    </a:lnL>
+                    <a:lnR>
+                      <a:noFill/>
+                    </a:lnR>
+                    <a:lnT>
+                      <a:noFill/>
+                    </a:lnT>
+                    <a:lnB w="6350" cap="flat" cmpd="sng" algn="ctr">
+                      <a:solidFill>
+                        <a:srgbClr val="999999"/>
+                      </a:solidFill>
+                      <a:prstDash val="solid"/>
+                      <a:round/>
+                      <a:headEnd type="none" w="med" len="med"/>
+                      <a:tailEnd type="none" w="med" len="med"/>
+                    </a:lnB>
+                    <a:solidFill>
+                      <a:srgbClr val="FFC000"/>
+                    </a:solidFill>
+                  </a:tcPr>
+                </a:tc>
+                <a:tc>
+                  <a:txBody>
+                    <a:bodyPr/>
+                    <a:lstStyle/>
+                    <a:p>
+                      <a:pPr algn="ctr" fontAlgn="ctr"/>
+                      <a:r>
+                        <a:rPr lang="en-US" altLang="ko-KR" sz="1100" b="0" i="0" u="none" strike="noStrike">
+                          <a:solidFill>
+                            <a:srgbClr val="666666"/>
+                          </a:solidFill>
+                          <a:effectLst/>
+                          <a:latin typeface="Roboto" panose="02000000000000000000" pitchFamily="2" charset="0"/>
+                        </a:rPr>
+                        <a:t>3</a:t>
+                      </a:r>
+                    </a:p>
+                  </a:txBody>
+                  <a:tcPr marL="11575" marR="11575" marT="11575" marB="0" anchor="ctr">
+                    <a:lnL>
+                      <a:noFill/>
+                    </a:lnL>
+                    <a:lnR>
+                      <a:noFill/>
+                    </a:lnR>
+                    <a:lnT>
+                      <a:noFill/>
+                    </a:lnT>
+                    <a:lnB w="6350" cap="flat" cmpd="sng" algn="ctr">
+                      <a:solidFill>
+                        <a:srgbClr val="999999"/>
+                      </a:solidFill>
+                      <a:prstDash val="solid"/>
+                      <a:round/>
+                      <a:headEnd type="none" w="med" len="med"/>
+                      <a:tailEnd type="none" w="med" len="med"/>
+                    </a:lnB>
+                    <a:solidFill>
+                      <a:srgbClr val="EFEFEF"/>
+                    </a:solidFill>
+                  </a:tcPr>
+                </a:tc>
+                <a:tc>
+                  <a:txBody>
+                    <a:bodyPr/>
+                    <a:lstStyle/>
+                    <a:p>
+                      <a:pPr algn="ctr" fontAlgn="ctr"/>
+                      <a:r>
+                        <a:rPr lang="en-US" altLang="ko-KR" sz="1100" b="0" i="0" u="none" strike="noStrike">
+                          <a:solidFill>
+                            <a:srgbClr val="666666"/>
+                          </a:solidFill>
+                          <a:effectLst/>
+                          <a:latin typeface="Roboto" panose="02000000000000000000" pitchFamily="2" charset="0"/>
+                        </a:rPr>
+                        <a:t>4</a:t>
+                      </a:r>
+                    </a:p>
+                  </a:txBody>
+                  <a:tcPr marL="11575" marR="11575" marT="11575" marB="0" anchor="ctr">
+                    <a:lnL>
+                      <a:noFill/>
+                    </a:lnL>
+                    <a:lnR>
+                      <a:noFill/>
+                    </a:lnR>
+                    <a:lnT>
+                      <a:noFill/>
+                    </a:lnT>
+                    <a:lnB w="6350" cap="flat" cmpd="sng" algn="ctr">
+                      <a:solidFill>
+                        <a:srgbClr val="999999"/>
+                      </a:solidFill>
+                      <a:prstDash val="solid"/>
+                      <a:round/>
+                      <a:headEnd type="none" w="med" len="med"/>
+                      <a:tailEnd type="none" w="med" len="med"/>
+                    </a:lnB>
+                    <a:solidFill>
+                      <a:srgbClr val="EFEFEF"/>
+                    </a:solidFill>
+                  </a:tcPr>
+                </a:tc>
+                <a:tc>
+                  <a:txBody>
+                    <a:bodyPr/>
+                    <a:lstStyle/>
+                    <a:p>
+                      <a:pPr algn="ctr" fontAlgn="ctr"/>
+                      <a:r>
+                        <a:rPr lang="en-US" altLang="ko-KR" sz="1100" b="0" i="0" u="none" strike="noStrike">
+                          <a:solidFill>
+                            <a:srgbClr val="666666"/>
+                          </a:solidFill>
+                          <a:effectLst/>
+                          <a:latin typeface="Roboto" panose="02000000000000000000" pitchFamily="2" charset="0"/>
+                        </a:rPr>
+                        <a:t>5</a:t>
+                      </a:r>
+                    </a:p>
+                  </a:txBody>
+                  <a:tcPr marL="11575" marR="11575" marT="11575" marB="0" anchor="ctr">
+                    <a:lnL>
+                      <a:noFill/>
+                    </a:lnL>
+                    <a:lnR>
+                      <a:noFill/>
+                    </a:lnR>
+                    <a:lnT>
+                      <a:noFill/>
+                    </a:lnT>
+                    <a:lnB w="6350" cap="flat" cmpd="sng" algn="ctr">
+                      <a:solidFill>
+                        <a:srgbClr val="999999"/>
+                      </a:solidFill>
+                      <a:prstDash val="solid"/>
+                      <a:round/>
+                      <a:headEnd type="none" w="med" len="med"/>
+                      <a:tailEnd type="none" w="med" len="med"/>
+                    </a:lnB>
+                    <a:solidFill>
+                      <a:srgbClr val="EFEFEF"/>
+                    </a:solidFill>
+                  </a:tcPr>
+                </a:tc>
+                <a:tc>
+                  <a:txBody>
+                    <a:bodyPr/>
+                    <a:lstStyle/>
+                    <a:p>
+                      <a:pPr algn="ctr" fontAlgn="ctr"/>
+                      <a:r>
+                        <a:rPr lang="en-US" altLang="ko-KR" sz="1100" b="0" i="0" u="none" strike="noStrike">
+                          <a:solidFill>
+                            <a:srgbClr val="666666"/>
+                          </a:solidFill>
+                          <a:effectLst/>
+                          <a:latin typeface="Roboto" panose="02000000000000000000" pitchFamily="2" charset="0"/>
+                        </a:rPr>
+                        <a:t>6</a:t>
+                      </a:r>
+                    </a:p>
+                  </a:txBody>
+                  <a:tcPr marL="11575" marR="11575" marT="11575" marB="0" anchor="ctr">
+                    <a:lnL>
+                      <a:noFill/>
+                    </a:lnL>
+                    <a:lnR>
+                      <a:noFill/>
+                    </a:lnR>
+                    <a:lnT>
+                      <a:noFill/>
+                    </a:lnT>
+                    <a:lnB w="6350" cap="flat" cmpd="sng" algn="ctr">
+                      <a:solidFill>
+                        <a:srgbClr val="999999"/>
+                      </a:solidFill>
+                      <a:prstDash val="solid"/>
+                      <a:round/>
+                      <a:headEnd type="none" w="med" len="med"/>
+                      <a:tailEnd type="none" w="med" len="med"/>
+                    </a:lnB>
+                    <a:solidFill>
+                      <a:srgbClr val="EFEFEF"/>
+                    </a:solidFill>
+                  </a:tcPr>
+                </a:tc>
+                <a:tc>
+                  <a:txBody>
+                    <a:bodyPr/>
+                    <a:lstStyle/>
+                    <a:p>
+                      <a:pPr algn="ctr" fontAlgn="ctr"/>
+                      <a:r>
+                        <a:rPr lang="en-US" altLang="ko-KR" sz="1100" b="0" i="0" u="none" strike="noStrike">
+                          <a:solidFill>
+                            <a:srgbClr val="666666"/>
+                          </a:solidFill>
+                          <a:effectLst/>
+                          <a:latin typeface="Roboto" panose="02000000000000000000" pitchFamily="2" charset="0"/>
+                        </a:rPr>
+                        <a:t>7</a:t>
+                      </a:r>
+                    </a:p>
+                  </a:txBody>
+                  <a:tcPr marL="11575" marR="11575" marT="11575" marB="0" anchor="ctr">
+                    <a:lnL>
+                      <a:noFill/>
+                    </a:lnL>
+                    <a:lnR>
+                      <a:noFill/>
+                    </a:lnR>
+                    <a:lnT>
+                      <a:noFill/>
+                    </a:lnT>
+                    <a:lnB w="6350" cap="flat" cmpd="sng" algn="ctr">
+                      <a:solidFill>
+                        <a:srgbClr val="999999"/>
+                      </a:solidFill>
+                      <a:prstDash val="solid"/>
+                      <a:round/>
+                      <a:headEnd type="none" w="med" len="med"/>
+                      <a:tailEnd type="none" w="med" len="med"/>
+                    </a:lnB>
+                    <a:solidFill>
+                      <a:srgbClr val="EFEFEF"/>
+                    </a:solidFill>
+                  </a:tcPr>
+                </a:tc>
+                <a:tc>
+                  <a:txBody>
+                    <a:bodyPr/>
+                    <a:lstStyle/>
+                    <a:p>
+                      <a:pPr algn="ctr" fontAlgn="ctr"/>
+                      <a:r>
+                        <a:rPr lang="en-US" altLang="ko-KR" sz="1100" b="0" i="0" u="none" strike="noStrike">
+                          <a:solidFill>
+                            <a:srgbClr val="666666"/>
+                          </a:solidFill>
+                          <a:effectLst/>
+                          <a:latin typeface="Roboto" panose="02000000000000000000" pitchFamily="2" charset="0"/>
+                        </a:rPr>
+                        <a:t>8</a:t>
+                      </a:r>
+                    </a:p>
+                  </a:txBody>
+                  <a:tcPr marL="11575" marR="11575" marT="11575" marB="0" anchor="ctr">
+                    <a:lnL>
+                      <a:noFill/>
+                    </a:lnL>
+                    <a:lnR>
+                      <a:noFill/>
+                    </a:lnR>
+                    <a:lnT>
+                      <a:noFill/>
+                    </a:lnT>
+                    <a:lnB w="6350" cap="flat" cmpd="sng" algn="ctr">
+                      <a:solidFill>
+                        <a:srgbClr val="999999"/>
+                      </a:solidFill>
+                      <a:prstDash val="solid"/>
+                      <a:round/>
+                      <a:headEnd type="none" w="med" len="med"/>
+                      <a:tailEnd type="none" w="med" len="med"/>
+                    </a:lnB>
+                    <a:solidFill>
+                      <a:srgbClr val="FFC000"/>
+                    </a:solidFill>
+                  </a:tcPr>
+                </a:tc>
+                <a:tc>
+                  <a:txBody>
+                    <a:bodyPr/>
+                    <a:lstStyle/>
+                    <a:p>
+                      <a:pPr algn="ctr" fontAlgn="ctr"/>
+                      <a:r>
+                        <a:rPr lang="en-US" altLang="ko-KR" sz="1100" b="0" i="0" u="none" strike="noStrike">
+                          <a:solidFill>
+                            <a:srgbClr val="666666"/>
+                          </a:solidFill>
+                          <a:effectLst/>
+                          <a:latin typeface="Roboto" panose="02000000000000000000" pitchFamily="2" charset="0"/>
+                        </a:rPr>
+                        <a:t>9</a:t>
+                      </a:r>
+                    </a:p>
+                  </a:txBody>
+                  <a:tcPr marL="11575" marR="11575" marT="11575" marB="0" anchor="ctr">
+                    <a:lnL>
+                      <a:noFill/>
+                    </a:lnL>
+                    <a:lnR>
+                      <a:noFill/>
+                    </a:lnR>
+                    <a:lnT>
+                      <a:noFill/>
+                    </a:lnT>
+                    <a:lnB w="6350" cap="flat" cmpd="sng" algn="ctr">
+                      <a:solidFill>
+                        <a:srgbClr val="999999"/>
+                      </a:solidFill>
+                      <a:prstDash val="solid"/>
+                      <a:round/>
+                      <a:headEnd type="none" w="med" len="med"/>
+                      <a:tailEnd type="none" w="med" len="med"/>
+                    </a:lnB>
+                    <a:solidFill>
+                      <a:srgbClr val="FFC000"/>
+                    </a:solidFill>
+                  </a:tcPr>
+                </a:tc>
+                <a:tc>
+                  <a:txBody>
+                    <a:bodyPr/>
+                    <a:lstStyle/>
+                    <a:p>
+                      <a:pPr algn="ctr" fontAlgn="ctr"/>
+                      <a:r>
+                        <a:rPr lang="en-US" altLang="ko-KR" sz="1100" b="0" i="0" u="none" strike="noStrike">
+                          <a:solidFill>
+                            <a:srgbClr val="666666"/>
+                          </a:solidFill>
+                          <a:effectLst/>
+                          <a:latin typeface="Roboto" panose="02000000000000000000" pitchFamily="2" charset="0"/>
+                        </a:rPr>
+                        <a:t>10</a:t>
+                      </a:r>
+                    </a:p>
+                  </a:txBody>
+                  <a:tcPr marL="11575" marR="11575" marT="11575" marB="0" anchor="ctr">
+                    <a:lnL>
+                      <a:noFill/>
+                    </a:lnL>
+                    <a:lnR>
+                      <a:noFill/>
+                    </a:lnR>
+                    <a:lnT>
+                      <a:noFill/>
+                    </a:lnT>
+                    <a:lnB w="6350" cap="flat" cmpd="sng" algn="ctr">
+                      <a:solidFill>
+                        <a:srgbClr val="999999"/>
+                      </a:solidFill>
+                      <a:prstDash val="solid"/>
+                      <a:round/>
+                      <a:headEnd type="none" w="med" len="med"/>
+                      <a:tailEnd type="none" w="med" len="med"/>
+                    </a:lnB>
+                    <a:solidFill>
+                      <a:srgbClr val="EFEFEF"/>
+                    </a:solidFill>
+                  </a:tcPr>
+                </a:tc>
+                <a:tc>
+                  <a:txBody>
+                    <a:bodyPr/>
+                    <a:lstStyle/>
+                    <a:p>
+                      <a:pPr algn="ctr" fontAlgn="ctr"/>
+                      <a:r>
+                        <a:rPr lang="en-US" altLang="ko-KR" sz="1100" b="0" i="0" u="none" strike="noStrike">
+                          <a:solidFill>
+                            <a:srgbClr val="666666"/>
+                          </a:solidFill>
+                          <a:effectLst/>
+                          <a:latin typeface="Roboto" panose="02000000000000000000" pitchFamily="2" charset="0"/>
+                        </a:rPr>
+                        <a:t>11</a:t>
+                      </a:r>
+                    </a:p>
+                  </a:txBody>
+                  <a:tcPr marL="11575" marR="11575" marT="11575" marB="0" anchor="ctr">
+                    <a:lnL>
+                      <a:noFill/>
+                    </a:lnL>
+                    <a:lnR>
+                      <a:noFill/>
+                    </a:lnR>
+                    <a:lnT>
+                      <a:noFill/>
+                    </a:lnT>
+                    <a:lnB w="6350" cap="flat" cmpd="sng" algn="ctr">
+                      <a:solidFill>
+                        <a:srgbClr val="999999"/>
+                      </a:solidFill>
+                      <a:prstDash val="solid"/>
+                      <a:round/>
+                      <a:headEnd type="none" w="med" len="med"/>
+                      <a:tailEnd type="none" w="med" len="med"/>
+                    </a:lnB>
+                    <a:solidFill>
+                      <a:srgbClr val="EFEFEF"/>
+                    </a:solidFill>
+                  </a:tcPr>
+                </a:tc>
+                <a:tc>
+                  <a:txBody>
+                    <a:bodyPr/>
+                    <a:lstStyle/>
+                    <a:p>
+                      <a:pPr algn="ctr" fontAlgn="ctr"/>
+                      <a:r>
+                        <a:rPr lang="en-US" altLang="ko-KR" sz="1100" b="0" i="0" u="none" strike="noStrike">
+                          <a:solidFill>
+                            <a:srgbClr val="666666"/>
+                          </a:solidFill>
+                          <a:effectLst/>
+                          <a:latin typeface="Roboto" panose="02000000000000000000" pitchFamily="2" charset="0"/>
+                        </a:rPr>
+                        <a:t>12</a:t>
+                      </a:r>
+                    </a:p>
+                  </a:txBody>
+                  <a:tcPr marL="11575" marR="11575" marT="11575" marB="0" anchor="ctr">
+                    <a:lnL>
+                      <a:noFill/>
+                    </a:lnL>
+                    <a:lnR>
+                      <a:noFill/>
+                    </a:lnR>
+                    <a:lnT>
+                      <a:noFill/>
+                    </a:lnT>
+                    <a:lnB w="6350" cap="flat" cmpd="sng" algn="ctr">
+                      <a:solidFill>
+                        <a:srgbClr val="999999"/>
+                      </a:solidFill>
+                      <a:prstDash val="solid"/>
+                      <a:round/>
+                      <a:headEnd type="none" w="med" len="med"/>
+                      <a:tailEnd type="none" w="med" len="med"/>
+                    </a:lnB>
+                    <a:solidFill>
+                      <a:srgbClr val="EFEFEF"/>
+                    </a:solidFill>
+                  </a:tcPr>
+                </a:tc>
+                <a:tc>
+                  <a:txBody>
+                    <a:bodyPr/>
+                    <a:lstStyle/>
+                    <a:p>
+                      <a:pPr algn="ctr" fontAlgn="ctr"/>
+                      <a:r>
+                        <a:rPr lang="en-US" altLang="ko-KR" sz="1100" b="0" i="0" u="none" strike="noStrike">
+                          <a:solidFill>
+                            <a:srgbClr val="666666"/>
+                          </a:solidFill>
+                          <a:effectLst/>
+                          <a:latin typeface="Roboto" panose="02000000000000000000" pitchFamily="2" charset="0"/>
+                        </a:rPr>
+                        <a:t>13</a:t>
+                      </a:r>
+                    </a:p>
+                  </a:txBody>
+                  <a:tcPr marL="11575" marR="11575" marT="11575" marB="0" anchor="ctr">
+                    <a:lnL>
+                      <a:noFill/>
+                    </a:lnL>
+                    <a:lnR>
+                      <a:noFill/>
+                    </a:lnR>
+                    <a:lnT>
+                      <a:noFill/>
+                    </a:lnT>
+                    <a:lnB w="6350" cap="flat" cmpd="sng" algn="ctr">
+                      <a:solidFill>
+                        <a:srgbClr val="999999"/>
+                      </a:solidFill>
+                      <a:prstDash val="solid"/>
+                      <a:round/>
+                      <a:headEnd type="none" w="med" len="med"/>
+                      <a:tailEnd type="none" w="med" len="med"/>
+                    </a:lnB>
+                    <a:solidFill>
+                      <a:srgbClr val="EFEFEF"/>
+                    </a:solidFill>
+                  </a:tcPr>
+                </a:tc>
+                <a:tc>
+                  <a:txBody>
+                    <a:bodyPr/>
+                    <a:lstStyle/>
+                    <a:p>
+                      <a:pPr algn="ctr" fontAlgn="ctr"/>
+                      <a:r>
+                        <a:rPr lang="en-US" altLang="ko-KR" sz="1100" b="0" i="0" u="none" strike="noStrike">
+                          <a:solidFill>
+                            <a:srgbClr val="666666"/>
+                          </a:solidFill>
+                          <a:effectLst/>
+                          <a:latin typeface="Roboto" panose="02000000000000000000" pitchFamily="2" charset="0"/>
+                        </a:rPr>
+                        <a:t>14</a:t>
+                      </a:r>
+                    </a:p>
+                  </a:txBody>
+                  <a:tcPr marL="11575" marR="11575" marT="11575" marB="0" anchor="ctr">
+                    <a:lnL>
+                      <a:noFill/>
+                    </a:lnL>
+                    <a:lnR>
+                      <a:noFill/>
+                    </a:lnR>
+                    <a:lnT>
+                      <a:noFill/>
+                    </a:lnT>
+                    <a:lnB w="6350" cap="flat" cmpd="sng" algn="ctr">
+                      <a:solidFill>
+                        <a:srgbClr val="999999"/>
+                      </a:solidFill>
+                      <a:prstDash val="solid"/>
+                      <a:round/>
+                      <a:headEnd type="none" w="med" len="med"/>
+                      <a:tailEnd type="none" w="med" len="med"/>
+                    </a:lnB>
+                    <a:solidFill>
+                      <a:srgbClr val="EFEFEF"/>
+                    </a:solidFill>
+                  </a:tcPr>
+                </a:tc>
+                <a:tc>
+                  <a:txBody>
+                    <a:bodyPr/>
+                    <a:lstStyle/>
+                    <a:p>
+                      <a:pPr algn="ctr" fontAlgn="ctr"/>
+                      <a:r>
+                        <a:rPr lang="en-US" altLang="ko-KR" sz="1100" b="0" i="0" u="none" strike="noStrike">
+                          <a:solidFill>
+                            <a:srgbClr val="666666"/>
+                          </a:solidFill>
+                          <a:effectLst/>
+                          <a:latin typeface="Roboto" panose="02000000000000000000" pitchFamily="2" charset="0"/>
+                        </a:rPr>
+                        <a:t>15</a:t>
+                      </a:r>
+                    </a:p>
+                  </a:txBody>
+                  <a:tcPr marL="11575" marR="11575" marT="11575" marB="0" anchor="ctr">
+                    <a:lnL>
+                      <a:noFill/>
+                    </a:lnL>
+                    <a:lnR>
+                      <a:noFill/>
+                    </a:lnR>
+                    <a:lnT>
+                      <a:noFill/>
+                    </a:lnT>
+                    <a:lnB w="6350" cap="flat" cmpd="sng" algn="ctr">
+                      <a:solidFill>
+                        <a:srgbClr val="999999"/>
+                      </a:solidFill>
+                      <a:prstDash val="solid"/>
+                      <a:round/>
+                      <a:headEnd type="none" w="med" len="med"/>
+                      <a:tailEnd type="none" w="med" len="med"/>
+                    </a:lnB>
+                    <a:solidFill>
+                      <a:srgbClr val="FFC000"/>
+                    </a:solidFill>
+                  </a:tcPr>
+                </a:tc>
+                <a:tc>
+                  <a:txBody>
+                    <a:bodyPr/>
+                    <a:lstStyle/>
+                    <a:p>
+                      <a:pPr algn="ctr" fontAlgn="ctr"/>
+                      <a:r>
+                        <a:rPr lang="en-US" altLang="ko-KR" sz="1100" b="0" i="0" u="none" strike="noStrike">
+                          <a:solidFill>
+                            <a:srgbClr val="666666"/>
+                          </a:solidFill>
+                          <a:effectLst/>
+                          <a:latin typeface="Roboto" panose="02000000000000000000" pitchFamily="2" charset="0"/>
+                        </a:rPr>
+                        <a:t>16</a:t>
+                      </a:r>
+                    </a:p>
+                  </a:txBody>
+                  <a:tcPr marL="11575" marR="11575" marT="11575" marB="0" anchor="ctr">
+                    <a:lnL>
+                      <a:noFill/>
+                    </a:lnL>
+                    <a:lnR>
+                      <a:noFill/>
+                    </a:lnR>
+                    <a:lnT>
+                      <a:noFill/>
+                    </a:lnT>
+                    <a:lnB w="6350" cap="flat" cmpd="sng" algn="ctr">
+                      <a:solidFill>
+                        <a:srgbClr val="999999"/>
+                      </a:solidFill>
+                      <a:prstDash val="solid"/>
+                      <a:round/>
+                      <a:headEnd type="none" w="med" len="med"/>
+                      <a:tailEnd type="none" w="med" len="med"/>
+                    </a:lnB>
+                    <a:solidFill>
+                      <a:srgbClr val="FFC000"/>
+                    </a:solidFill>
+                  </a:tcPr>
+                </a:tc>
+                <a:tc>
+                  <a:txBody>
+                    <a:bodyPr/>
+                    <a:lstStyle/>
+                    <a:p>
+                      <a:pPr algn="ctr" fontAlgn="ctr"/>
+                      <a:r>
+                        <a:rPr lang="en-US" altLang="ko-KR" sz="1100" b="0" i="0" u="none" strike="noStrike">
+                          <a:solidFill>
+                            <a:srgbClr val="666666"/>
+                          </a:solidFill>
+                          <a:effectLst/>
+                          <a:latin typeface="Roboto" panose="02000000000000000000" pitchFamily="2" charset="0"/>
+                        </a:rPr>
+                        <a:t>17</a:t>
+                      </a:r>
+                    </a:p>
+                  </a:txBody>
+                  <a:tcPr marL="11575" marR="11575" marT="11575" marB="0" anchor="ctr">
+                    <a:lnL>
+                      <a:noFill/>
+                    </a:lnL>
+                    <a:lnR>
+                      <a:noFill/>
+                    </a:lnR>
+                    <a:lnT>
+                      <a:noFill/>
+                    </a:lnT>
+                    <a:lnB w="6350" cap="flat" cmpd="sng" algn="ctr">
+                      <a:solidFill>
+                        <a:srgbClr val="999999"/>
+                      </a:solidFill>
+                      <a:prstDash val="solid"/>
+                      <a:round/>
+                      <a:headEnd type="none" w="med" len="med"/>
+                      <a:tailEnd type="none" w="med" len="med"/>
+                    </a:lnB>
+                    <a:solidFill>
+                      <a:srgbClr val="EFEFEF"/>
+                    </a:solidFill>
+                  </a:tcPr>
+                </a:tc>
+                <a:tc>
+                  <a:txBody>
+                    <a:bodyPr/>
+                    <a:lstStyle/>
+                    <a:p>
+                      <a:pPr algn="ctr" fontAlgn="ctr"/>
+                      <a:r>
+                        <a:rPr lang="en-US" altLang="ko-KR" sz="1100" b="0" i="0" u="none" strike="noStrike">
+                          <a:solidFill>
+                            <a:srgbClr val="666666"/>
+                          </a:solidFill>
+                          <a:effectLst/>
+                          <a:latin typeface="Roboto" panose="02000000000000000000" pitchFamily="2" charset="0"/>
+                        </a:rPr>
+                        <a:t>18</a:t>
+                      </a:r>
+                    </a:p>
+                  </a:txBody>
+                  <a:tcPr marL="11575" marR="11575" marT="11575" marB="0" anchor="ctr">
+                    <a:lnL>
+                      <a:noFill/>
+                    </a:lnL>
+                    <a:lnR>
+                      <a:noFill/>
+                    </a:lnR>
+                    <a:lnT>
+                      <a:noFill/>
+                    </a:lnT>
+                    <a:lnB w="6350" cap="flat" cmpd="sng" algn="ctr">
+                      <a:solidFill>
+                        <a:srgbClr val="999999"/>
+                      </a:solidFill>
+                      <a:prstDash val="solid"/>
+                      <a:round/>
+                      <a:headEnd type="none" w="med" len="med"/>
+                      <a:tailEnd type="none" w="med" len="med"/>
+                    </a:lnB>
+                    <a:solidFill>
+                      <a:srgbClr val="EFEFEF"/>
+                    </a:solidFill>
+                  </a:tcPr>
+                </a:tc>
+                <a:tc>
+                  <a:txBody>
+                    <a:bodyPr/>
+                    <a:lstStyle/>
+                    <a:p>
+                      <a:pPr algn="ctr" fontAlgn="ctr"/>
+                      <a:r>
+                        <a:rPr lang="en-US" altLang="ko-KR" sz="1100" b="0" i="0" u="none" strike="noStrike">
+                          <a:solidFill>
+                            <a:srgbClr val="666666"/>
+                          </a:solidFill>
+                          <a:effectLst/>
+                          <a:latin typeface="Roboto" panose="02000000000000000000" pitchFamily="2" charset="0"/>
+                        </a:rPr>
+                        <a:t>19</a:t>
+                      </a:r>
+                    </a:p>
+                  </a:txBody>
+                  <a:tcPr marL="11575" marR="11575" marT="11575" marB="0" anchor="ctr">
+                    <a:lnL>
+                      <a:noFill/>
+                    </a:lnL>
+                    <a:lnR>
+                      <a:noFill/>
+                    </a:lnR>
+                    <a:lnT>
+                      <a:noFill/>
+                    </a:lnT>
+                    <a:lnB w="6350" cap="flat" cmpd="sng" algn="ctr">
+                      <a:solidFill>
+                        <a:srgbClr val="999999"/>
+                      </a:solidFill>
+                      <a:prstDash val="solid"/>
+                      <a:round/>
+                      <a:headEnd type="none" w="med" len="med"/>
+                      <a:tailEnd type="none" w="med" len="med"/>
+                    </a:lnB>
+                    <a:solidFill>
+                      <a:srgbClr val="EFEFEF"/>
+                    </a:solidFill>
+                  </a:tcPr>
+                </a:tc>
+                <a:tc>
+                  <a:txBody>
+                    <a:bodyPr/>
+                    <a:lstStyle/>
+                    <a:p>
+                      <a:pPr algn="ctr" fontAlgn="ctr"/>
+                      <a:r>
+                        <a:rPr lang="en-US" altLang="ko-KR" sz="1100" b="0" i="0" u="none" strike="noStrike">
+                          <a:solidFill>
+                            <a:srgbClr val="666666"/>
+                          </a:solidFill>
+                          <a:effectLst/>
+                          <a:latin typeface="Roboto" panose="02000000000000000000" pitchFamily="2" charset="0"/>
+                        </a:rPr>
+                        <a:t>20</a:t>
+                      </a:r>
+                    </a:p>
+                  </a:txBody>
+                  <a:tcPr marL="11575" marR="11575" marT="11575" marB="0" anchor="ctr">
+                    <a:lnL>
+                      <a:noFill/>
+                    </a:lnL>
+                    <a:lnR w="6350" cap="flat" cmpd="sng" algn="ctr">
+                      <a:solidFill>
+                        <a:srgbClr val="000000"/>
+                      </a:solidFill>
+                      <a:prstDash val="solid"/>
+                      <a:round/>
+                      <a:headEnd type="none" w="med" len="med"/>
+                      <a:tailEnd type="none" w="med" len="med"/>
+                    </a:lnR>
+                    <a:lnT>
+                      <a:noFill/>
+                    </a:lnT>
+                    <a:lnB w="6350" cap="flat" cmpd="sng" algn="ctr">
+                      <a:solidFill>
+                        <a:srgbClr val="999999"/>
+                      </a:solidFill>
+                      <a:prstDash val="solid"/>
+                      <a:round/>
+                      <a:headEnd type="none" w="med" len="med"/>
+                      <a:tailEnd type="none" w="med" len="med"/>
+                    </a:lnB>
+                    <a:solidFill>
+                      <a:srgbClr val="EFEFEF"/>
+                    </a:solidFill>
+                  </a:tcPr>
+                </a:tc>
+                <a:extLst>
+                  <a:ext uri="{0D108BD9-81ED-4DB2-BD59-A6C34878D82A}">
+                    <a16:rowId xmlns:a16="http://schemas.microsoft.com/office/drawing/2014/main" val="3653555206"/>
+                  </a:ext>
+                </a:extLst>
+              </a:tr>
+              <a:tr h="463016">
+                <a:tc>
+                  <a:txBody>
+                    <a:bodyPr/>
+                    <a:lstStyle/>
+                    <a:p>
+                      <a:pPr algn="ctr" fontAlgn="ctr"/>
+                      <a:r>
+                        <a:rPr lang="ko-KR" altLang="en-US" sz="1700" b="0" i="0" u="none" strike="noStrike">
+                          <a:solidFill>
+                            <a:srgbClr val="FFFFFF"/>
+                          </a:solidFill>
+                          <a:effectLst/>
+                          <a:latin typeface="휴먼엑스포" panose="02030504000101010101" pitchFamily="18" charset="-127"/>
+                          <a:ea typeface="휴먼엑스포" panose="02030504000101010101" pitchFamily="18" charset="-127"/>
+                        </a:rPr>
+                        <a:t>프로젝트 설계</a:t>
+                      </a:r>
+                    </a:p>
+                  </a:txBody>
+                  <a:tcPr marL="11575" marR="11575" marT="11575" marB="0" anchor="ctr">
+                    <a:lnL w="6350" cap="flat" cmpd="sng" algn="ctr">
+                      <a:solidFill>
+                        <a:srgbClr val="000000"/>
+                      </a:solidFill>
+                      <a:prstDash val="solid"/>
+                      <a:round/>
+                      <a:headEnd type="none" w="med" len="med"/>
+                      <a:tailEnd type="none" w="med" len="med"/>
+                    </a:lnL>
+                    <a:lnR w="6350" cap="flat" cmpd="sng" algn="ctr">
+                      <a:solidFill>
+                        <a:srgbClr val="000000"/>
+                      </a:solidFill>
+                      <a:prstDash val="solid"/>
+                      <a:round/>
+                      <a:headEnd type="none" w="med" len="med"/>
+                      <a:tailEnd type="none" w="med" len="med"/>
+                    </a:lnR>
+                    <a:lnT>
+                      <a:noFill/>
+                    </a:lnT>
+                    <a:lnB>
+                      <a:noFill/>
+                    </a:lnB>
+                    <a:solidFill>
+                      <a:srgbClr val="0B5394"/>
+                    </a:solidFill>
+                  </a:tcPr>
+                </a:tc>
+                <a:tc gridSpan="10">
+                  <a:txBody>
+                    <a:bodyPr/>
+                    <a:lstStyle/>
+                    <a:p>
+                      <a:pPr algn="ctr" fontAlgn="ctr"/>
+                      <a:r>
+                        <a:rPr lang="ko-KR" altLang="en-US" sz="1100" b="0" i="0" u="none" strike="noStrike">
+                          <a:solidFill>
+                            <a:srgbClr val="FFFFFF"/>
+                          </a:solidFill>
+                          <a:effectLst/>
+                          <a:latin typeface="돋움" panose="020B0600000101010101" pitchFamily="50" charset="-127"/>
+                          <a:ea typeface="돋움" panose="020B0600000101010101" pitchFamily="50" charset="-127"/>
+                        </a:rPr>
+                        <a:t>프로젝트</a:t>
+                      </a:r>
+                      <a:br>
+                        <a:rPr lang="ko-KR" altLang="en-US" sz="1100" b="0" i="0" u="none" strike="noStrike">
+                          <a:solidFill>
+                            <a:srgbClr val="FFFFFF"/>
+                          </a:solidFill>
+                          <a:effectLst/>
+                          <a:latin typeface="돋움" panose="020B0600000101010101" pitchFamily="50" charset="-127"/>
+                          <a:ea typeface="돋움" panose="020B0600000101010101" pitchFamily="50" charset="-127"/>
+                        </a:rPr>
+                      </a:br>
+                      <a:r>
+                        <a:rPr lang="ko-KR" altLang="en-US" sz="1100" b="0" i="0" u="none" strike="noStrike">
+                          <a:solidFill>
+                            <a:srgbClr val="FFFFFF"/>
+                          </a:solidFill>
+                          <a:effectLst/>
+                          <a:latin typeface="돋움" panose="020B0600000101010101" pitchFamily="50" charset="-127"/>
+                          <a:ea typeface="돋움" panose="020B0600000101010101" pitchFamily="50" charset="-127"/>
+                        </a:rPr>
+                        <a:t>설계</a:t>
+                      </a:r>
+                    </a:p>
+                  </a:txBody>
+                  <a:tcPr marL="111124" marR="111124" marT="55562" marB="55562" anchor="ctr">
+                    <a:lnL w="6350" cap="flat" cmpd="sng" algn="ctr">
+                      <a:solidFill>
+                        <a:srgbClr val="000000"/>
+                      </a:solidFill>
+                      <a:prstDash val="solid"/>
+                      <a:round/>
+                      <a:headEnd type="none" w="med" len="med"/>
+                      <a:tailEnd type="none" w="med" len="med"/>
+                    </a:lnL>
+                    <a:lnR w="6350" cap="flat" cmpd="sng" algn="ctr">
+                      <a:solidFill>
+                        <a:srgbClr val="CCCCCC"/>
+                      </a:solidFill>
+                      <a:prstDash val="dot"/>
+                      <a:round/>
+                      <a:headEnd type="none" w="med" len="med"/>
+                      <a:tailEnd type="none" w="med" len="med"/>
+                    </a:lnR>
+                    <a:lnT w="6350" cap="flat" cmpd="sng" algn="ctr">
+                      <a:solidFill>
+                        <a:srgbClr val="999999"/>
+                      </a:solidFill>
+                      <a:prstDash val="solid"/>
+                      <a:round/>
+                      <a:headEnd type="none" w="med" len="med"/>
+                      <a:tailEnd type="none" w="med" len="med"/>
+                    </a:lnT>
+                    <a:lnB w="6350" cap="flat" cmpd="sng" algn="ctr">
+                      <a:solidFill>
+                        <a:srgbClr val="CCCCCC"/>
+                      </a:solidFill>
+                      <a:prstDash val="dot"/>
+                      <a:round/>
+                      <a:headEnd type="none" w="med" len="med"/>
+                      <a:tailEnd type="none" w="med" len="med"/>
+                    </a:lnB>
+                    <a:solidFill>
+                      <a:srgbClr val="0B5394"/>
+                    </a:solidFill>
+                  </a:tcPr>
+                </a:tc>
+                <a:tc hMerge="1">
+                  <a:txBody>
+                    <a:bodyPr/>
+                    <a:lstStyle/>
+                    <a:p>
+                      <a:pPr latinLnBrk="1"/>
+                      <a:endParaRPr lang="ko-KR" altLang="en-US"/>
+                    </a:p>
+                  </a:txBody>
+                  <a:tcPr/>
+                </a:tc>
+                <a:tc hMerge="1">
+                  <a:txBody>
+                    <a:bodyPr/>
+                    <a:lstStyle/>
+                    <a:p>
+                      <a:pPr latinLnBrk="1"/>
+                      <a:endParaRPr lang="ko-KR" altLang="en-US"/>
+                    </a:p>
+                  </a:txBody>
+                  <a:tcPr/>
+                </a:tc>
+                <a:tc hMerge="1">
+                  <a:txBody>
+                    <a:bodyPr/>
+                    <a:lstStyle/>
+                    <a:p>
+                      <a:pPr latinLnBrk="1"/>
+                      <a:endParaRPr lang="ko-KR" altLang="en-US"/>
+                    </a:p>
+                  </a:txBody>
+                  <a:tcPr/>
+                </a:tc>
+                <a:tc hMerge="1">
+                  <a:txBody>
+                    <a:bodyPr/>
+                    <a:lstStyle/>
+                    <a:p>
+                      <a:pPr latinLnBrk="1"/>
+                      <a:endParaRPr lang="ko-KR" altLang="en-US"/>
+                    </a:p>
+                  </a:txBody>
+                  <a:tcPr/>
+                </a:tc>
+                <a:tc hMerge="1">
+                  <a:txBody>
+                    <a:bodyPr/>
+                    <a:lstStyle/>
+                    <a:p>
+                      <a:pPr latinLnBrk="1"/>
+                      <a:endParaRPr lang="ko-KR" altLang="en-US"/>
+                    </a:p>
+                  </a:txBody>
+                  <a:tcPr/>
+                </a:tc>
+                <a:tc hMerge="1">
+                  <a:txBody>
+                    <a:bodyPr/>
+                    <a:lstStyle/>
+                    <a:p>
+                      <a:pPr latinLnBrk="1"/>
+                      <a:endParaRPr lang="ko-KR" altLang="en-US"/>
+                    </a:p>
+                  </a:txBody>
+                  <a:tcPr/>
+                </a:tc>
+                <a:tc hMerge="1">
+                  <a:txBody>
+                    <a:bodyPr/>
+                    <a:lstStyle/>
+                    <a:p>
+                      <a:pPr latinLnBrk="1"/>
+                      <a:endParaRPr lang="ko-KR" altLang="en-US"/>
+                    </a:p>
+                  </a:txBody>
+                  <a:tcPr/>
+                </a:tc>
+                <a:tc hMerge="1">
+                  <a:txBody>
+                    <a:bodyPr/>
+                    <a:lstStyle/>
+                    <a:p>
+                      <a:pPr latinLnBrk="1"/>
+                      <a:endParaRPr lang="ko-KR" altLang="en-US"/>
+                    </a:p>
+                  </a:txBody>
+                  <a:tcPr/>
+                </a:tc>
+                <a:tc hMerge="1">
+                  <a:txBody>
+                    <a:bodyPr/>
+                    <a:lstStyle/>
+                    <a:p>
+                      <a:pPr latinLnBrk="1"/>
+                      <a:endParaRPr lang="ko-KR" altLang="en-US"/>
+                    </a:p>
+                  </a:txBody>
+                  <a:tcPr/>
+                </a:tc>
+                <a:tc>
+                  <a:txBody>
+                    <a:bodyPr/>
+                    <a:lstStyle/>
+                    <a:p>
+                      <a:pPr algn="l" fontAlgn="ctr"/>
+                      <a:r>
+                        <a:rPr lang="ko-KR" altLang="en-US" sz="1100" b="0" i="0" u="none" strike="noStrike">
+                          <a:solidFill>
+                            <a:srgbClr val="1F4E78"/>
+                          </a:solidFill>
+                          <a:effectLst/>
+                          <a:latin typeface="Roboto" panose="02000000000000000000" pitchFamily="2" charset="0"/>
+                        </a:rPr>
+                        <a:t>　</a:t>
+                      </a:r>
+                    </a:p>
+                  </a:txBody>
+                  <a:tcPr marL="11575" marR="11575" marT="11575" marB="0" anchor="ctr">
+                    <a:lnL w="6350" cap="flat" cmpd="sng" algn="ctr">
+                      <a:solidFill>
+                        <a:srgbClr val="CCCCCC"/>
+                      </a:solidFill>
+                      <a:prstDash val="dot"/>
+                      <a:round/>
+                      <a:headEnd type="none" w="med" len="med"/>
+                      <a:tailEnd type="none" w="med" len="med"/>
+                    </a:lnL>
+                    <a:lnR w="6350" cap="flat" cmpd="sng" algn="ctr">
+                      <a:solidFill>
+                        <a:srgbClr val="CCCCCC"/>
+                      </a:solidFill>
+                      <a:prstDash val="dot"/>
+                      <a:round/>
+                      <a:headEnd type="none" w="med" len="med"/>
+                      <a:tailEnd type="none" w="med" len="med"/>
+                    </a:lnR>
+                    <a:lnT w="6350" cap="flat" cmpd="sng" algn="ctr">
+                      <a:solidFill>
+                        <a:srgbClr val="999999"/>
+                      </a:solidFill>
+                      <a:prstDash val="solid"/>
+                      <a:round/>
+                      <a:headEnd type="none" w="med" len="med"/>
+                      <a:tailEnd type="none" w="med" len="med"/>
+                    </a:lnT>
+                    <a:lnB w="6350" cap="flat" cmpd="sng" algn="ctr">
+                      <a:solidFill>
+                        <a:srgbClr val="CCCCCC"/>
+                      </a:solidFill>
+                      <a:prstDash val="dot"/>
+                      <a:round/>
+                      <a:headEnd type="none" w="med" len="med"/>
+                      <a:tailEnd type="none" w="med" len="med"/>
+                    </a:lnB>
+                    <a:solidFill>
+                      <a:srgbClr val="FFFFFF"/>
+                    </a:solidFill>
+                  </a:tcPr>
+                </a:tc>
+                <a:tc>
+                  <a:txBody>
+                    <a:bodyPr/>
+                    <a:lstStyle/>
+                    <a:p>
+                      <a:pPr algn="l" fontAlgn="ctr"/>
+                      <a:r>
+                        <a:rPr lang="ko-KR" altLang="en-US" sz="1100" b="0" i="0" u="none" strike="noStrike">
+                          <a:solidFill>
+                            <a:srgbClr val="1F4E78"/>
+                          </a:solidFill>
+                          <a:effectLst/>
+                          <a:latin typeface="Roboto" panose="02000000000000000000" pitchFamily="2" charset="0"/>
+                        </a:rPr>
+                        <a:t>　</a:t>
+                      </a:r>
+                    </a:p>
+                  </a:txBody>
+                  <a:tcPr marL="11575" marR="11575" marT="11575" marB="0" anchor="ctr">
+                    <a:lnL w="6350" cap="flat" cmpd="sng" algn="ctr">
+                      <a:solidFill>
+                        <a:srgbClr val="CCCCCC"/>
+                      </a:solidFill>
+                      <a:prstDash val="dot"/>
+                      <a:round/>
+                      <a:headEnd type="none" w="med" len="med"/>
+                      <a:tailEnd type="none" w="med" len="med"/>
+                    </a:lnL>
+                    <a:lnR w="6350" cap="flat" cmpd="sng" algn="ctr">
+                      <a:solidFill>
+                        <a:srgbClr val="CCCCCC"/>
+                      </a:solidFill>
+                      <a:prstDash val="dot"/>
+                      <a:round/>
+                      <a:headEnd type="none" w="med" len="med"/>
+                      <a:tailEnd type="none" w="med" len="med"/>
+                    </a:lnR>
+                    <a:lnT w="6350" cap="flat" cmpd="sng" algn="ctr">
+                      <a:solidFill>
+                        <a:srgbClr val="999999"/>
+                      </a:solidFill>
+                      <a:prstDash val="solid"/>
+                      <a:round/>
+                      <a:headEnd type="none" w="med" len="med"/>
+                      <a:tailEnd type="none" w="med" len="med"/>
+                    </a:lnT>
+                    <a:lnB w="6350" cap="flat" cmpd="sng" algn="ctr">
+                      <a:solidFill>
+                        <a:srgbClr val="CCCCCC"/>
+                      </a:solidFill>
+                      <a:prstDash val="dot"/>
+                      <a:round/>
+                      <a:headEnd type="none" w="med" len="med"/>
+                      <a:tailEnd type="none" w="med" len="med"/>
+                    </a:lnB>
+                    <a:solidFill>
+                      <a:srgbClr val="FFFFFF"/>
+                    </a:solidFill>
+                  </a:tcPr>
+                </a:tc>
+                <a:tc>
+                  <a:txBody>
+                    <a:bodyPr/>
+                    <a:lstStyle/>
+                    <a:p>
+                      <a:pPr algn="l" fontAlgn="ctr"/>
+                      <a:r>
+                        <a:rPr lang="ko-KR" altLang="en-US" sz="1100" b="0" i="0" u="none" strike="noStrike">
+                          <a:solidFill>
+                            <a:srgbClr val="1F4E78"/>
+                          </a:solidFill>
+                          <a:effectLst/>
+                          <a:latin typeface="Roboto" panose="02000000000000000000" pitchFamily="2" charset="0"/>
+                        </a:rPr>
+                        <a:t>　</a:t>
+                      </a:r>
+                    </a:p>
+                  </a:txBody>
+                  <a:tcPr marL="11575" marR="11575" marT="11575" marB="0" anchor="ctr">
+                    <a:lnL w="6350" cap="flat" cmpd="sng" algn="ctr">
+                      <a:solidFill>
+                        <a:srgbClr val="CCCCCC"/>
+                      </a:solidFill>
+                      <a:prstDash val="dot"/>
+                      <a:round/>
+                      <a:headEnd type="none" w="med" len="med"/>
+                      <a:tailEnd type="none" w="med" len="med"/>
+                    </a:lnL>
+                    <a:lnR w="6350" cap="flat" cmpd="sng" algn="ctr">
+                      <a:solidFill>
+                        <a:srgbClr val="CCCCCC"/>
+                      </a:solidFill>
+                      <a:prstDash val="dot"/>
+                      <a:round/>
+                      <a:headEnd type="none" w="med" len="med"/>
+                      <a:tailEnd type="none" w="med" len="med"/>
+                    </a:lnR>
+                    <a:lnT w="6350" cap="flat" cmpd="sng" algn="ctr">
+                      <a:solidFill>
+                        <a:srgbClr val="999999"/>
+                      </a:solidFill>
+                      <a:prstDash val="solid"/>
+                      <a:round/>
+                      <a:headEnd type="none" w="med" len="med"/>
+                      <a:tailEnd type="none" w="med" len="med"/>
+                    </a:lnT>
+                    <a:lnB w="6350" cap="flat" cmpd="sng" algn="ctr">
+                      <a:solidFill>
+                        <a:srgbClr val="CCCCCC"/>
+                      </a:solidFill>
+                      <a:prstDash val="dot"/>
+                      <a:round/>
+                      <a:headEnd type="none" w="med" len="med"/>
+                      <a:tailEnd type="none" w="med" len="med"/>
+                    </a:lnB>
+                    <a:solidFill>
+                      <a:srgbClr val="FFFFFF"/>
+                    </a:solidFill>
+                  </a:tcPr>
+                </a:tc>
+                <a:tc>
+                  <a:txBody>
+                    <a:bodyPr/>
+                    <a:lstStyle/>
+                    <a:p>
+                      <a:pPr algn="l" fontAlgn="ctr"/>
+                      <a:r>
+                        <a:rPr lang="ko-KR" altLang="en-US" sz="1100" b="0" i="0" u="none" strike="noStrike">
+                          <a:solidFill>
+                            <a:srgbClr val="1F4E78"/>
+                          </a:solidFill>
+                          <a:effectLst/>
+                          <a:latin typeface="Roboto" panose="02000000000000000000" pitchFamily="2" charset="0"/>
+                        </a:rPr>
+                        <a:t>　</a:t>
+                      </a:r>
+                    </a:p>
+                  </a:txBody>
+                  <a:tcPr marL="11575" marR="11575" marT="11575" marB="0" anchor="ctr">
+                    <a:lnL w="6350" cap="flat" cmpd="sng" algn="ctr">
+                      <a:solidFill>
+                        <a:srgbClr val="CCCCCC"/>
+                      </a:solidFill>
+                      <a:prstDash val="dot"/>
+                      <a:round/>
+                      <a:headEnd type="none" w="med" len="med"/>
+                      <a:tailEnd type="none" w="med" len="med"/>
+                    </a:lnL>
+                    <a:lnR w="6350" cap="flat" cmpd="sng" algn="ctr">
+                      <a:solidFill>
+                        <a:srgbClr val="CCCCCC"/>
+                      </a:solidFill>
+                      <a:prstDash val="dot"/>
+                      <a:round/>
+                      <a:headEnd type="none" w="med" len="med"/>
+                      <a:tailEnd type="none" w="med" len="med"/>
+                    </a:lnR>
+                    <a:lnT w="6350" cap="flat" cmpd="sng" algn="ctr">
+                      <a:solidFill>
+                        <a:srgbClr val="999999"/>
+                      </a:solidFill>
+                      <a:prstDash val="solid"/>
+                      <a:round/>
+                      <a:headEnd type="none" w="med" len="med"/>
+                      <a:tailEnd type="none" w="med" len="med"/>
+                    </a:lnT>
+                    <a:lnB w="6350" cap="flat" cmpd="sng" algn="ctr">
+                      <a:solidFill>
+                        <a:srgbClr val="CCCCCC"/>
+                      </a:solidFill>
+                      <a:prstDash val="dot"/>
+                      <a:round/>
+                      <a:headEnd type="none" w="med" len="med"/>
+                      <a:tailEnd type="none" w="med" len="med"/>
+                    </a:lnB>
+                    <a:solidFill>
+                      <a:srgbClr val="FFFFFF"/>
+                    </a:solidFill>
+                  </a:tcPr>
+                </a:tc>
+                <a:tc>
+                  <a:txBody>
+                    <a:bodyPr/>
+                    <a:lstStyle/>
+                    <a:p>
+                      <a:pPr algn="l" fontAlgn="ctr"/>
+                      <a:r>
+                        <a:rPr lang="ko-KR" altLang="en-US" sz="1100" b="0" i="0" u="none" strike="noStrike">
+                          <a:solidFill>
+                            <a:srgbClr val="1F4E78"/>
+                          </a:solidFill>
+                          <a:effectLst/>
+                          <a:latin typeface="Roboto" panose="02000000000000000000" pitchFamily="2" charset="0"/>
+                        </a:rPr>
+                        <a:t>　</a:t>
+                      </a:r>
+                    </a:p>
+                  </a:txBody>
+                  <a:tcPr marL="11575" marR="11575" marT="11575" marB="0" anchor="ctr">
+                    <a:lnL w="6350" cap="flat" cmpd="sng" algn="ctr">
+                      <a:solidFill>
+                        <a:srgbClr val="CCCCCC"/>
+                      </a:solidFill>
+                      <a:prstDash val="dot"/>
+                      <a:round/>
+                      <a:headEnd type="none" w="med" len="med"/>
+                      <a:tailEnd type="none" w="med" len="med"/>
+                    </a:lnL>
+                    <a:lnR w="6350" cap="flat" cmpd="sng" algn="ctr">
+                      <a:solidFill>
+                        <a:srgbClr val="CCCCCC"/>
+                      </a:solidFill>
+                      <a:prstDash val="dot"/>
+                      <a:round/>
+                      <a:headEnd type="none" w="med" len="med"/>
+                      <a:tailEnd type="none" w="med" len="med"/>
+                    </a:lnR>
+                    <a:lnT w="6350" cap="flat" cmpd="sng" algn="ctr">
+                      <a:solidFill>
+                        <a:srgbClr val="999999"/>
+                      </a:solidFill>
+                      <a:prstDash val="solid"/>
+                      <a:round/>
+                      <a:headEnd type="none" w="med" len="med"/>
+                      <a:tailEnd type="none" w="med" len="med"/>
+                    </a:lnT>
+                    <a:lnB w="6350" cap="flat" cmpd="sng" algn="ctr">
+                      <a:solidFill>
+                        <a:srgbClr val="CCCCCC"/>
+                      </a:solidFill>
+                      <a:prstDash val="dot"/>
+                      <a:round/>
+                      <a:headEnd type="none" w="med" len="med"/>
+                      <a:tailEnd type="none" w="med" len="med"/>
+                    </a:lnB>
+                    <a:solidFill>
+                      <a:srgbClr val="FFFFFF"/>
+                    </a:solidFill>
+                  </a:tcPr>
+                </a:tc>
+                <a:tc>
+                  <a:txBody>
+                    <a:bodyPr/>
+                    <a:lstStyle/>
+                    <a:p>
+                      <a:pPr algn="l" fontAlgn="ctr"/>
+                      <a:r>
+                        <a:rPr lang="ko-KR" altLang="en-US" sz="1100" b="0" i="0" u="none" strike="noStrike">
+                          <a:solidFill>
+                            <a:srgbClr val="1F4E78"/>
+                          </a:solidFill>
+                          <a:effectLst/>
+                          <a:latin typeface="Roboto" panose="02000000000000000000" pitchFamily="2" charset="0"/>
+                        </a:rPr>
+                        <a:t>　</a:t>
+                      </a:r>
+                    </a:p>
+                  </a:txBody>
+                  <a:tcPr marL="11575" marR="11575" marT="11575" marB="0" anchor="ctr">
+                    <a:lnL w="6350" cap="flat" cmpd="sng" algn="ctr">
+                      <a:solidFill>
+                        <a:srgbClr val="CCCCCC"/>
+                      </a:solidFill>
+                      <a:prstDash val="dot"/>
+                      <a:round/>
+                      <a:headEnd type="none" w="med" len="med"/>
+                      <a:tailEnd type="none" w="med" len="med"/>
+                    </a:lnL>
+                    <a:lnR w="6350" cap="flat" cmpd="sng" algn="ctr">
+                      <a:solidFill>
+                        <a:srgbClr val="CCCCCC"/>
+                      </a:solidFill>
+                      <a:prstDash val="dot"/>
+                      <a:round/>
+                      <a:headEnd type="none" w="med" len="med"/>
+                      <a:tailEnd type="none" w="med" len="med"/>
+                    </a:lnR>
+                    <a:lnT w="6350" cap="flat" cmpd="sng" algn="ctr">
+                      <a:solidFill>
+                        <a:srgbClr val="999999"/>
+                      </a:solidFill>
+                      <a:prstDash val="solid"/>
+                      <a:round/>
+                      <a:headEnd type="none" w="med" len="med"/>
+                      <a:tailEnd type="none" w="med" len="med"/>
+                    </a:lnT>
+                    <a:lnB w="6350" cap="flat" cmpd="sng" algn="ctr">
+                      <a:solidFill>
+                        <a:srgbClr val="CCCCCC"/>
+                      </a:solidFill>
+                      <a:prstDash val="dot"/>
+                      <a:round/>
+                      <a:headEnd type="none" w="med" len="med"/>
+                      <a:tailEnd type="none" w="med" len="med"/>
+                    </a:lnB>
+                    <a:solidFill>
+                      <a:srgbClr val="FFFFFF"/>
+                    </a:solidFill>
+                  </a:tcPr>
+                </a:tc>
+                <a:tc>
+                  <a:txBody>
+                    <a:bodyPr/>
+                    <a:lstStyle/>
+                    <a:p>
+                      <a:pPr algn="l" fontAlgn="ctr"/>
+                      <a:r>
+                        <a:rPr lang="ko-KR" altLang="en-US" sz="1100" b="0" i="0" u="none" strike="noStrike">
+                          <a:solidFill>
+                            <a:srgbClr val="1F4E78"/>
+                          </a:solidFill>
+                          <a:effectLst/>
+                          <a:latin typeface="Roboto" panose="02000000000000000000" pitchFamily="2" charset="0"/>
+                        </a:rPr>
+                        <a:t>　</a:t>
+                      </a:r>
+                    </a:p>
+                  </a:txBody>
+                  <a:tcPr marL="11575" marR="11575" marT="11575" marB="0" anchor="ctr">
+                    <a:lnL w="6350" cap="flat" cmpd="sng" algn="ctr">
+                      <a:solidFill>
+                        <a:srgbClr val="CCCCCC"/>
+                      </a:solidFill>
+                      <a:prstDash val="dot"/>
+                      <a:round/>
+                      <a:headEnd type="none" w="med" len="med"/>
+                      <a:tailEnd type="none" w="med" len="med"/>
+                    </a:lnL>
+                    <a:lnR w="6350" cap="flat" cmpd="sng" algn="ctr">
+                      <a:solidFill>
+                        <a:srgbClr val="CCCCCC"/>
+                      </a:solidFill>
+                      <a:prstDash val="dot"/>
+                      <a:round/>
+                      <a:headEnd type="none" w="med" len="med"/>
+                      <a:tailEnd type="none" w="med" len="med"/>
+                    </a:lnR>
+                    <a:lnT w="6350" cap="flat" cmpd="sng" algn="ctr">
+                      <a:solidFill>
+                        <a:srgbClr val="999999"/>
+                      </a:solidFill>
+                      <a:prstDash val="solid"/>
+                      <a:round/>
+                      <a:headEnd type="none" w="med" len="med"/>
+                      <a:tailEnd type="none" w="med" len="med"/>
+                    </a:lnT>
+                    <a:lnB w="6350" cap="flat" cmpd="sng" algn="ctr">
+                      <a:solidFill>
+                        <a:srgbClr val="CCCCCC"/>
+                      </a:solidFill>
+                      <a:prstDash val="dot"/>
+                      <a:round/>
+                      <a:headEnd type="none" w="med" len="med"/>
+                      <a:tailEnd type="none" w="med" len="med"/>
+                    </a:lnB>
+                    <a:solidFill>
+                      <a:srgbClr val="FFFFFF"/>
+                    </a:solidFill>
+                  </a:tcPr>
+                </a:tc>
+                <a:tc>
+                  <a:txBody>
+                    <a:bodyPr/>
+                    <a:lstStyle/>
+                    <a:p>
+                      <a:pPr algn="l" fontAlgn="ctr"/>
+                      <a:r>
+                        <a:rPr lang="ko-KR" altLang="en-US" sz="1100" b="0" i="0" u="none" strike="noStrike">
+                          <a:solidFill>
+                            <a:srgbClr val="1F4E78"/>
+                          </a:solidFill>
+                          <a:effectLst/>
+                          <a:latin typeface="Roboto" panose="02000000000000000000" pitchFamily="2" charset="0"/>
+                        </a:rPr>
+                        <a:t>　</a:t>
+                      </a:r>
+                    </a:p>
+                  </a:txBody>
+                  <a:tcPr marL="11575" marR="11575" marT="11575" marB="0" anchor="ctr">
+                    <a:lnL w="6350" cap="flat" cmpd="sng" algn="ctr">
+                      <a:solidFill>
+                        <a:srgbClr val="CCCCCC"/>
+                      </a:solidFill>
+                      <a:prstDash val="dot"/>
+                      <a:round/>
+                      <a:headEnd type="none" w="med" len="med"/>
+                      <a:tailEnd type="none" w="med" len="med"/>
+                    </a:lnL>
+                    <a:lnR w="6350" cap="flat" cmpd="sng" algn="ctr">
+                      <a:solidFill>
+                        <a:srgbClr val="CCCCCC"/>
+                      </a:solidFill>
+                      <a:prstDash val="dot"/>
+                      <a:round/>
+                      <a:headEnd type="none" w="med" len="med"/>
+                      <a:tailEnd type="none" w="med" len="med"/>
+                    </a:lnR>
+                    <a:lnT w="6350" cap="flat" cmpd="sng" algn="ctr">
+                      <a:solidFill>
+                        <a:srgbClr val="999999"/>
+                      </a:solidFill>
+                      <a:prstDash val="solid"/>
+                      <a:round/>
+                      <a:headEnd type="none" w="med" len="med"/>
+                      <a:tailEnd type="none" w="med" len="med"/>
+                    </a:lnT>
+                    <a:lnB w="6350" cap="flat" cmpd="sng" algn="ctr">
+                      <a:solidFill>
+                        <a:srgbClr val="CCCCCC"/>
+                      </a:solidFill>
+                      <a:prstDash val="dot"/>
+                      <a:round/>
+                      <a:headEnd type="none" w="med" len="med"/>
+                      <a:tailEnd type="none" w="med" len="med"/>
+                    </a:lnB>
+                    <a:solidFill>
+                      <a:srgbClr val="FFFFFF"/>
+                    </a:solidFill>
+                  </a:tcPr>
+                </a:tc>
+                <a:tc>
+                  <a:txBody>
+                    <a:bodyPr/>
+                    <a:lstStyle/>
+                    <a:p>
+                      <a:pPr algn="l" fontAlgn="ctr"/>
+                      <a:r>
+                        <a:rPr lang="ko-KR" altLang="en-US" sz="1100" b="0" i="0" u="none" strike="noStrike">
+                          <a:solidFill>
+                            <a:srgbClr val="1F4E78"/>
+                          </a:solidFill>
+                          <a:effectLst/>
+                          <a:latin typeface="Roboto" panose="02000000000000000000" pitchFamily="2" charset="0"/>
+                        </a:rPr>
+                        <a:t>　</a:t>
+                      </a:r>
+                    </a:p>
+                  </a:txBody>
+                  <a:tcPr marL="11575" marR="11575" marT="11575" marB="0" anchor="ctr">
+                    <a:lnL w="6350" cap="flat" cmpd="sng" algn="ctr">
+                      <a:solidFill>
+                        <a:srgbClr val="CCCCCC"/>
+                      </a:solidFill>
+                      <a:prstDash val="dot"/>
+                      <a:round/>
+                      <a:headEnd type="none" w="med" len="med"/>
+                      <a:tailEnd type="none" w="med" len="med"/>
+                    </a:lnL>
+                    <a:lnR w="6350" cap="flat" cmpd="sng" algn="ctr">
+                      <a:solidFill>
+                        <a:srgbClr val="CCCCCC"/>
+                      </a:solidFill>
+                      <a:prstDash val="dot"/>
+                      <a:round/>
+                      <a:headEnd type="none" w="med" len="med"/>
+                      <a:tailEnd type="none" w="med" len="med"/>
+                    </a:lnR>
+                    <a:lnT w="6350" cap="flat" cmpd="sng" algn="ctr">
+                      <a:solidFill>
+                        <a:srgbClr val="999999"/>
+                      </a:solidFill>
+                      <a:prstDash val="solid"/>
+                      <a:round/>
+                      <a:headEnd type="none" w="med" len="med"/>
+                      <a:tailEnd type="none" w="med" len="med"/>
+                    </a:lnT>
+                    <a:lnB w="6350" cap="flat" cmpd="sng" algn="ctr">
+                      <a:solidFill>
+                        <a:srgbClr val="CCCCCC"/>
+                      </a:solidFill>
+                      <a:prstDash val="dot"/>
+                      <a:round/>
+                      <a:headEnd type="none" w="med" len="med"/>
+                      <a:tailEnd type="none" w="med" len="med"/>
+                    </a:lnB>
+                    <a:solidFill>
+                      <a:srgbClr val="FFFFFF"/>
+                    </a:solidFill>
+                  </a:tcPr>
+                </a:tc>
+                <a:tc>
+                  <a:txBody>
+                    <a:bodyPr/>
+                    <a:lstStyle/>
+                    <a:p>
+                      <a:pPr algn="l" fontAlgn="ctr"/>
+                      <a:r>
+                        <a:rPr lang="ko-KR" altLang="en-US" sz="1100" b="0" i="0" u="none" strike="noStrike">
+                          <a:solidFill>
+                            <a:srgbClr val="1F4E78"/>
+                          </a:solidFill>
+                          <a:effectLst/>
+                          <a:latin typeface="Roboto" panose="02000000000000000000" pitchFamily="2" charset="0"/>
+                        </a:rPr>
+                        <a:t>　</a:t>
+                      </a:r>
+                    </a:p>
+                  </a:txBody>
+                  <a:tcPr marL="11575" marR="11575" marT="11575" marB="0" anchor="ctr">
+                    <a:lnL w="6350" cap="flat" cmpd="sng" algn="ctr">
+                      <a:solidFill>
+                        <a:srgbClr val="CCCCCC"/>
+                      </a:solidFill>
+                      <a:prstDash val="dot"/>
+                      <a:round/>
+                      <a:headEnd type="none" w="med" len="med"/>
+                      <a:tailEnd type="none" w="med" len="med"/>
+                    </a:lnL>
+                    <a:lnR w="6350" cap="flat" cmpd="sng" algn="ctr">
+                      <a:solidFill>
+                        <a:srgbClr val="000000"/>
+                      </a:solidFill>
+                      <a:prstDash val="solid"/>
+                      <a:round/>
+                      <a:headEnd type="none" w="med" len="med"/>
+                      <a:tailEnd type="none" w="med" len="med"/>
+                    </a:lnR>
+                    <a:lnT w="6350" cap="flat" cmpd="sng" algn="ctr">
+                      <a:solidFill>
+                        <a:srgbClr val="999999"/>
+                      </a:solidFill>
+                      <a:prstDash val="solid"/>
+                      <a:round/>
+                      <a:headEnd type="none" w="med" len="med"/>
+                      <a:tailEnd type="none" w="med" len="med"/>
+                    </a:lnT>
+                    <a:lnB w="6350" cap="flat" cmpd="sng" algn="ctr">
+                      <a:solidFill>
+                        <a:srgbClr val="CCCCCC"/>
+                      </a:solidFill>
+                      <a:prstDash val="dot"/>
+                      <a:round/>
+                      <a:headEnd type="none" w="med" len="med"/>
+                      <a:tailEnd type="none" w="med" len="med"/>
+                    </a:lnB>
+                    <a:solidFill>
+                      <a:srgbClr val="FFFFFF"/>
+                    </a:solidFill>
+                  </a:tcPr>
+                </a:tc>
+                <a:extLst>
+                  <a:ext uri="{0D108BD9-81ED-4DB2-BD59-A6C34878D82A}">
+                    <a16:rowId xmlns:a16="http://schemas.microsoft.com/office/drawing/2014/main" val="4294275812"/>
+                  </a:ext>
+                </a:extLst>
+              </a:tr>
+              <a:tr h="463016">
+                <a:tc>
+                  <a:txBody>
+                    <a:bodyPr/>
+                    <a:lstStyle/>
+                    <a:p>
+                      <a:pPr algn="ctr" fontAlgn="ctr"/>
+                      <a:r>
+                        <a:rPr lang="en-US" sz="1700" b="0" i="0" u="none" strike="noStrike">
+                          <a:solidFill>
+                            <a:srgbClr val="FFFFFF"/>
+                          </a:solidFill>
+                          <a:effectLst/>
+                          <a:latin typeface="휴먼엑스포" panose="02030504000101010101" pitchFamily="18" charset="-127"/>
+                          <a:ea typeface="휴먼엑스포" panose="02030504000101010101" pitchFamily="18" charset="-127"/>
+                        </a:rPr>
+                        <a:t>DB </a:t>
+                      </a:r>
+                    </a:p>
+                  </a:txBody>
+                  <a:tcPr marL="11575" marR="11575" marT="11575" marB="0" anchor="ctr">
+                    <a:lnL w="6350" cap="flat" cmpd="sng" algn="ctr">
+                      <a:solidFill>
+                        <a:srgbClr val="000000"/>
+                      </a:solidFill>
+                      <a:prstDash val="solid"/>
+                      <a:round/>
+                      <a:headEnd type="none" w="med" len="med"/>
+                      <a:tailEnd type="none" w="med" len="med"/>
+                    </a:lnL>
+                    <a:lnR w="6350" cap="flat" cmpd="sng" algn="ctr">
+                      <a:solidFill>
+                        <a:srgbClr val="000000"/>
+                      </a:solidFill>
+                      <a:prstDash val="solid"/>
+                      <a:round/>
+                      <a:headEnd type="none" w="med" len="med"/>
+                      <a:tailEnd type="none" w="med" len="med"/>
+                    </a:lnR>
+                    <a:lnT>
+                      <a:noFill/>
+                    </a:lnT>
+                    <a:lnB>
+                      <a:noFill/>
+                    </a:lnB>
+                    <a:solidFill>
+                      <a:srgbClr val="45818E"/>
+                    </a:solidFill>
+                  </a:tcPr>
+                </a:tc>
+                <a:tc>
+                  <a:txBody>
+                    <a:bodyPr/>
+                    <a:lstStyle/>
+                    <a:p>
+                      <a:pPr algn="l" fontAlgn="ctr"/>
+                      <a:r>
+                        <a:rPr lang="ko-KR" altLang="en-US" sz="1100" b="0" i="0" u="none" strike="noStrike">
+                          <a:solidFill>
+                            <a:srgbClr val="1F4E78"/>
+                          </a:solidFill>
+                          <a:effectLst/>
+                          <a:latin typeface="Roboto" panose="02000000000000000000" pitchFamily="2" charset="0"/>
+                        </a:rPr>
+                        <a:t>　</a:t>
+                      </a:r>
+                    </a:p>
+                  </a:txBody>
+                  <a:tcPr marL="11575" marR="11575" marT="11575" marB="0" anchor="ctr">
+                    <a:lnL w="6350" cap="flat" cmpd="sng" algn="ctr">
+                      <a:solidFill>
+                        <a:srgbClr val="000000"/>
+                      </a:solidFill>
+                      <a:prstDash val="solid"/>
+                      <a:round/>
+                      <a:headEnd type="none" w="med" len="med"/>
+                      <a:tailEnd type="none" w="med" len="med"/>
+                    </a:lnL>
+                    <a:lnR w="6350" cap="flat" cmpd="sng" algn="ctr">
+                      <a:solidFill>
+                        <a:srgbClr val="CCCCCC"/>
+                      </a:solidFill>
+                      <a:prstDash val="dot"/>
+                      <a:round/>
+                      <a:headEnd type="none" w="med" len="med"/>
+                      <a:tailEnd type="none" w="med" len="med"/>
+                    </a:lnR>
+                    <a:lnT w="6350" cap="flat" cmpd="sng" algn="ctr">
+                      <a:solidFill>
+                        <a:srgbClr val="CCCCCC"/>
+                      </a:solidFill>
+                      <a:prstDash val="dot"/>
+                      <a:round/>
+                      <a:headEnd type="none" w="med" len="med"/>
+                      <a:tailEnd type="none" w="med" len="med"/>
+                    </a:lnT>
+                    <a:lnB w="6350" cap="flat" cmpd="sng" algn="ctr">
+                      <a:solidFill>
+                        <a:srgbClr val="CCCCCC"/>
+                      </a:solidFill>
+                      <a:prstDash val="dot"/>
+                      <a:round/>
+                      <a:headEnd type="none" w="med" len="med"/>
+                      <a:tailEnd type="none" w="med" len="med"/>
+                    </a:lnB>
+                    <a:solidFill>
+                      <a:srgbClr val="FFFFFF"/>
+                    </a:solidFill>
+                  </a:tcPr>
+                </a:tc>
+                <a:tc>
+                  <a:txBody>
+                    <a:bodyPr/>
+                    <a:lstStyle/>
+                    <a:p>
+                      <a:pPr algn="l" fontAlgn="ctr"/>
+                      <a:r>
+                        <a:rPr lang="ko-KR" altLang="en-US" sz="1100" b="0" i="0" u="none" strike="noStrike">
+                          <a:solidFill>
+                            <a:srgbClr val="1F4E78"/>
+                          </a:solidFill>
+                          <a:effectLst/>
+                          <a:latin typeface="Roboto" panose="02000000000000000000" pitchFamily="2" charset="0"/>
+                        </a:rPr>
+                        <a:t>　</a:t>
+                      </a:r>
+                    </a:p>
+                  </a:txBody>
+                  <a:tcPr marL="11575" marR="11575" marT="11575" marB="0" anchor="ctr">
+                    <a:lnL w="6350" cap="flat" cmpd="sng" algn="ctr">
+                      <a:solidFill>
+                        <a:srgbClr val="CCCCCC"/>
+                      </a:solidFill>
+                      <a:prstDash val="dot"/>
+                      <a:round/>
+                      <a:headEnd type="none" w="med" len="med"/>
+                      <a:tailEnd type="none" w="med" len="med"/>
+                    </a:lnL>
+                    <a:lnR w="6350" cap="flat" cmpd="sng" algn="ctr">
+                      <a:solidFill>
+                        <a:srgbClr val="CCCCCC"/>
+                      </a:solidFill>
+                      <a:prstDash val="dot"/>
+                      <a:round/>
+                      <a:headEnd type="none" w="med" len="med"/>
+                      <a:tailEnd type="none" w="med" len="med"/>
+                    </a:lnR>
+                    <a:lnT w="6350" cap="flat" cmpd="sng" algn="ctr">
+                      <a:solidFill>
+                        <a:srgbClr val="CCCCCC"/>
+                      </a:solidFill>
+                      <a:prstDash val="dot"/>
+                      <a:round/>
+                      <a:headEnd type="none" w="med" len="med"/>
+                      <a:tailEnd type="none" w="med" len="med"/>
+                    </a:lnT>
+                    <a:lnB w="6350" cap="flat" cmpd="sng" algn="ctr">
+                      <a:solidFill>
+                        <a:srgbClr val="CCCCCC"/>
+                      </a:solidFill>
+                      <a:prstDash val="dot"/>
+                      <a:round/>
+                      <a:headEnd type="none" w="med" len="med"/>
+                      <a:tailEnd type="none" w="med" len="med"/>
+                    </a:lnB>
+                    <a:solidFill>
+                      <a:srgbClr val="FFFFFF"/>
+                    </a:solidFill>
+                  </a:tcPr>
+                </a:tc>
+                <a:tc>
+                  <a:txBody>
+                    <a:bodyPr/>
+                    <a:lstStyle/>
+                    <a:p>
+                      <a:pPr algn="l" fontAlgn="ctr"/>
+                      <a:r>
+                        <a:rPr lang="ko-KR" altLang="en-US" sz="1100" b="0" i="0" u="none" strike="noStrike">
+                          <a:solidFill>
+                            <a:srgbClr val="1F4E78"/>
+                          </a:solidFill>
+                          <a:effectLst/>
+                          <a:latin typeface="Roboto" panose="02000000000000000000" pitchFamily="2" charset="0"/>
+                        </a:rPr>
+                        <a:t>　</a:t>
+                      </a:r>
+                    </a:p>
+                  </a:txBody>
+                  <a:tcPr marL="11575" marR="11575" marT="11575" marB="0" anchor="ctr">
+                    <a:lnL w="6350" cap="flat" cmpd="sng" algn="ctr">
+                      <a:solidFill>
+                        <a:srgbClr val="CCCCCC"/>
+                      </a:solidFill>
+                      <a:prstDash val="dot"/>
+                      <a:round/>
+                      <a:headEnd type="none" w="med" len="med"/>
+                      <a:tailEnd type="none" w="med" len="med"/>
+                    </a:lnL>
+                    <a:lnR w="6350" cap="flat" cmpd="sng" algn="ctr">
+                      <a:solidFill>
+                        <a:srgbClr val="CCCCCC"/>
+                      </a:solidFill>
+                      <a:prstDash val="dot"/>
+                      <a:round/>
+                      <a:headEnd type="none" w="med" len="med"/>
+                      <a:tailEnd type="none" w="med" len="med"/>
+                    </a:lnR>
+                    <a:lnT w="6350" cap="flat" cmpd="sng" algn="ctr">
+                      <a:solidFill>
+                        <a:srgbClr val="CCCCCC"/>
+                      </a:solidFill>
+                      <a:prstDash val="dot"/>
+                      <a:round/>
+                      <a:headEnd type="none" w="med" len="med"/>
+                      <a:tailEnd type="none" w="med" len="med"/>
+                    </a:lnT>
+                    <a:lnB w="6350" cap="flat" cmpd="sng" algn="ctr">
+                      <a:solidFill>
+                        <a:srgbClr val="CCCCCC"/>
+                      </a:solidFill>
+                      <a:prstDash val="dot"/>
+                      <a:round/>
+                      <a:headEnd type="none" w="med" len="med"/>
+                      <a:tailEnd type="none" w="med" len="med"/>
+                    </a:lnB>
+                    <a:solidFill>
+                      <a:srgbClr val="FFFFFF"/>
+                    </a:solidFill>
+                  </a:tcPr>
+                </a:tc>
+                <a:tc>
+                  <a:txBody>
+                    <a:bodyPr/>
+                    <a:lstStyle/>
+                    <a:p>
+                      <a:pPr algn="l" fontAlgn="ctr"/>
+                      <a:r>
+                        <a:rPr lang="ko-KR" altLang="en-US" sz="1100" b="0" i="0" u="none" strike="noStrike">
+                          <a:solidFill>
+                            <a:srgbClr val="1F4E78"/>
+                          </a:solidFill>
+                          <a:effectLst/>
+                          <a:latin typeface="Roboto" panose="02000000000000000000" pitchFamily="2" charset="0"/>
+                        </a:rPr>
+                        <a:t>　</a:t>
+                      </a:r>
+                    </a:p>
+                  </a:txBody>
+                  <a:tcPr marL="11575" marR="11575" marT="11575" marB="0" anchor="ctr">
+                    <a:lnL w="6350" cap="flat" cmpd="sng" algn="ctr">
+                      <a:solidFill>
+                        <a:srgbClr val="CCCCCC"/>
+                      </a:solidFill>
+                      <a:prstDash val="dot"/>
+                      <a:round/>
+                      <a:headEnd type="none" w="med" len="med"/>
+                      <a:tailEnd type="none" w="med" len="med"/>
+                    </a:lnL>
+                    <a:lnR w="6350" cap="flat" cmpd="sng" algn="ctr">
+                      <a:solidFill>
+                        <a:srgbClr val="CCCCCC"/>
+                      </a:solidFill>
+                      <a:prstDash val="dot"/>
+                      <a:round/>
+                      <a:headEnd type="none" w="med" len="med"/>
+                      <a:tailEnd type="none" w="med" len="med"/>
+                    </a:lnR>
+                    <a:lnT w="6350" cap="flat" cmpd="sng" algn="ctr">
+                      <a:solidFill>
+                        <a:srgbClr val="CCCCCC"/>
+                      </a:solidFill>
+                      <a:prstDash val="dot"/>
+                      <a:round/>
+                      <a:headEnd type="none" w="med" len="med"/>
+                      <a:tailEnd type="none" w="med" len="med"/>
+                    </a:lnT>
+                    <a:lnB w="6350" cap="flat" cmpd="sng" algn="ctr">
+                      <a:solidFill>
+                        <a:srgbClr val="CCCCCC"/>
+                      </a:solidFill>
+                      <a:prstDash val="dot"/>
+                      <a:round/>
+                      <a:headEnd type="none" w="med" len="med"/>
+                      <a:tailEnd type="none" w="med" len="med"/>
+                    </a:lnB>
+                    <a:solidFill>
+                      <a:srgbClr val="FFFFFF"/>
+                    </a:solidFill>
+                  </a:tcPr>
+                </a:tc>
+                <a:tc>
+                  <a:txBody>
+                    <a:bodyPr/>
+                    <a:lstStyle/>
+                    <a:p>
+                      <a:pPr algn="l" fontAlgn="ctr"/>
+                      <a:r>
+                        <a:rPr lang="ko-KR" altLang="en-US" sz="1100" b="0" i="0" u="none" strike="noStrike">
+                          <a:solidFill>
+                            <a:srgbClr val="1F4E78"/>
+                          </a:solidFill>
+                          <a:effectLst/>
+                          <a:latin typeface="Roboto" panose="02000000000000000000" pitchFamily="2" charset="0"/>
+                        </a:rPr>
+                        <a:t>　</a:t>
+                      </a:r>
+                    </a:p>
+                  </a:txBody>
+                  <a:tcPr marL="11575" marR="11575" marT="11575" marB="0" anchor="ctr">
+                    <a:lnL w="6350" cap="flat" cmpd="sng" algn="ctr">
+                      <a:solidFill>
+                        <a:srgbClr val="CCCCCC"/>
+                      </a:solidFill>
+                      <a:prstDash val="dot"/>
+                      <a:round/>
+                      <a:headEnd type="none" w="med" len="med"/>
+                      <a:tailEnd type="none" w="med" len="med"/>
+                    </a:lnL>
+                    <a:lnR w="6350" cap="flat" cmpd="sng" algn="ctr">
+                      <a:solidFill>
+                        <a:srgbClr val="CCCCCC"/>
+                      </a:solidFill>
+                      <a:prstDash val="dot"/>
+                      <a:round/>
+                      <a:headEnd type="none" w="med" len="med"/>
+                      <a:tailEnd type="none" w="med" len="med"/>
+                    </a:lnR>
+                    <a:lnT w="6350" cap="flat" cmpd="sng" algn="ctr">
+                      <a:solidFill>
+                        <a:srgbClr val="CCCCCC"/>
+                      </a:solidFill>
+                      <a:prstDash val="dot"/>
+                      <a:round/>
+                      <a:headEnd type="none" w="med" len="med"/>
+                      <a:tailEnd type="none" w="med" len="med"/>
+                    </a:lnT>
+                    <a:lnB w="6350" cap="flat" cmpd="sng" algn="ctr">
+                      <a:solidFill>
+                        <a:srgbClr val="CCCCCC"/>
+                      </a:solidFill>
+                      <a:prstDash val="dot"/>
+                      <a:round/>
+                      <a:headEnd type="none" w="med" len="med"/>
+                      <a:tailEnd type="none" w="med" len="med"/>
+                    </a:lnB>
+                    <a:solidFill>
+                      <a:srgbClr val="FFFFFF"/>
+                    </a:solidFill>
+                  </a:tcPr>
+                </a:tc>
+                <a:tc>
+                  <a:txBody>
+                    <a:bodyPr/>
+                    <a:lstStyle/>
+                    <a:p>
+                      <a:pPr algn="l" fontAlgn="ctr"/>
+                      <a:r>
+                        <a:rPr lang="ko-KR" altLang="en-US" sz="1100" b="0" i="0" u="none" strike="noStrike">
+                          <a:solidFill>
+                            <a:srgbClr val="1F4E78"/>
+                          </a:solidFill>
+                          <a:effectLst/>
+                          <a:latin typeface="Roboto" panose="02000000000000000000" pitchFamily="2" charset="0"/>
+                        </a:rPr>
+                        <a:t>　</a:t>
+                      </a:r>
+                    </a:p>
+                  </a:txBody>
+                  <a:tcPr marL="11575" marR="11575" marT="11575" marB="0" anchor="ctr">
+                    <a:lnL w="6350" cap="flat" cmpd="sng" algn="ctr">
+                      <a:solidFill>
+                        <a:srgbClr val="CCCCCC"/>
+                      </a:solidFill>
+                      <a:prstDash val="dot"/>
+                      <a:round/>
+                      <a:headEnd type="none" w="med" len="med"/>
+                      <a:tailEnd type="none" w="med" len="med"/>
+                    </a:lnL>
+                    <a:lnR w="6350" cap="flat" cmpd="sng" algn="ctr">
+                      <a:solidFill>
+                        <a:srgbClr val="CCCCCC"/>
+                      </a:solidFill>
+                      <a:prstDash val="dot"/>
+                      <a:round/>
+                      <a:headEnd type="none" w="med" len="med"/>
+                      <a:tailEnd type="none" w="med" len="med"/>
+                    </a:lnR>
+                    <a:lnT w="6350" cap="flat" cmpd="sng" algn="ctr">
+                      <a:solidFill>
+                        <a:srgbClr val="CCCCCC"/>
+                      </a:solidFill>
+                      <a:prstDash val="dot"/>
+                      <a:round/>
+                      <a:headEnd type="none" w="med" len="med"/>
+                      <a:tailEnd type="none" w="med" len="med"/>
+                    </a:lnT>
+                    <a:lnB w="6350" cap="flat" cmpd="sng" algn="ctr">
+                      <a:solidFill>
+                        <a:srgbClr val="CCCCCC"/>
+                      </a:solidFill>
+                      <a:prstDash val="dot"/>
+                      <a:round/>
+                      <a:headEnd type="none" w="med" len="med"/>
+                      <a:tailEnd type="none" w="med" len="med"/>
+                    </a:lnB>
+                    <a:solidFill>
+                      <a:srgbClr val="FFFFFF"/>
+                    </a:solidFill>
+                  </a:tcPr>
+                </a:tc>
+                <a:tc>
+                  <a:txBody>
+                    <a:bodyPr/>
+                    <a:lstStyle/>
+                    <a:p>
+                      <a:pPr algn="l" fontAlgn="ctr"/>
+                      <a:r>
+                        <a:rPr lang="ko-KR" altLang="en-US" sz="1100" b="0" i="0" u="none" strike="noStrike">
+                          <a:solidFill>
+                            <a:srgbClr val="1F4E78"/>
+                          </a:solidFill>
+                          <a:effectLst/>
+                          <a:latin typeface="Roboto" panose="02000000000000000000" pitchFamily="2" charset="0"/>
+                        </a:rPr>
+                        <a:t>　</a:t>
+                      </a:r>
+                    </a:p>
+                  </a:txBody>
+                  <a:tcPr marL="11575" marR="11575" marT="11575" marB="0" anchor="ctr">
+                    <a:lnL w="6350" cap="flat" cmpd="sng" algn="ctr">
+                      <a:solidFill>
+                        <a:srgbClr val="CCCCCC"/>
+                      </a:solidFill>
+                      <a:prstDash val="dot"/>
+                      <a:round/>
+                      <a:headEnd type="none" w="med" len="med"/>
+                      <a:tailEnd type="none" w="med" len="med"/>
+                    </a:lnL>
+                    <a:lnR w="6350" cap="flat" cmpd="sng" algn="ctr">
+                      <a:solidFill>
+                        <a:srgbClr val="CCCCCC"/>
+                      </a:solidFill>
+                      <a:prstDash val="dot"/>
+                      <a:round/>
+                      <a:headEnd type="none" w="med" len="med"/>
+                      <a:tailEnd type="none" w="med" len="med"/>
+                    </a:lnR>
+                    <a:lnT w="6350" cap="flat" cmpd="sng" algn="ctr">
+                      <a:solidFill>
+                        <a:srgbClr val="CCCCCC"/>
+                      </a:solidFill>
+                      <a:prstDash val="dot"/>
+                      <a:round/>
+                      <a:headEnd type="none" w="med" len="med"/>
+                      <a:tailEnd type="none" w="med" len="med"/>
+                    </a:lnT>
+                    <a:lnB w="6350" cap="flat" cmpd="sng" algn="ctr">
+                      <a:solidFill>
+                        <a:srgbClr val="CCCCCC"/>
+                      </a:solidFill>
+                      <a:prstDash val="dot"/>
+                      <a:round/>
+                      <a:headEnd type="none" w="med" len="med"/>
+                      <a:tailEnd type="none" w="med" len="med"/>
+                    </a:lnB>
+                    <a:solidFill>
+                      <a:srgbClr val="FFFFFF"/>
+                    </a:solidFill>
+                  </a:tcPr>
+                </a:tc>
+                <a:tc>
+                  <a:txBody>
+                    <a:bodyPr/>
+                    <a:lstStyle/>
+                    <a:p>
+                      <a:pPr algn="l" fontAlgn="ctr"/>
+                      <a:r>
+                        <a:rPr lang="ko-KR" altLang="en-US" sz="1100" b="0" i="0" u="none" strike="noStrike">
+                          <a:solidFill>
+                            <a:srgbClr val="1F4E78"/>
+                          </a:solidFill>
+                          <a:effectLst/>
+                          <a:latin typeface="Roboto" panose="02000000000000000000" pitchFamily="2" charset="0"/>
+                        </a:rPr>
+                        <a:t>　</a:t>
+                      </a:r>
+                    </a:p>
+                  </a:txBody>
+                  <a:tcPr marL="11575" marR="11575" marT="11575" marB="0" anchor="ctr">
+                    <a:lnL w="6350" cap="flat" cmpd="sng" algn="ctr">
+                      <a:solidFill>
+                        <a:srgbClr val="CCCCCC"/>
+                      </a:solidFill>
+                      <a:prstDash val="dot"/>
+                      <a:round/>
+                      <a:headEnd type="none" w="med" len="med"/>
+                      <a:tailEnd type="none" w="med" len="med"/>
+                    </a:lnL>
+                    <a:lnR w="6350" cap="flat" cmpd="sng" algn="ctr">
+                      <a:solidFill>
+                        <a:srgbClr val="CCCCCC"/>
+                      </a:solidFill>
+                      <a:prstDash val="dot"/>
+                      <a:round/>
+                      <a:headEnd type="none" w="med" len="med"/>
+                      <a:tailEnd type="none" w="med" len="med"/>
+                    </a:lnR>
+                    <a:lnT w="6350" cap="flat" cmpd="sng" algn="ctr">
+                      <a:solidFill>
+                        <a:srgbClr val="CCCCCC"/>
+                      </a:solidFill>
+                      <a:prstDash val="dot"/>
+                      <a:round/>
+                      <a:headEnd type="none" w="med" len="med"/>
+                      <a:tailEnd type="none" w="med" len="med"/>
+                    </a:lnT>
+                    <a:lnB w="6350" cap="flat" cmpd="sng" algn="ctr">
+                      <a:solidFill>
+                        <a:srgbClr val="CCCCCC"/>
+                      </a:solidFill>
+                      <a:prstDash val="dot"/>
+                      <a:round/>
+                      <a:headEnd type="none" w="med" len="med"/>
+                      <a:tailEnd type="none" w="med" len="med"/>
+                    </a:lnB>
+                    <a:solidFill>
+                      <a:srgbClr val="FFFFFF"/>
+                    </a:solidFill>
+                  </a:tcPr>
+                </a:tc>
+                <a:tc gridSpan="7">
+                  <a:txBody>
+                    <a:bodyPr/>
+                    <a:lstStyle/>
+                    <a:p>
+                      <a:pPr algn="ctr" fontAlgn="ctr"/>
+                      <a:r>
+                        <a:rPr lang="en-US" sz="1100" b="0" i="0" u="none" strike="noStrike">
+                          <a:solidFill>
+                            <a:srgbClr val="FFFFFF"/>
+                          </a:solidFill>
+                          <a:effectLst/>
+                          <a:latin typeface="Arial Unicode MS"/>
+                        </a:rPr>
+                        <a:t>DB </a:t>
+                      </a:r>
+                      <a:r>
+                        <a:rPr lang="ko-KR" altLang="en-US" sz="1100" b="0" i="0" u="none" strike="noStrike">
+                          <a:solidFill>
+                            <a:srgbClr val="FFFFFF"/>
+                          </a:solidFill>
+                          <a:effectLst/>
+                          <a:latin typeface="Arial Unicode MS"/>
+                        </a:rPr>
+                        <a:t>설계</a:t>
+                      </a:r>
+                    </a:p>
+                  </a:txBody>
+                  <a:tcPr marL="111124" marR="111124" marT="55562" marB="55562" anchor="ctr">
+                    <a:lnL w="6350" cap="flat" cmpd="sng" algn="ctr">
+                      <a:solidFill>
+                        <a:srgbClr val="CCCCCC"/>
+                      </a:solidFill>
+                      <a:prstDash val="dot"/>
+                      <a:round/>
+                      <a:headEnd type="none" w="med" len="med"/>
+                      <a:tailEnd type="none" w="med" len="med"/>
+                    </a:lnL>
+                    <a:lnR w="6350" cap="flat" cmpd="sng" algn="ctr">
+                      <a:solidFill>
+                        <a:srgbClr val="CCCCCC"/>
+                      </a:solidFill>
+                      <a:prstDash val="dot"/>
+                      <a:round/>
+                      <a:headEnd type="none" w="med" len="med"/>
+                      <a:tailEnd type="none" w="med" len="med"/>
+                    </a:lnR>
+                    <a:lnT w="6350" cap="flat" cmpd="sng" algn="ctr">
+                      <a:solidFill>
+                        <a:srgbClr val="CCCCCC"/>
+                      </a:solidFill>
+                      <a:prstDash val="dot"/>
+                      <a:round/>
+                      <a:headEnd type="none" w="med" len="med"/>
+                      <a:tailEnd type="none" w="med" len="med"/>
+                    </a:lnT>
+                    <a:lnB w="6350" cap="flat" cmpd="sng" algn="ctr">
+                      <a:solidFill>
+                        <a:srgbClr val="CCCCCC"/>
+                      </a:solidFill>
+                      <a:prstDash val="dot"/>
+                      <a:round/>
+                      <a:headEnd type="none" w="med" len="med"/>
+                      <a:tailEnd type="none" w="med" len="med"/>
+                    </a:lnB>
+                    <a:solidFill>
+                      <a:srgbClr val="45818E"/>
+                    </a:solidFill>
+                  </a:tcPr>
+                </a:tc>
+                <a:tc hMerge="1">
+                  <a:txBody>
+                    <a:bodyPr/>
+                    <a:lstStyle/>
+                    <a:p>
+                      <a:pPr latinLnBrk="1"/>
+                      <a:endParaRPr lang="ko-KR" altLang="en-US"/>
+                    </a:p>
+                  </a:txBody>
+                  <a:tcPr/>
+                </a:tc>
+                <a:tc hMerge="1">
+                  <a:txBody>
+                    <a:bodyPr/>
+                    <a:lstStyle/>
+                    <a:p>
+                      <a:pPr latinLnBrk="1"/>
+                      <a:endParaRPr lang="ko-KR" altLang="en-US"/>
+                    </a:p>
+                  </a:txBody>
+                  <a:tcPr/>
+                </a:tc>
+                <a:tc hMerge="1">
+                  <a:txBody>
+                    <a:bodyPr/>
+                    <a:lstStyle/>
+                    <a:p>
+                      <a:pPr latinLnBrk="1"/>
+                      <a:endParaRPr lang="ko-KR" altLang="en-US"/>
+                    </a:p>
+                  </a:txBody>
+                  <a:tcPr/>
+                </a:tc>
+                <a:tc hMerge="1">
+                  <a:txBody>
+                    <a:bodyPr/>
+                    <a:lstStyle/>
+                    <a:p>
+                      <a:pPr latinLnBrk="1"/>
+                      <a:endParaRPr lang="ko-KR" altLang="en-US"/>
+                    </a:p>
+                  </a:txBody>
+                  <a:tcPr/>
+                </a:tc>
+                <a:tc hMerge="1">
+                  <a:txBody>
+                    <a:bodyPr/>
+                    <a:lstStyle/>
+                    <a:p>
+                      <a:pPr latinLnBrk="1"/>
+                      <a:endParaRPr lang="ko-KR" altLang="en-US"/>
+                    </a:p>
+                  </a:txBody>
+                  <a:tcPr/>
+                </a:tc>
+                <a:tc hMerge="1">
+                  <a:txBody>
+                    <a:bodyPr/>
+                    <a:lstStyle/>
+                    <a:p>
+                      <a:pPr latinLnBrk="1"/>
+                      <a:endParaRPr lang="ko-KR" altLang="en-US"/>
+                    </a:p>
+                  </a:txBody>
+                  <a:tcPr/>
+                </a:tc>
+                <a:tc>
+                  <a:txBody>
+                    <a:bodyPr/>
+                    <a:lstStyle/>
+                    <a:p>
+                      <a:pPr algn="l" fontAlgn="ctr"/>
+                      <a:r>
+                        <a:rPr lang="ko-KR" altLang="en-US" sz="1100" b="0" i="0" u="none" strike="noStrike">
+                          <a:solidFill>
+                            <a:srgbClr val="1F4E78"/>
+                          </a:solidFill>
+                          <a:effectLst/>
+                          <a:latin typeface="Roboto" panose="02000000000000000000" pitchFamily="2" charset="0"/>
+                        </a:rPr>
+                        <a:t>　</a:t>
+                      </a:r>
+                    </a:p>
+                  </a:txBody>
+                  <a:tcPr marL="11575" marR="11575" marT="11575" marB="0" anchor="ctr">
+                    <a:lnL w="6350" cap="flat" cmpd="sng" algn="ctr">
+                      <a:solidFill>
+                        <a:srgbClr val="CCCCCC"/>
+                      </a:solidFill>
+                      <a:prstDash val="dot"/>
+                      <a:round/>
+                      <a:headEnd type="none" w="med" len="med"/>
+                      <a:tailEnd type="none" w="med" len="med"/>
+                    </a:lnL>
+                    <a:lnR w="6350" cap="flat" cmpd="sng" algn="ctr">
+                      <a:solidFill>
+                        <a:srgbClr val="CCCCCC"/>
+                      </a:solidFill>
+                      <a:prstDash val="dot"/>
+                      <a:round/>
+                      <a:headEnd type="none" w="med" len="med"/>
+                      <a:tailEnd type="none" w="med" len="med"/>
+                    </a:lnR>
+                    <a:lnT w="6350" cap="flat" cmpd="sng" algn="ctr">
+                      <a:solidFill>
+                        <a:srgbClr val="CCCCCC"/>
+                      </a:solidFill>
+                      <a:prstDash val="dot"/>
+                      <a:round/>
+                      <a:headEnd type="none" w="med" len="med"/>
+                      <a:tailEnd type="none" w="med" len="med"/>
+                    </a:lnT>
+                    <a:lnB w="6350" cap="flat" cmpd="sng" algn="ctr">
+                      <a:solidFill>
+                        <a:srgbClr val="CCCCCC"/>
+                      </a:solidFill>
+                      <a:prstDash val="dot"/>
+                      <a:round/>
+                      <a:headEnd type="none" w="med" len="med"/>
+                      <a:tailEnd type="none" w="med" len="med"/>
+                    </a:lnB>
+                    <a:solidFill>
+                      <a:srgbClr val="FFFFFF"/>
+                    </a:solidFill>
+                  </a:tcPr>
+                </a:tc>
+                <a:tc>
+                  <a:txBody>
+                    <a:bodyPr/>
+                    <a:lstStyle/>
+                    <a:p>
+                      <a:pPr algn="l" fontAlgn="ctr"/>
+                      <a:r>
+                        <a:rPr lang="ko-KR" altLang="en-US" sz="1100" b="0" i="0" u="none" strike="noStrike">
+                          <a:solidFill>
+                            <a:srgbClr val="1F4E78"/>
+                          </a:solidFill>
+                          <a:effectLst/>
+                          <a:latin typeface="Roboto" panose="02000000000000000000" pitchFamily="2" charset="0"/>
+                        </a:rPr>
+                        <a:t>　</a:t>
+                      </a:r>
+                    </a:p>
+                  </a:txBody>
+                  <a:tcPr marL="11575" marR="11575" marT="11575" marB="0" anchor="ctr">
+                    <a:lnL w="6350" cap="flat" cmpd="sng" algn="ctr">
+                      <a:solidFill>
+                        <a:srgbClr val="CCCCCC"/>
+                      </a:solidFill>
+                      <a:prstDash val="dot"/>
+                      <a:round/>
+                      <a:headEnd type="none" w="med" len="med"/>
+                      <a:tailEnd type="none" w="med" len="med"/>
+                    </a:lnL>
+                    <a:lnR w="6350" cap="flat" cmpd="sng" algn="ctr">
+                      <a:solidFill>
+                        <a:srgbClr val="CCCCCC"/>
+                      </a:solidFill>
+                      <a:prstDash val="dot"/>
+                      <a:round/>
+                      <a:headEnd type="none" w="med" len="med"/>
+                      <a:tailEnd type="none" w="med" len="med"/>
+                    </a:lnR>
+                    <a:lnT w="6350" cap="flat" cmpd="sng" algn="ctr">
+                      <a:solidFill>
+                        <a:srgbClr val="CCCCCC"/>
+                      </a:solidFill>
+                      <a:prstDash val="dot"/>
+                      <a:round/>
+                      <a:headEnd type="none" w="med" len="med"/>
+                      <a:tailEnd type="none" w="med" len="med"/>
+                    </a:lnT>
+                    <a:lnB w="6350" cap="flat" cmpd="sng" algn="ctr">
+                      <a:solidFill>
+                        <a:srgbClr val="CCCCCC"/>
+                      </a:solidFill>
+                      <a:prstDash val="dot"/>
+                      <a:round/>
+                      <a:headEnd type="none" w="med" len="med"/>
+                      <a:tailEnd type="none" w="med" len="med"/>
+                    </a:lnB>
+                    <a:solidFill>
+                      <a:srgbClr val="FFFFFF"/>
+                    </a:solidFill>
+                  </a:tcPr>
+                </a:tc>
+                <a:tc>
+                  <a:txBody>
+                    <a:bodyPr/>
+                    <a:lstStyle/>
+                    <a:p>
+                      <a:pPr algn="l" fontAlgn="ctr"/>
+                      <a:r>
+                        <a:rPr lang="ko-KR" altLang="en-US" sz="1100" b="0" i="0" u="none" strike="noStrike">
+                          <a:solidFill>
+                            <a:srgbClr val="1F4E78"/>
+                          </a:solidFill>
+                          <a:effectLst/>
+                          <a:latin typeface="Roboto" panose="02000000000000000000" pitchFamily="2" charset="0"/>
+                        </a:rPr>
+                        <a:t>　</a:t>
+                      </a:r>
+                    </a:p>
+                  </a:txBody>
+                  <a:tcPr marL="11575" marR="11575" marT="11575" marB="0" anchor="ctr">
+                    <a:lnL w="6350" cap="flat" cmpd="sng" algn="ctr">
+                      <a:solidFill>
+                        <a:srgbClr val="CCCCCC"/>
+                      </a:solidFill>
+                      <a:prstDash val="dot"/>
+                      <a:round/>
+                      <a:headEnd type="none" w="med" len="med"/>
+                      <a:tailEnd type="none" w="med" len="med"/>
+                    </a:lnL>
+                    <a:lnR w="6350" cap="flat" cmpd="sng" algn="ctr">
+                      <a:solidFill>
+                        <a:srgbClr val="CCCCCC"/>
+                      </a:solidFill>
+                      <a:prstDash val="dot"/>
+                      <a:round/>
+                      <a:headEnd type="none" w="med" len="med"/>
+                      <a:tailEnd type="none" w="med" len="med"/>
+                    </a:lnR>
+                    <a:lnT w="6350" cap="flat" cmpd="sng" algn="ctr">
+                      <a:solidFill>
+                        <a:srgbClr val="CCCCCC"/>
+                      </a:solidFill>
+                      <a:prstDash val="dot"/>
+                      <a:round/>
+                      <a:headEnd type="none" w="med" len="med"/>
+                      <a:tailEnd type="none" w="med" len="med"/>
+                    </a:lnT>
+                    <a:lnB w="6350" cap="flat" cmpd="sng" algn="ctr">
+                      <a:solidFill>
+                        <a:srgbClr val="CCCCCC"/>
+                      </a:solidFill>
+                      <a:prstDash val="dot"/>
+                      <a:round/>
+                      <a:headEnd type="none" w="med" len="med"/>
+                      <a:tailEnd type="none" w="med" len="med"/>
+                    </a:lnB>
+                    <a:solidFill>
+                      <a:srgbClr val="FFFFFF"/>
+                    </a:solidFill>
+                  </a:tcPr>
+                </a:tc>
+                <a:tc>
+                  <a:txBody>
+                    <a:bodyPr/>
+                    <a:lstStyle/>
+                    <a:p>
+                      <a:pPr algn="l" fontAlgn="ctr"/>
+                      <a:r>
+                        <a:rPr lang="ko-KR" altLang="en-US" sz="1100" b="0" i="0" u="none" strike="noStrike" dirty="0">
+                          <a:solidFill>
+                            <a:srgbClr val="1F4E78"/>
+                          </a:solidFill>
+                          <a:effectLst/>
+                          <a:latin typeface="Roboto" panose="02000000000000000000" pitchFamily="2" charset="0"/>
+                        </a:rPr>
+                        <a:t>　</a:t>
+                      </a:r>
+                    </a:p>
+                  </a:txBody>
+                  <a:tcPr marL="11575" marR="11575" marT="11575" marB="0" anchor="ctr">
+                    <a:lnL w="6350" cap="flat" cmpd="sng" algn="ctr">
+                      <a:solidFill>
+                        <a:srgbClr val="CCCCCC"/>
+                      </a:solidFill>
+                      <a:prstDash val="dot"/>
+                      <a:round/>
+                      <a:headEnd type="none" w="med" len="med"/>
+                      <a:tailEnd type="none" w="med" len="med"/>
+                    </a:lnL>
+                    <a:lnR w="6350" cap="flat" cmpd="sng" algn="ctr">
+                      <a:solidFill>
+                        <a:srgbClr val="CCCCCC"/>
+                      </a:solidFill>
+                      <a:prstDash val="dot"/>
+                      <a:round/>
+                      <a:headEnd type="none" w="med" len="med"/>
+                      <a:tailEnd type="none" w="med" len="med"/>
+                    </a:lnR>
+                    <a:lnT w="6350" cap="flat" cmpd="sng" algn="ctr">
+                      <a:solidFill>
+                        <a:srgbClr val="CCCCCC"/>
+                      </a:solidFill>
+                      <a:prstDash val="dot"/>
+                      <a:round/>
+                      <a:headEnd type="none" w="med" len="med"/>
+                      <a:tailEnd type="none" w="med" len="med"/>
+                    </a:lnT>
+                    <a:lnB w="6350" cap="flat" cmpd="sng" algn="ctr">
+                      <a:solidFill>
+                        <a:srgbClr val="CCCCCC"/>
+                      </a:solidFill>
+                      <a:prstDash val="dot"/>
+                      <a:round/>
+                      <a:headEnd type="none" w="med" len="med"/>
+                      <a:tailEnd type="none" w="med" len="med"/>
+                    </a:lnB>
+                    <a:solidFill>
+                      <a:srgbClr val="FFFFFF"/>
+                    </a:solidFill>
+                  </a:tcPr>
+                </a:tc>
+                <a:tc>
+                  <a:txBody>
+                    <a:bodyPr/>
+                    <a:lstStyle/>
+                    <a:p>
+                      <a:pPr algn="l" fontAlgn="ctr"/>
+                      <a:r>
+                        <a:rPr lang="ko-KR" altLang="en-US" sz="1100" b="0" i="0" u="none" strike="noStrike">
+                          <a:solidFill>
+                            <a:srgbClr val="1F4E78"/>
+                          </a:solidFill>
+                          <a:effectLst/>
+                          <a:latin typeface="Roboto" panose="02000000000000000000" pitchFamily="2" charset="0"/>
+                        </a:rPr>
+                        <a:t>　</a:t>
+                      </a:r>
+                    </a:p>
+                  </a:txBody>
+                  <a:tcPr marL="11575" marR="11575" marT="11575" marB="0" anchor="ctr">
+                    <a:lnL w="6350" cap="flat" cmpd="sng" algn="ctr">
+                      <a:solidFill>
+                        <a:srgbClr val="CCCCCC"/>
+                      </a:solidFill>
+                      <a:prstDash val="dot"/>
+                      <a:round/>
+                      <a:headEnd type="none" w="med" len="med"/>
+                      <a:tailEnd type="none" w="med" len="med"/>
+                    </a:lnL>
+                    <a:lnR w="6350" cap="flat" cmpd="sng" algn="ctr">
+                      <a:solidFill>
+                        <a:srgbClr val="000000"/>
+                      </a:solidFill>
+                      <a:prstDash val="solid"/>
+                      <a:round/>
+                      <a:headEnd type="none" w="med" len="med"/>
+                      <a:tailEnd type="none" w="med" len="med"/>
+                    </a:lnR>
+                    <a:lnT w="6350" cap="flat" cmpd="sng" algn="ctr">
+                      <a:solidFill>
+                        <a:srgbClr val="CCCCCC"/>
+                      </a:solidFill>
+                      <a:prstDash val="dot"/>
+                      <a:round/>
+                      <a:headEnd type="none" w="med" len="med"/>
+                      <a:tailEnd type="none" w="med" len="med"/>
+                    </a:lnT>
+                    <a:lnB w="6350" cap="flat" cmpd="sng" algn="ctr">
+                      <a:solidFill>
+                        <a:srgbClr val="CCCCCC"/>
+                      </a:solidFill>
+                      <a:prstDash val="dot"/>
+                      <a:round/>
+                      <a:headEnd type="none" w="med" len="med"/>
+                      <a:tailEnd type="none" w="med" len="med"/>
+                    </a:lnB>
+                    <a:solidFill>
+                      <a:srgbClr val="FFFFFF"/>
+                    </a:solidFill>
+                  </a:tcPr>
+                </a:tc>
+                <a:extLst>
+                  <a:ext uri="{0D108BD9-81ED-4DB2-BD59-A6C34878D82A}">
+                    <a16:rowId xmlns:a16="http://schemas.microsoft.com/office/drawing/2014/main" val="1511567700"/>
+                  </a:ext>
+                </a:extLst>
+              </a:tr>
+              <a:tr h="463016">
+                <a:tc>
+                  <a:txBody>
+                    <a:bodyPr/>
+                    <a:lstStyle/>
+                    <a:p>
+                      <a:pPr algn="ctr" fontAlgn="ctr"/>
+                      <a:r>
+                        <a:rPr lang="en-US" sz="1700" b="0" i="0" u="none" strike="noStrike">
+                          <a:solidFill>
+                            <a:srgbClr val="FFFFFF"/>
+                          </a:solidFill>
+                          <a:effectLst/>
+                          <a:latin typeface="휴먼엑스포" panose="02030504000101010101" pitchFamily="18" charset="-127"/>
+                          <a:ea typeface="휴먼엑스포" panose="02030504000101010101" pitchFamily="18" charset="-127"/>
+                        </a:rPr>
+                        <a:t>Front </a:t>
+                      </a:r>
+                      <a:r>
+                        <a:rPr lang="ko-KR" altLang="en-US" sz="1700" b="0" i="0" u="none" strike="noStrike">
+                          <a:solidFill>
+                            <a:srgbClr val="FFFFFF"/>
+                          </a:solidFill>
+                          <a:effectLst/>
+                          <a:latin typeface="휴먼엑스포" panose="02030504000101010101" pitchFamily="18" charset="-127"/>
+                          <a:ea typeface="휴먼엑스포" panose="02030504000101010101" pitchFamily="18" charset="-127"/>
+                        </a:rPr>
+                        <a:t>구현</a:t>
+                      </a:r>
+                    </a:p>
+                  </a:txBody>
+                  <a:tcPr marL="11575" marR="11575" marT="11575" marB="0" anchor="ctr">
+                    <a:lnL w="6350" cap="flat" cmpd="sng" algn="ctr">
+                      <a:solidFill>
+                        <a:srgbClr val="000000"/>
+                      </a:solidFill>
+                      <a:prstDash val="solid"/>
+                      <a:round/>
+                      <a:headEnd type="none" w="med" len="med"/>
+                      <a:tailEnd type="none" w="med" len="med"/>
+                    </a:lnL>
+                    <a:lnR w="6350" cap="flat" cmpd="sng" algn="ctr">
+                      <a:solidFill>
+                        <a:srgbClr val="000000"/>
+                      </a:solidFill>
+                      <a:prstDash val="solid"/>
+                      <a:round/>
+                      <a:headEnd type="none" w="med" len="med"/>
+                      <a:tailEnd type="none" w="med" len="med"/>
+                    </a:lnR>
+                    <a:lnT>
+                      <a:noFill/>
+                    </a:lnT>
+                    <a:lnB>
+                      <a:noFill/>
+                    </a:lnB>
+                    <a:solidFill>
+                      <a:srgbClr val="B85B22"/>
+                    </a:solidFill>
+                  </a:tcPr>
+                </a:tc>
+                <a:tc>
+                  <a:txBody>
+                    <a:bodyPr/>
+                    <a:lstStyle/>
+                    <a:p>
+                      <a:pPr algn="l" fontAlgn="ctr"/>
+                      <a:r>
+                        <a:rPr lang="ko-KR" altLang="en-US" sz="1100" b="0" i="0" u="none" strike="noStrike">
+                          <a:solidFill>
+                            <a:srgbClr val="1F4E78"/>
+                          </a:solidFill>
+                          <a:effectLst/>
+                          <a:latin typeface="Roboto" panose="02000000000000000000" pitchFamily="2" charset="0"/>
+                        </a:rPr>
+                        <a:t>　</a:t>
+                      </a:r>
+                    </a:p>
+                  </a:txBody>
+                  <a:tcPr marL="11575" marR="11575" marT="11575" marB="0" anchor="ctr">
+                    <a:lnL w="6350" cap="flat" cmpd="sng" algn="ctr">
+                      <a:solidFill>
+                        <a:srgbClr val="000000"/>
+                      </a:solidFill>
+                      <a:prstDash val="solid"/>
+                      <a:round/>
+                      <a:headEnd type="none" w="med" len="med"/>
+                      <a:tailEnd type="none" w="med" len="med"/>
+                    </a:lnL>
+                    <a:lnR w="6350" cap="flat" cmpd="sng" algn="ctr">
+                      <a:solidFill>
+                        <a:srgbClr val="CCCCCC"/>
+                      </a:solidFill>
+                      <a:prstDash val="dot"/>
+                      <a:round/>
+                      <a:headEnd type="none" w="med" len="med"/>
+                      <a:tailEnd type="none" w="med" len="med"/>
+                    </a:lnR>
+                    <a:lnT w="6350" cap="flat" cmpd="sng" algn="ctr">
+                      <a:solidFill>
+                        <a:srgbClr val="CCCCCC"/>
+                      </a:solidFill>
+                      <a:prstDash val="dot"/>
+                      <a:round/>
+                      <a:headEnd type="none" w="med" len="med"/>
+                      <a:tailEnd type="none" w="med" len="med"/>
+                    </a:lnT>
+                    <a:lnB w="6350" cap="flat" cmpd="sng" algn="ctr">
+                      <a:solidFill>
+                        <a:srgbClr val="CCCCCC"/>
+                      </a:solidFill>
+                      <a:prstDash val="dot"/>
+                      <a:round/>
+                      <a:headEnd type="none" w="med" len="med"/>
+                      <a:tailEnd type="none" w="med" len="med"/>
+                    </a:lnB>
+                    <a:solidFill>
+                      <a:srgbClr val="FFFFFF"/>
+                    </a:solidFill>
+                  </a:tcPr>
+                </a:tc>
+                <a:tc>
+                  <a:txBody>
+                    <a:bodyPr/>
+                    <a:lstStyle/>
+                    <a:p>
+                      <a:pPr algn="l" fontAlgn="ctr"/>
+                      <a:r>
+                        <a:rPr lang="ko-KR" altLang="en-US" sz="1100" b="0" i="0" u="none" strike="noStrike">
+                          <a:solidFill>
+                            <a:srgbClr val="1F4E78"/>
+                          </a:solidFill>
+                          <a:effectLst/>
+                          <a:latin typeface="Roboto" panose="02000000000000000000" pitchFamily="2" charset="0"/>
+                        </a:rPr>
+                        <a:t>　</a:t>
+                      </a:r>
+                    </a:p>
+                  </a:txBody>
+                  <a:tcPr marL="11575" marR="11575" marT="11575" marB="0" anchor="ctr">
+                    <a:lnL w="6350" cap="flat" cmpd="sng" algn="ctr">
+                      <a:solidFill>
+                        <a:srgbClr val="CCCCCC"/>
+                      </a:solidFill>
+                      <a:prstDash val="dot"/>
+                      <a:round/>
+                      <a:headEnd type="none" w="med" len="med"/>
+                      <a:tailEnd type="none" w="med" len="med"/>
+                    </a:lnL>
+                    <a:lnR w="6350" cap="flat" cmpd="sng" algn="ctr">
+                      <a:solidFill>
+                        <a:srgbClr val="CCCCCC"/>
+                      </a:solidFill>
+                      <a:prstDash val="dot"/>
+                      <a:round/>
+                      <a:headEnd type="none" w="med" len="med"/>
+                      <a:tailEnd type="none" w="med" len="med"/>
+                    </a:lnR>
+                    <a:lnT w="6350" cap="flat" cmpd="sng" algn="ctr">
+                      <a:solidFill>
+                        <a:srgbClr val="CCCCCC"/>
+                      </a:solidFill>
+                      <a:prstDash val="dot"/>
+                      <a:round/>
+                      <a:headEnd type="none" w="med" len="med"/>
+                      <a:tailEnd type="none" w="med" len="med"/>
+                    </a:lnT>
+                    <a:lnB w="6350" cap="flat" cmpd="sng" algn="ctr">
+                      <a:solidFill>
+                        <a:srgbClr val="CCCCCC"/>
+                      </a:solidFill>
+                      <a:prstDash val="dot"/>
+                      <a:round/>
+                      <a:headEnd type="none" w="med" len="med"/>
+                      <a:tailEnd type="none" w="med" len="med"/>
+                    </a:lnB>
+                    <a:solidFill>
+                      <a:srgbClr val="FFFFFF"/>
+                    </a:solidFill>
+                  </a:tcPr>
+                </a:tc>
+                <a:tc>
+                  <a:txBody>
+                    <a:bodyPr/>
+                    <a:lstStyle/>
+                    <a:p>
+                      <a:pPr algn="l" fontAlgn="ctr"/>
+                      <a:r>
+                        <a:rPr lang="ko-KR" altLang="en-US" sz="1100" b="0" i="0" u="none" strike="noStrike">
+                          <a:solidFill>
+                            <a:srgbClr val="1F4E78"/>
+                          </a:solidFill>
+                          <a:effectLst/>
+                          <a:latin typeface="Roboto" panose="02000000000000000000" pitchFamily="2" charset="0"/>
+                        </a:rPr>
+                        <a:t>　</a:t>
+                      </a:r>
+                    </a:p>
+                  </a:txBody>
+                  <a:tcPr marL="11575" marR="11575" marT="11575" marB="0" anchor="ctr">
+                    <a:lnL w="6350" cap="flat" cmpd="sng" algn="ctr">
+                      <a:solidFill>
+                        <a:srgbClr val="CCCCCC"/>
+                      </a:solidFill>
+                      <a:prstDash val="dot"/>
+                      <a:round/>
+                      <a:headEnd type="none" w="med" len="med"/>
+                      <a:tailEnd type="none" w="med" len="med"/>
+                    </a:lnL>
+                    <a:lnR w="6350" cap="flat" cmpd="sng" algn="ctr">
+                      <a:solidFill>
+                        <a:srgbClr val="CCCCCC"/>
+                      </a:solidFill>
+                      <a:prstDash val="dot"/>
+                      <a:round/>
+                      <a:headEnd type="none" w="med" len="med"/>
+                      <a:tailEnd type="none" w="med" len="med"/>
+                    </a:lnR>
+                    <a:lnT w="6350" cap="flat" cmpd="sng" algn="ctr">
+                      <a:solidFill>
+                        <a:srgbClr val="CCCCCC"/>
+                      </a:solidFill>
+                      <a:prstDash val="dot"/>
+                      <a:round/>
+                      <a:headEnd type="none" w="med" len="med"/>
+                      <a:tailEnd type="none" w="med" len="med"/>
+                    </a:lnT>
+                    <a:lnB w="6350" cap="flat" cmpd="sng" algn="ctr">
+                      <a:solidFill>
+                        <a:srgbClr val="CCCCCC"/>
+                      </a:solidFill>
+                      <a:prstDash val="dot"/>
+                      <a:round/>
+                      <a:headEnd type="none" w="med" len="med"/>
+                      <a:tailEnd type="none" w="med" len="med"/>
+                    </a:lnB>
+                    <a:solidFill>
+                      <a:srgbClr val="FFFFFF"/>
+                    </a:solidFill>
+                  </a:tcPr>
+                </a:tc>
+                <a:tc>
+                  <a:txBody>
+                    <a:bodyPr/>
+                    <a:lstStyle/>
+                    <a:p>
+                      <a:pPr algn="l" fontAlgn="ctr"/>
+                      <a:r>
+                        <a:rPr lang="ko-KR" altLang="en-US" sz="1100" b="0" i="0" u="none" strike="noStrike">
+                          <a:solidFill>
+                            <a:srgbClr val="1F4E78"/>
+                          </a:solidFill>
+                          <a:effectLst/>
+                          <a:latin typeface="Roboto" panose="02000000000000000000" pitchFamily="2" charset="0"/>
+                        </a:rPr>
+                        <a:t>　</a:t>
+                      </a:r>
+                    </a:p>
+                  </a:txBody>
+                  <a:tcPr marL="11575" marR="11575" marT="11575" marB="0" anchor="ctr">
+                    <a:lnL w="6350" cap="flat" cmpd="sng" algn="ctr">
+                      <a:solidFill>
+                        <a:srgbClr val="CCCCCC"/>
+                      </a:solidFill>
+                      <a:prstDash val="dot"/>
+                      <a:round/>
+                      <a:headEnd type="none" w="med" len="med"/>
+                      <a:tailEnd type="none" w="med" len="med"/>
+                    </a:lnL>
+                    <a:lnR w="6350" cap="flat" cmpd="sng" algn="ctr">
+                      <a:solidFill>
+                        <a:srgbClr val="CCCCCC"/>
+                      </a:solidFill>
+                      <a:prstDash val="dot"/>
+                      <a:round/>
+                      <a:headEnd type="none" w="med" len="med"/>
+                      <a:tailEnd type="none" w="med" len="med"/>
+                    </a:lnR>
+                    <a:lnT w="6350" cap="flat" cmpd="sng" algn="ctr">
+                      <a:solidFill>
+                        <a:srgbClr val="CCCCCC"/>
+                      </a:solidFill>
+                      <a:prstDash val="dot"/>
+                      <a:round/>
+                      <a:headEnd type="none" w="med" len="med"/>
+                      <a:tailEnd type="none" w="med" len="med"/>
+                    </a:lnT>
+                    <a:lnB w="6350" cap="flat" cmpd="sng" algn="ctr">
+                      <a:solidFill>
+                        <a:srgbClr val="CCCCCC"/>
+                      </a:solidFill>
+                      <a:prstDash val="dot"/>
+                      <a:round/>
+                      <a:headEnd type="none" w="med" len="med"/>
+                      <a:tailEnd type="none" w="med" len="med"/>
+                    </a:lnB>
+                    <a:solidFill>
+                      <a:srgbClr val="FFFFFF"/>
+                    </a:solidFill>
+                  </a:tcPr>
+                </a:tc>
+                <a:tc>
+                  <a:txBody>
+                    <a:bodyPr/>
+                    <a:lstStyle/>
+                    <a:p>
+                      <a:pPr algn="l" fontAlgn="ctr"/>
+                      <a:r>
+                        <a:rPr lang="ko-KR" altLang="en-US" sz="1100" b="0" i="0" u="none" strike="noStrike">
+                          <a:solidFill>
+                            <a:srgbClr val="1F4E78"/>
+                          </a:solidFill>
+                          <a:effectLst/>
+                          <a:latin typeface="Roboto" panose="02000000000000000000" pitchFamily="2" charset="0"/>
+                        </a:rPr>
+                        <a:t>　</a:t>
+                      </a:r>
+                    </a:p>
+                  </a:txBody>
+                  <a:tcPr marL="11575" marR="11575" marT="11575" marB="0" anchor="ctr">
+                    <a:lnL w="6350" cap="flat" cmpd="sng" algn="ctr">
+                      <a:solidFill>
+                        <a:srgbClr val="CCCCCC"/>
+                      </a:solidFill>
+                      <a:prstDash val="dot"/>
+                      <a:round/>
+                      <a:headEnd type="none" w="med" len="med"/>
+                      <a:tailEnd type="none" w="med" len="med"/>
+                    </a:lnL>
+                    <a:lnR w="6350" cap="flat" cmpd="sng" algn="ctr">
+                      <a:solidFill>
+                        <a:srgbClr val="CCCCCC"/>
+                      </a:solidFill>
+                      <a:prstDash val="dot"/>
+                      <a:round/>
+                      <a:headEnd type="none" w="med" len="med"/>
+                      <a:tailEnd type="none" w="med" len="med"/>
+                    </a:lnR>
+                    <a:lnT w="6350" cap="flat" cmpd="sng" algn="ctr">
+                      <a:solidFill>
+                        <a:srgbClr val="CCCCCC"/>
+                      </a:solidFill>
+                      <a:prstDash val="dot"/>
+                      <a:round/>
+                      <a:headEnd type="none" w="med" len="med"/>
+                      <a:tailEnd type="none" w="med" len="med"/>
+                    </a:lnT>
+                    <a:lnB w="6350" cap="flat" cmpd="sng" algn="ctr">
+                      <a:solidFill>
+                        <a:srgbClr val="CCCCCC"/>
+                      </a:solidFill>
+                      <a:prstDash val="dot"/>
+                      <a:round/>
+                      <a:headEnd type="none" w="med" len="med"/>
+                      <a:tailEnd type="none" w="med" len="med"/>
+                    </a:lnB>
+                    <a:solidFill>
+                      <a:srgbClr val="FFFFFF"/>
+                    </a:solidFill>
+                  </a:tcPr>
+                </a:tc>
+                <a:tc>
+                  <a:txBody>
+                    <a:bodyPr/>
+                    <a:lstStyle/>
+                    <a:p>
+                      <a:pPr algn="l" fontAlgn="ctr"/>
+                      <a:r>
+                        <a:rPr lang="ko-KR" altLang="en-US" sz="1100" b="0" i="0" u="none" strike="noStrike">
+                          <a:solidFill>
+                            <a:srgbClr val="1F4E78"/>
+                          </a:solidFill>
+                          <a:effectLst/>
+                          <a:latin typeface="Roboto" panose="02000000000000000000" pitchFamily="2" charset="0"/>
+                        </a:rPr>
+                        <a:t>　</a:t>
+                      </a:r>
+                    </a:p>
+                  </a:txBody>
+                  <a:tcPr marL="11575" marR="11575" marT="11575" marB="0" anchor="ctr">
+                    <a:lnL w="6350" cap="flat" cmpd="sng" algn="ctr">
+                      <a:solidFill>
+                        <a:srgbClr val="CCCCCC"/>
+                      </a:solidFill>
+                      <a:prstDash val="dot"/>
+                      <a:round/>
+                      <a:headEnd type="none" w="med" len="med"/>
+                      <a:tailEnd type="none" w="med" len="med"/>
+                    </a:lnL>
+                    <a:lnR w="6350" cap="flat" cmpd="sng" algn="ctr">
+                      <a:solidFill>
+                        <a:srgbClr val="CCCCCC"/>
+                      </a:solidFill>
+                      <a:prstDash val="dot"/>
+                      <a:round/>
+                      <a:headEnd type="none" w="med" len="med"/>
+                      <a:tailEnd type="none" w="med" len="med"/>
+                    </a:lnR>
+                    <a:lnT w="6350" cap="flat" cmpd="sng" algn="ctr">
+                      <a:solidFill>
+                        <a:srgbClr val="CCCCCC"/>
+                      </a:solidFill>
+                      <a:prstDash val="dot"/>
+                      <a:round/>
+                      <a:headEnd type="none" w="med" len="med"/>
+                      <a:tailEnd type="none" w="med" len="med"/>
+                    </a:lnT>
+                    <a:lnB w="6350" cap="flat" cmpd="sng" algn="ctr">
+                      <a:solidFill>
+                        <a:srgbClr val="CCCCCC"/>
+                      </a:solidFill>
+                      <a:prstDash val="dot"/>
+                      <a:round/>
+                      <a:headEnd type="none" w="med" len="med"/>
+                      <a:tailEnd type="none" w="med" len="med"/>
+                    </a:lnB>
+                    <a:solidFill>
+                      <a:srgbClr val="FFFFFF"/>
+                    </a:solidFill>
+                  </a:tcPr>
+                </a:tc>
+                <a:tc>
+                  <a:txBody>
+                    <a:bodyPr/>
+                    <a:lstStyle/>
+                    <a:p>
+                      <a:pPr algn="l" fontAlgn="ctr"/>
+                      <a:r>
+                        <a:rPr lang="ko-KR" altLang="en-US" sz="1100" b="0" i="0" u="none" strike="noStrike">
+                          <a:solidFill>
+                            <a:srgbClr val="1F4E78"/>
+                          </a:solidFill>
+                          <a:effectLst/>
+                          <a:latin typeface="Roboto" panose="02000000000000000000" pitchFamily="2" charset="0"/>
+                        </a:rPr>
+                        <a:t>　</a:t>
+                      </a:r>
+                    </a:p>
+                  </a:txBody>
+                  <a:tcPr marL="11575" marR="11575" marT="11575" marB="0" anchor="ctr">
+                    <a:lnL w="6350" cap="flat" cmpd="sng" algn="ctr">
+                      <a:solidFill>
+                        <a:srgbClr val="CCCCCC"/>
+                      </a:solidFill>
+                      <a:prstDash val="dot"/>
+                      <a:round/>
+                      <a:headEnd type="none" w="med" len="med"/>
+                      <a:tailEnd type="none" w="med" len="med"/>
+                    </a:lnL>
+                    <a:lnR w="6350" cap="flat" cmpd="sng" algn="ctr">
+                      <a:solidFill>
+                        <a:srgbClr val="CCCCCC"/>
+                      </a:solidFill>
+                      <a:prstDash val="dot"/>
+                      <a:round/>
+                      <a:headEnd type="none" w="med" len="med"/>
+                      <a:tailEnd type="none" w="med" len="med"/>
+                    </a:lnR>
+                    <a:lnT w="6350" cap="flat" cmpd="sng" algn="ctr">
+                      <a:solidFill>
+                        <a:srgbClr val="CCCCCC"/>
+                      </a:solidFill>
+                      <a:prstDash val="dot"/>
+                      <a:round/>
+                      <a:headEnd type="none" w="med" len="med"/>
+                      <a:tailEnd type="none" w="med" len="med"/>
+                    </a:lnT>
+                    <a:lnB w="6350" cap="flat" cmpd="sng" algn="ctr">
+                      <a:solidFill>
+                        <a:srgbClr val="CCCCCC"/>
+                      </a:solidFill>
+                      <a:prstDash val="dot"/>
+                      <a:round/>
+                      <a:headEnd type="none" w="med" len="med"/>
+                      <a:tailEnd type="none" w="med" len="med"/>
+                    </a:lnB>
+                    <a:solidFill>
+                      <a:srgbClr val="FFFFFF"/>
+                    </a:solidFill>
+                  </a:tcPr>
+                </a:tc>
+                <a:tc>
+                  <a:txBody>
+                    <a:bodyPr/>
+                    <a:lstStyle/>
+                    <a:p>
+                      <a:pPr algn="l" fontAlgn="ctr"/>
+                      <a:r>
+                        <a:rPr lang="ko-KR" altLang="en-US" sz="1100" b="0" i="0" u="none" strike="noStrike">
+                          <a:solidFill>
+                            <a:srgbClr val="1F4E78"/>
+                          </a:solidFill>
+                          <a:effectLst/>
+                          <a:latin typeface="Roboto" panose="02000000000000000000" pitchFamily="2" charset="0"/>
+                        </a:rPr>
+                        <a:t>　</a:t>
+                      </a:r>
+                    </a:p>
+                  </a:txBody>
+                  <a:tcPr marL="11575" marR="11575" marT="11575" marB="0" anchor="ctr">
+                    <a:lnL w="6350" cap="flat" cmpd="sng" algn="ctr">
+                      <a:solidFill>
+                        <a:srgbClr val="CCCCCC"/>
+                      </a:solidFill>
+                      <a:prstDash val="dot"/>
+                      <a:round/>
+                      <a:headEnd type="none" w="med" len="med"/>
+                      <a:tailEnd type="none" w="med" len="med"/>
+                    </a:lnL>
+                    <a:lnR w="6350" cap="flat" cmpd="sng" algn="ctr">
+                      <a:solidFill>
+                        <a:srgbClr val="CCCCCC"/>
+                      </a:solidFill>
+                      <a:prstDash val="dot"/>
+                      <a:round/>
+                      <a:headEnd type="none" w="med" len="med"/>
+                      <a:tailEnd type="none" w="med" len="med"/>
+                    </a:lnR>
+                    <a:lnT w="6350" cap="flat" cmpd="sng" algn="ctr">
+                      <a:solidFill>
+                        <a:srgbClr val="CCCCCC"/>
+                      </a:solidFill>
+                      <a:prstDash val="dot"/>
+                      <a:round/>
+                      <a:headEnd type="none" w="med" len="med"/>
+                      <a:tailEnd type="none" w="med" len="med"/>
+                    </a:lnT>
+                    <a:lnB w="6350" cap="flat" cmpd="sng" algn="ctr">
+                      <a:solidFill>
+                        <a:srgbClr val="CCCCCC"/>
+                      </a:solidFill>
+                      <a:prstDash val="dot"/>
+                      <a:round/>
+                      <a:headEnd type="none" w="med" len="med"/>
+                      <a:tailEnd type="none" w="med" len="med"/>
+                    </a:lnB>
+                    <a:solidFill>
+                      <a:srgbClr val="FFFFFF"/>
+                    </a:solidFill>
+                  </a:tcPr>
+                </a:tc>
+                <a:tc>
+                  <a:txBody>
+                    <a:bodyPr/>
+                    <a:lstStyle/>
+                    <a:p>
+                      <a:pPr algn="l" fontAlgn="ctr"/>
+                      <a:r>
+                        <a:rPr lang="ko-KR" altLang="en-US" sz="1100" b="0" i="0" u="none" strike="noStrike">
+                          <a:solidFill>
+                            <a:srgbClr val="1F4E78"/>
+                          </a:solidFill>
+                          <a:effectLst/>
+                          <a:latin typeface="Roboto" panose="02000000000000000000" pitchFamily="2" charset="0"/>
+                        </a:rPr>
+                        <a:t>　</a:t>
+                      </a:r>
+                    </a:p>
+                  </a:txBody>
+                  <a:tcPr marL="11575" marR="11575" marT="11575" marB="0" anchor="ctr">
+                    <a:lnL w="6350" cap="flat" cmpd="sng" algn="ctr">
+                      <a:solidFill>
+                        <a:srgbClr val="CCCCCC"/>
+                      </a:solidFill>
+                      <a:prstDash val="dot"/>
+                      <a:round/>
+                      <a:headEnd type="none" w="med" len="med"/>
+                      <a:tailEnd type="none" w="med" len="med"/>
+                    </a:lnL>
+                    <a:lnR w="6350" cap="flat" cmpd="sng" algn="ctr">
+                      <a:solidFill>
+                        <a:srgbClr val="CCCCCC"/>
+                      </a:solidFill>
+                      <a:prstDash val="dot"/>
+                      <a:round/>
+                      <a:headEnd type="none" w="med" len="med"/>
+                      <a:tailEnd type="none" w="med" len="med"/>
+                    </a:lnR>
+                    <a:lnT w="6350" cap="flat" cmpd="sng" algn="ctr">
+                      <a:solidFill>
+                        <a:srgbClr val="CCCCCC"/>
+                      </a:solidFill>
+                      <a:prstDash val="dot"/>
+                      <a:round/>
+                      <a:headEnd type="none" w="med" len="med"/>
+                      <a:tailEnd type="none" w="med" len="med"/>
+                    </a:lnT>
+                    <a:lnB w="6350" cap="flat" cmpd="sng" algn="ctr">
+                      <a:solidFill>
+                        <a:srgbClr val="CCCCCC"/>
+                      </a:solidFill>
+                      <a:prstDash val="dot"/>
+                      <a:round/>
+                      <a:headEnd type="none" w="med" len="med"/>
+                      <a:tailEnd type="none" w="med" len="med"/>
+                    </a:lnB>
+                    <a:solidFill>
+                      <a:srgbClr val="FFFFFF"/>
+                    </a:solidFill>
+                  </a:tcPr>
+                </a:tc>
+                <a:tc>
+                  <a:txBody>
+                    <a:bodyPr/>
+                    <a:lstStyle/>
+                    <a:p>
+                      <a:pPr algn="l" fontAlgn="ctr"/>
+                      <a:r>
+                        <a:rPr lang="ko-KR" altLang="en-US" sz="1100" b="0" i="0" u="none" strike="noStrike">
+                          <a:solidFill>
+                            <a:srgbClr val="1F4E78"/>
+                          </a:solidFill>
+                          <a:effectLst/>
+                          <a:latin typeface="Roboto" panose="02000000000000000000" pitchFamily="2" charset="0"/>
+                        </a:rPr>
+                        <a:t>　</a:t>
+                      </a:r>
+                    </a:p>
+                  </a:txBody>
+                  <a:tcPr marL="11575" marR="11575" marT="11575" marB="0" anchor="ctr">
+                    <a:lnL w="6350" cap="flat" cmpd="sng" algn="ctr">
+                      <a:solidFill>
+                        <a:srgbClr val="CCCCCC"/>
+                      </a:solidFill>
+                      <a:prstDash val="dot"/>
+                      <a:round/>
+                      <a:headEnd type="none" w="med" len="med"/>
+                      <a:tailEnd type="none" w="med" len="med"/>
+                    </a:lnL>
+                    <a:lnR w="6350" cap="flat" cmpd="sng" algn="ctr">
+                      <a:solidFill>
+                        <a:srgbClr val="CCCCCC"/>
+                      </a:solidFill>
+                      <a:prstDash val="dot"/>
+                      <a:round/>
+                      <a:headEnd type="none" w="med" len="med"/>
+                      <a:tailEnd type="none" w="med" len="med"/>
+                    </a:lnR>
+                    <a:lnT w="6350" cap="flat" cmpd="sng" algn="ctr">
+                      <a:solidFill>
+                        <a:srgbClr val="CCCCCC"/>
+                      </a:solidFill>
+                      <a:prstDash val="dot"/>
+                      <a:round/>
+                      <a:headEnd type="none" w="med" len="med"/>
+                      <a:tailEnd type="none" w="med" len="med"/>
+                    </a:lnT>
+                    <a:lnB w="6350" cap="flat" cmpd="sng" algn="ctr">
+                      <a:solidFill>
+                        <a:srgbClr val="CCCCCC"/>
+                      </a:solidFill>
+                      <a:prstDash val="dot"/>
+                      <a:round/>
+                      <a:headEnd type="none" w="med" len="med"/>
+                      <a:tailEnd type="none" w="med" len="med"/>
+                    </a:lnB>
+                    <a:solidFill>
+                      <a:srgbClr val="FFFFFF"/>
+                    </a:solidFill>
+                  </a:tcPr>
+                </a:tc>
+                <a:tc>
+                  <a:txBody>
+                    <a:bodyPr/>
+                    <a:lstStyle/>
+                    <a:p>
+                      <a:pPr algn="l" fontAlgn="ctr"/>
+                      <a:r>
+                        <a:rPr lang="ko-KR" altLang="en-US" sz="1100" b="0" i="0" u="none" strike="noStrike">
+                          <a:solidFill>
+                            <a:srgbClr val="1F4E78"/>
+                          </a:solidFill>
+                          <a:effectLst/>
+                          <a:latin typeface="Roboto" panose="02000000000000000000" pitchFamily="2" charset="0"/>
+                        </a:rPr>
+                        <a:t>　</a:t>
+                      </a:r>
+                    </a:p>
+                  </a:txBody>
+                  <a:tcPr marL="11575" marR="11575" marT="11575" marB="0" anchor="ctr">
+                    <a:lnL w="6350" cap="flat" cmpd="sng" algn="ctr">
+                      <a:solidFill>
+                        <a:srgbClr val="CCCCCC"/>
+                      </a:solidFill>
+                      <a:prstDash val="dot"/>
+                      <a:round/>
+                      <a:headEnd type="none" w="med" len="med"/>
+                      <a:tailEnd type="none" w="med" len="med"/>
+                    </a:lnL>
+                    <a:lnR w="6350" cap="flat" cmpd="sng" algn="ctr">
+                      <a:solidFill>
+                        <a:srgbClr val="CCCCCC"/>
+                      </a:solidFill>
+                      <a:prstDash val="dot"/>
+                      <a:round/>
+                      <a:headEnd type="none" w="med" len="med"/>
+                      <a:tailEnd type="none" w="med" len="med"/>
+                    </a:lnR>
+                    <a:lnT w="6350" cap="flat" cmpd="sng" algn="ctr">
+                      <a:solidFill>
+                        <a:srgbClr val="CCCCCC"/>
+                      </a:solidFill>
+                      <a:prstDash val="dot"/>
+                      <a:round/>
+                      <a:headEnd type="none" w="med" len="med"/>
+                      <a:tailEnd type="none" w="med" len="med"/>
+                    </a:lnT>
+                    <a:lnB w="6350" cap="flat" cmpd="sng" algn="ctr">
+                      <a:solidFill>
+                        <a:srgbClr val="CCCCCC"/>
+                      </a:solidFill>
+                      <a:prstDash val="dot"/>
+                      <a:round/>
+                      <a:headEnd type="none" w="med" len="med"/>
+                      <a:tailEnd type="none" w="med" len="med"/>
+                    </a:lnB>
+                    <a:solidFill>
+                      <a:srgbClr val="FFFFFF"/>
+                    </a:solidFill>
+                  </a:tcPr>
+                </a:tc>
+                <a:tc>
+                  <a:txBody>
+                    <a:bodyPr/>
+                    <a:lstStyle/>
+                    <a:p>
+                      <a:pPr algn="l" fontAlgn="ctr"/>
+                      <a:r>
+                        <a:rPr lang="ko-KR" altLang="en-US" sz="1100" b="0" i="0" u="none" strike="noStrike">
+                          <a:solidFill>
+                            <a:srgbClr val="1F4E78"/>
+                          </a:solidFill>
+                          <a:effectLst/>
+                          <a:latin typeface="Roboto" panose="02000000000000000000" pitchFamily="2" charset="0"/>
+                        </a:rPr>
+                        <a:t>　</a:t>
+                      </a:r>
+                    </a:p>
+                  </a:txBody>
+                  <a:tcPr marL="11575" marR="11575" marT="11575" marB="0" anchor="ctr">
+                    <a:lnL w="6350" cap="flat" cmpd="sng" algn="ctr">
+                      <a:solidFill>
+                        <a:srgbClr val="CCCCCC"/>
+                      </a:solidFill>
+                      <a:prstDash val="dot"/>
+                      <a:round/>
+                      <a:headEnd type="none" w="med" len="med"/>
+                      <a:tailEnd type="none" w="med" len="med"/>
+                    </a:lnL>
+                    <a:lnR w="6350" cap="flat" cmpd="sng" algn="ctr">
+                      <a:solidFill>
+                        <a:srgbClr val="CCCCCC"/>
+                      </a:solidFill>
+                      <a:prstDash val="dot"/>
+                      <a:round/>
+                      <a:headEnd type="none" w="med" len="med"/>
+                      <a:tailEnd type="none" w="med" len="med"/>
+                    </a:lnR>
+                    <a:lnT w="6350" cap="flat" cmpd="sng" algn="ctr">
+                      <a:solidFill>
+                        <a:srgbClr val="CCCCCC"/>
+                      </a:solidFill>
+                      <a:prstDash val="dot"/>
+                      <a:round/>
+                      <a:headEnd type="none" w="med" len="med"/>
+                      <a:tailEnd type="none" w="med" len="med"/>
+                    </a:lnT>
+                    <a:lnB w="6350" cap="flat" cmpd="sng" algn="ctr">
+                      <a:solidFill>
+                        <a:srgbClr val="CCCCCC"/>
+                      </a:solidFill>
+                      <a:prstDash val="dot"/>
+                      <a:round/>
+                      <a:headEnd type="none" w="med" len="med"/>
+                      <a:tailEnd type="none" w="med" len="med"/>
+                    </a:lnB>
+                    <a:solidFill>
+                      <a:srgbClr val="FFFFFF"/>
+                    </a:solidFill>
+                  </a:tcPr>
+                </a:tc>
+                <a:tc>
+                  <a:txBody>
+                    <a:bodyPr/>
+                    <a:lstStyle/>
+                    <a:p>
+                      <a:pPr algn="l" fontAlgn="ctr"/>
+                      <a:r>
+                        <a:rPr lang="ko-KR" altLang="en-US" sz="1100" b="0" i="0" u="none" strike="noStrike">
+                          <a:solidFill>
+                            <a:srgbClr val="1F4E78"/>
+                          </a:solidFill>
+                          <a:effectLst/>
+                          <a:latin typeface="Roboto" panose="02000000000000000000" pitchFamily="2" charset="0"/>
+                        </a:rPr>
+                        <a:t>　</a:t>
+                      </a:r>
+                    </a:p>
+                  </a:txBody>
+                  <a:tcPr marL="11575" marR="11575" marT="11575" marB="0" anchor="ctr">
+                    <a:lnL w="6350" cap="flat" cmpd="sng" algn="ctr">
+                      <a:solidFill>
+                        <a:srgbClr val="CCCCCC"/>
+                      </a:solidFill>
+                      <a:prstDash val="dot"/>
+                      <a:round/>
+                      <a:headEnd type="none" w="med" len="med"/>
+                      <a:tailEnd type="none" w="med" len="med"/>
+                    </a:lnL>
+                    <a:lnR w="6350" cap="flat" cmpd="sng" algn="ctr">
+                      <a:solidFill>
+                        <a:srgbClr val="CCCCCC"/>
+                      </a:solidFill>
+                      <a:prstDash val="dot"/>
+                      <a:round/>
+                      <a:headEnd type="none" w="med" len="med"/>
+                      <a:tailEnd type="none" w="med" len="med"/>
+                    </a:lnR>
+                    <a:lnT w="6350" cap="flat" cmpd="sng" algn="ctr">
+                      <a:solidFill>
+                        <a:srgbClr val="CCCCCC"/>
+                      </a:solidFill>
+                      <a:prstDash val="dot"/>
+                      <a:round/>
+                      <a:headEnd type="none" w="med" len="med"/>
+                      <a:tailEnd type="none" w="med" len="med"/>
+                    </a:lnT>
+                    <a:lnB w="6350" cap="flat" cmpd="sng" algn="ctr">
+                      <a:solidFill>
+                        <a:srgbClr val="CCCCCC"/>
+                      </a:solidFill>
+                      <a:prstDash val="dot"/>
+                      <a:round/>
+                      <a:headEnd type="none" w="med" len="med"/>
+                      <a:tailEnd type="none" w="med" len="med"/>
+                    </a:lnB>
+                    <a:solidFill>
+                      <a:srgbClr val="FFFFFF"/>
+                    </a:solidFill>
+                  </a:tcPr>
+                </a:tc>
+                <a:tc gridSpan="7">
+                  <a:txBody>
+                    <a:bodyPr/>
+                    <a:lstStyle/>
+                    <a:p>
+                      <a:pPr algn="ctr" fontAlgn="ctr"/>
+                      <a:r>
+                        <a:rPr lang="ko-KR" altLang="en-US" sz="1100" b="0" i="0" u="none" strike="noStrike" dirty="0">
+                          <a:solidFill>
+                            <a:srgbClr val="FFFFFF"/>
+                          </a:solidFill>
+                          <a:effectLst/>
+                          <a:latin typeface="맑은 고딕" panose="020B0503020000020004" pitchFamily="50" charset="-127"/>
+                          <a:ea typeface="맑은 고딕" panose="020B0503020000020004" pitchFamily="50" charset="-127"/>
+                        </a:rPr>
+                        <a:t>구현</a:t>
+                      </a:r>
+                    </a:p>
+                  </a:txBody>
+                  <a:tcPr marL="111124" marR="111124" marT="55562" marB="55562" anchor="ctr">
+                    <a:lnL w="6350" cap="flat" cmpd="sng" algn="ctr">
+                      <a:solidFill>
+                        <a:srgbClr val="CCCCCC"/>
+                      </a:solidFill>
+                      <a:prstDash val="dot"/>
+                      <a:round/>
+                      <a:headEnd type="none" w="med" len="med"/>
+                      <a:tailEnd type="none" w="med" len="med"/>
+                    </a:lnL>
+                    <a:lnR w="6350" cap="flat" cmpd="sng" algn="ctr">
+                      <a:solidFill>
+                        <a:srgbClr val="CCCCCC"/>
+                      </a:solidFill>
+                      <a:prstDash val="dot"/>
+                      <a:round/>
+                      <a:headEnd type="none" w="med" len="med"/>
+                      <a:tailEnd type="none" w="med" len="med"/>
+                    </a:lnR>
+                    <a:lnT w="6350" cap="flat" cmpd="sng" algn="ctr">
+                      <a:solidFill>
+                        <a:srgbClr val="CCCCCC"/>
+                      </a:solidFill>
+                      <a:prstDash val="dot"/>
+                      <a:round/>
+                      <a:headEnd type="none" w="med" len="med"/>
+                      <a:tailEnd type="none" w="med" len="med"/>
+                    </a:lnT>
+                    <a:lnB w="6350" cap="flat" cmpd="sng" algn="ctr">
+                      <a:solidFill>
+                        <a:srgbClr val="CCCCCC"/>
+                      </a:solidFill>
+                      <a:prstDash val="dot"/>
+                      <a:round/>
+                      <a:headEnd type="none" w="med" len="med"/>
+                      <a:tailEnd type="none" w="med" len="med"/>
+                    </a:lnB>
+                    <a:solidFill>
+                      <a:srgbClr val="B85B22"/>
+                    </a:solidFill>
+                  </a:tcPr>
+                </a:tc>
+                <a:tc hMerge="1">
+                  <a:txBody>
+                    <a:bodyPr/>
+                    <a:lstStyle/>
+                    <a:p>
+                      <a:pPr latinLnBrk="1"/>
+                      <a:endParaRPr lang="ko-KR" altLang="en-US"/>
+                    </a:p>
+                  </a:txBody>
+                  <a:tcPr/>
+                </a:tc>
+                <a:tc hMerge="1">
+                  <a:txBody>
+                    <a:bodyPr/>
+                    <a:lstStyle/>
+                    <a:p>
+                      <a:pPr latinLnBrk="1"/>
+                      <a:endParaRPr lang="ko-KR" altLang="en-US"/>
+                    </a:p>
+                  </a:txBody>
+                  <a:tcPr/>
+                </a:tc>
+                <a:tc hMerge="1">
+                  <a:txBody>
+                    <a:bodyPr/>
+                    <a:lstStyle/>
+                    <a:p>
+                      <a:pPr latinLnBrk="1"/>
+                      <a:endParaRPr lang="ko-KR" altLang="en-US"/>
+                    </a:p>
+                  </a:txBody>
+                  <a:tcPr/>
+                </a:tc>
+                <a:tc hMerge="1">
+                  <a:txBody>
+                    <a:bodyPr/>
+                    <a:lstStyle/>
+                    <a:p>
+                      <a:pPr latinLnBrk="1"/>
+                      <a:endParaRPr lang="ko-KR" altLang="en-US"/>
+                    </a:p>
+                  </a:txBody>
+                  <a:tcPr/>
+                </a:tc>
+                <a:tc hMerge="1">
+                  <a:txBody>
+                    <a:bodyPr/>
+                    <a:lstStyle/>
+                    <a:p>
+                      <a:pPr latinLnBrk="1"/>
+                      <a:endParaRPr lang="ko-KR" altLang="en-US"/>
+                    </a:p>
+                  </a:txBody>
+                  <a:tcPr/>
+                </a:tc>
+                <a:tc hMerge="1">
+                  <a:txBody>
+                    <a:bodyPr/>
+                    <a:lstStyle/>
+                    <a:p>
+                      <a:pPr latinLnBrk="1"/>
+                      <a:endParaRPr lang="ko-KR" altLang="en-US"/>
+                    </a:p>
+                  </a:txBody>
+                  <a:tcPr/>
+                </a:tc>
+                <a:extLst>
+                  <a:ext uri="{0D108BD9-81ED-4DB2-BD59-A6C34878D82A}">
+                    <a16:rowId xmlns:a16="http://schemas.microsoft.com/office/drawing/2014/main" val="3407987454"/>
+                  </a:ext>
+                </a:extLst>
+              </a:tr>
+              <a:tr h="463016">
+                <a:tc>
+                  <a:txBody>
+                    <a:bodyPr/>
+                    <a:lstStyle/>
+                    <a:p>
+                      <a:pPr algn="ctr" fontAlgn="ctr"/>
+                      <a:r>
+                        <a:rPr lang="ko-KR" altLang="en-US" sz="1700" b="0" i="0" u="none" strike="noStrike">
+                          <a:solidFill>
+                            <a:srgbClr val="FFFFFF"/>
+                          </a:solidFill>
+                          <a:effectLst/>
+                          <a:latin typeface="휴먼엑스포" panose="02030504000101010101" pitchFamily="18" charset="-127"/>
+                          <a:ea typeface="휴먼엑스포" panose="02030504000101010101" pitchFamily="18" charset="-127"/>
+                        </a:rPr>
+                        <a:t>테스트</a:t>
+                      </a:r>
+                    </a:p>
+                  </a:txBody>
+                  <a:tcPr marL="11575" marR="11575" marT="11575" marB="0" anchor="ctr">
+                    <a:lnL w="6350" cap="flat" cmpd="sng" algn="ctr">
+                      <a:solidFill>
+                        <a:srgbClr val="000000"/>
+                      </a:solidFill>
+                      <a:prstDash val="solid"/>
+                      <a:round/>
+                      <a:headEnd type="none" w="med" len="med"/>
+                      <a:tailEnd type="none" w="med" len="med"/>
+                    </a:lnL>
+                    <a:lnR w="6350" cap="flat" cmpd="sng" algn="ctr">
+                      <a:solidFill>
+                        <a:srgbClr val="000000"/>
+                      </a:solidFill>
+                      <a:prstDash val="solid"/>
+                      <a:round/>
+                      <a:headEnd type="none" w="med" len="med"/>
+                      <a:tailEnd type="none" w="med" len="med"/>
+                    </a:lnR>
+                    <a:lnT>
+                      <a:noFill/>
+                    </a:lnT>
+                    <a:lnB w="6350" cap="flat" cmpd="sng" algn="ctr">
+                      <a:solidFill>
+                        <a:srgbClr val="000000"/>
+                      </a:solidFill>
+                      <a:prstDash val="solid"/>
+                      <a:round/>
+                      <a:headEnd type="none" w="med" len="med"/>
+                      <a:tailEnd type="none" w="med" len="med"/>
+                    </a:lnB>
+                    <a:solidFill>
+                      <a:srgbClr val="351C75"/>
+                    </a:solidFill>
+                  </a:tcPr>
+                </a:tc>
+                <a:tc>
+                  <a:txBody>
+                    <a:bodyPr/>
+                    <a:lstStyle/>
+                    <a:p>
+                      <a:pPr algn="l" fontAlgn="ctr"/>
+                      <a:r>
+                        <a:rPr lang="ko-KR" altLang="en-US" sz="1100" b="0" i="0" u="none" strike="noStrike">
+                          <a:solidFill>
+                            <a:srgbClr val="1F4E78"/>
+                          </a:solidFill>
+                          <a:effectLst/>
+                          <a:latin typeface="Roboto" panose="02000000000000000000" pitchFamily="2" charset="0"/>
+                        </a:rPr>
+                        <a:t>　</a:t>
+                      </a:r>
+                    </a:p>
+                  </a:txBody>
+                  <a:tcPr marL="11575" marR="11575" marT="11575" marB="0" anchor="ctr">
+                    <a:lnL w="6350" cap="flat" cmpd="sng" algn="ctr">
+                      <a:solidFill>
+                        <a:srgbClr val="000000"/>
+                      </a:solidFill>
+                      <a:prstDash val="solid"/>
+                      <a:round/>
+                      <a:headEnd type="none" w="med" len="med"/>
+                      <a:tailEnd type="none" w="med" len="med"/>
+                    </a:lnL>
+                    <a:lnR w="6350" cap="flat" cmpd="sng" algn="ctr">
+                      <a:solidFill>
+                        <a:srgbClr val="CCCCCC"/>
+                      </a:solidFill>
+                      <a:prstDash val="dot"/>
+                      <a:round/>
+                      <a:headEnd type="none" w="med" len="med"/>
+                      <a:tailEnd type="none" w="med" len="med"/>
+                    </a:lnR>
+                    <a:lnT w="6350" cap="flat" cmpd="sng" algn="ctr">
+                      <a:solidFill>
+                        <a:srgbClr val="CCCCCC"/>
+                      </a:solidFill>
+                      <a:prstDash val="dot"/>
+                      <a:round/>
+                      <a:headEnd type="none" w="med" len="med"/>
+                      <a:tailEnd type="none" w="med" len="med"/>
+                    </a:lnT>
+                    <a:lnB w="6350" cap="flat" cmpd="sng" algn="ctr">
+                      <a:solidFill>
+                        <a:srgbClr val="000000"/>
+                      </a:solidFill>
+                      <a:prstDash val="solid"/>
+                      <a:round/>
+                      <a:headEnd type="none" w="med" len="med"/>
+                      <a:tailEnd type="none" w="med" len="med"/>
+                    </a:lnB>
+                    <a:solidFill>
+                      <a:srgbClr val="FFFFFF"/>
+                    </a:solidFill>
+                  </a:tcPr>
+                </a:tc>
+                <a:tc>
+                  <a:txBody>
+                    <a:bodyPr/>
+                    <a:lstStyle/>
+                    <a:p>
+                      <a:pPr algn="l" fontAlgn="ctr"/>
+                      <a:r>
+                        <a:rPr lang="ko-KR" altLang="en-US" sz="1100" b="0" i="0" u="none" strike="noStrike">
+                          <a:solidFill>
+                            <a:srgbClr val="1F4E78"/>
+                          </a:solidFill>
+                          <a:effectLst/>
+                          <a:latin typeface="Roboto" panose="02000000000000000000" pitchFamily="2" charset="0"/>
+                        </a:rPr>
+                        <a:t>　</a:t>
+                      </a:r>
+                    </a:p>
+                  </a:txBody>
+                  <a:tcPr marL="11575" marR="11575" marT="11575" marB="0" anchor="ctr">
+                    <a:lnL w="6350" cap="flat" cmpd="sng" algn="ctr">
+                      <a:solidFill>
+                        <a:srgbClr val="CCCCCC"/>
+                      </a:solidFill>
+                      <a:prstDash val="dot"/>
+                      <a:round/>
+                      <a:headEnd type="none" w="med" len="med"/>
+                      <a:tailEnd type="none" w="med" len="med"/>
+                    </a:lnL>
+                    <a:lnR w="6350" cap="flat" cmpd="sng" algn="ctr">
+                      <a:solidFill>
+                        <a:srgbClr val="CCCCCC"/>
+                      </a:solidFill>
+                      <a:prstDash val="dot"/>
+                      <a:round/>
+                      <a:headEnd type="none" w="med" len="med"/>
+                      <a:tailEnd type="none" w="med" len="med"/>
+                    </a:lnR>
+                    <a:lnT w="6350" cap="flat" cmpd="sng" algn="ctr">
+                      <a:solidFill>
+                        <a:srgbClr val="CCCCCC"/>
+                      </a:solidFill>
+                      <a:prstDash val="dot"/>
+                      <a:round/>
+                      <a:headEnd type="none" w="med" len="med"/>
+                      <a:tailEnd type="none" w="med" len="med"/>
+                    </a:lnT>
+                    <a:lnB w="6350" cap="flat" cmpd="sng" algn="ctr">
+                      <a:solidFill>
+                        <a:srgbClr val="000000"/>
+                      </a:solidFill>
+                      <a:prstDash val="solid"/>
+                      <a:round/>
+                      <a:headEnd type="none" w="med" len="med"/>
+                      <a:tailEnd type="none" w="med" len="med"/>
+                    </a:lnB>
+                    <a:solidFill>
+                      <a:srgbClr val="FFFFFF"/>
+                    </a:solidFill>
+                  </a:tcPr>
+                </a:tc>
+                <a:tc>
+                  <a:txBody>
+                    <a:bodyPr/>
+                    <a:lstStyle/>
+                    <a:p>
+                      <a:pPr algn="l" fontAlgn="ctr"/>
+                      <a:r>
+                        <a:rPr lang="ko-KR" altLang="en-US" sz="1100" b="0" i="0" u="none" strike="noStrike">
+                          <a:solidFill>
+                            <a:srgbClr val="1F4E78"/>
+                          </a:solidFill>
+                          <a:effectLst/>
+                          <a:latin typeface="Roboto" panose="02000000000000000000" pitchFamily="2" charset="0"/>
+                        </a:rPr>
+                        <a:t>　</a:t>
+                      </a:r>
+                    </a:p>
+                  </a:txBody>
+                  <a:tcPr marL="11575" marR="11575" marT="11575" marB="0" anchor="ctr">
+                    <a:lnL w="6350" cap="flat" cmpd="sng" algn="ctr">
+                      <a:solidFill>
+                        <a:srgbClr val="CCCCCC"/>
+                      </a:solidFill>
+                      <a:prstDash val="dot"/>
+                      <a:round/>
+                      <a:headEnd type="none" w="med" len="med"/>
+                      <a:tailEnd type="none" w="med" len="med"/>
+                    </a:lnL>
+                    <a:lnR w="6350" cap="flat" cmpd="sng" algn="ctr">
+                      <a:solidFill>
+                        <a:srgbClr val="CCCCCC"/>
+                      </a:solidFill>
+                      <a:prstDash val="dot"/>
+                      <a:round/>
+                      <a:headEnd type="none" w="med" len="med"/>
+                      <a:tailEnd type="none" w="med" len="med"/>
+                    </a:lnR>
+                    <a:lnT w="6350" cap="flat" cmpd="sng" algn="ctr">
+                      <a:solidFill>
+                        <a:srgbClr val="CCCCCC"/>
+                      </a:solidFill>
+                      <a:prstDash val="dot"/>
+                      <a:round/>
+                      <a:headEnd type="none" w="med" len="med"/>
+                      <a:tailEnd type="none" w="med" len="med"/>
+                    </a:lnT>
+                    <a:lnB w="6350" cap="flat" cmpd="sng" algn="ctr">
+                      <a:solidFill>
+                        <a:srgbClr val="000000"/>
+                      </a:solidFill>
+                      <a:prstDash val="solid"/>
+                      <a:round/>
+                      <a:headEnd type="none" w="med" len="med"/>
+                      <a:tailEnd type="none" w="med" len="med"/>
+                    </a:lnB>
+                    <a:solidFill>
+                      <a:srgbClr val="FFFFFF"/>
+                    </a:solidFill>
+                  </a:tcPr>
+                </a:tc>
+                <a:tc>
+                  <a:txBody>
+                    <a:bodyPr/>
+                    <a:lstStyle/>
+                    <a:p>
+                      <a:pPr algn="l" fontAlgn="ctr"/>
+                      <a:r>
+                        <a:rPr lang="ko-KR" altLang="en-US" sz="1100" b="0" i="0" u="none" strike="noStrike">
+                          <a:solidFill>
+                            <a:srgbClr val="1F4E78"/>
+                          </a:solidFill>
+                          <a:effectLst/>
+                          <a:latin typeface="Roboto" panose="02000000000000000000" pitchFamily="2" charset="0"/>
+                        </a:rPr>
+                        <a:t>　</a:t>
+                      </a:r>
+                    </a:p>
+                  </a:txBody>
+                  <a:tcPr marL="11575" marR="11575" marT="11575" marB="0" anchor="ctr">
+                    <a:lnL w="6350" cap="flat" cmpd="sng" algn="ctr">
+                      <a:solidFill>
+                        <a:srgbClr val="CCCCCC"/>
+                      </a:solidFill>
+                      <a:prstDash val="dot"/>
+                      <a:round/>
+                      <a:headEnd type="none" w="med" len="med"/>
+                      <a:tailEnd type="none" w="med" len="med"/>
+                    </a:lnL>
+                    <a:lnR w="6350" cap="flat" cmpd="sng" algn="ctr">
+                      <a:solidFill>
+                        <a:srgbClr val="CCCCCC"/>
+                      </a:solidFill>
+                      <a:prstDash val="dot"/>
+                      <a:round/>
+                      <a:headEnd type="none" w="med" len="med"/>
+                      <a:tailEnd type="none" w="med" len="med"/>
+                    </a:lnR>
+                    <a:lnT w="6350" cap="flat" cmpd="sng" algn="ctr">
+                      <a:solidFill>
+                        <a:srgbClr val="CCCCCC"/>
+                      </a:solidFill>
+                      <a:prstDash val="dot"/>
+                      <a:round/>
+                      <a:headEnd type="none" w="med" len="med"/>
+                      <a:tailEnd type="none" w="med" len="med"/>
+                    </a:lnT>
+                    <a:lnB w="6350" cap="flat" cmpd="sng" algn="ctr">
+                      <a:solidFill>
+                        <a:srgbClr val="000000"/>
+                      </a:solidFill>
+                      <a:prstDash val="solid"/>
+                      <a:round/>
+                      <a:headEnd type="none" w="med" len="med"/>
+                      <a:tailEnd type="none" w="med" len="med"/>
+                    </a:lnB>
+                    <a:solidFill>
+                      <a:srgbClr val="FFFFFF"/>
+                    </a:solidFill>
+                  </a:tcPr>
+                </a:tc>
+                <a:tc>
+                  <a:txBody>
+                    <a:bodyPr/>
+                    <a:lstStyle/>
+                    <a:p>
+                      <a:pPr algn="l" fontAlgn="ctr"/>
+                      <a:r>
+                        <a:rPr lang="ko-KR" altLang="en-US" sz="1100" b="0" i="0" u="none" strike="noStrike">
+                          <a:solidFill>
+                            <a:srgbClr val="1F4E78"/>
+                          </a:solidFill>
+                          <a:effectLst/>
+                          <a:latin typeface="Roboto" panose="02000000000000000000" pitchFamily="2" charset="0"/>
+                        </a:rPr>
+                        <a:t>　</a:t>
+                      </a:r>
+                    </a:p>
+                  </a:txBody>
+                  <a:tcPr marL="11575" marR="11575" marT="11575" marB="0" anchor="ctr">
+                    <a:lnL w="6350" cap="flat" cmpd="sng" algn="ctr">
+                      <a:solidFill>
+                        <a:srgbClr val="CCCCCC"/>
+                      </a:solidFill>
+                      <a:prstDash val="dot"/>
+                      <a:round/>
+                      <a:headEnd type="none" w="med" len="med"/>
+                      <a:tailEnd type="none" w="med" len="med"/>
+                    </a:lnL>
+                    <a:lnR w="6350" cap="flat" cmpd="sng" algn="ctr">
+                      <a:solidFill>
+                        <a:srgbClr val="CCCCCC"/>
+                      </a:solidFill>
+                      <a:prstDash val="dot"/>
+                      <a:round/>
+                      <a:headEnd type="none" w="med" len="med"/>
+                      <a:tailEnd type="none" w="med" len="med"/>
+                    </a:lnR>
+                    <a:lnT w="6350" cap="flat" cmpd="sng" algn="ctr">
+                      <a:solidFill>
+                        <a:srgbClr val="CCCCCC"/>
+                      </a:solidFill>
+                      <a:prstDash val="dot"/>
+                      <a:round/>
+                      <a:headEnd type="none" w="med" len="med"/>
+                      <a:tailEnd type="none" w="med" len="med"/>
+                    </a:lnT>
+                    <a:lnB w="6350" cap="flat" cmpd="sng" algn="ctr">
+                      <a:solidFill>
+                        <a:srgbClr val="000000"/>
+                      </a:solidFill>
+                      <a:prstDash val="solid"/>
+                      <a:round/>
+                      <a:headEnd type="none" w="med" len="med"/>
+                      <a:tailEnd type="none" w="med" len="med"/>
+                    </a:lnB>
+                    <a:solidFill>
+                      <a:srgbClr val="FFFFFF"/>
+                    </a:solidFill>
+                  </a:tcPr>
+                </a:tc>
+                <a:tc>
+                  <a:txBody>
+                    <a:bodyPr/>
+                    <a:lstStyle/>
+                    <a:p>
+                      <a:pPr algn="l" fontAlgn="ctr"/>
+                      <a:r>
+                        <a:rPr lang="ko-KR" altLang="en-US" sz="1100" b="0" i="0" u="none" strike="noStrike">
+                          <a:solidFill>
+                            <a:srgbClr val="1F4E78"/>
+                          </a:solidFill>
+                          <a:effectLst/>
+                          <a:latin typeface="Roboto" panose="02000000000000000000" pitchFamily="2" charset="0"/>
+                        </a:rPr>
+                        <a:t>　</a:t>
+                      </a:r>
+                    </a:p>
+                  </a:txBody>
+                  <a:tcPr marL="11575" marR="11575" marT="11575" marB="0" anchor="ctr">
+                    <a:lnL w="6350" cap="flat" cmpd="sng" algn="ctr">
+                      <a:solidFill>
+                        <a:srgbClr val="CCCCCC"/>
+                      </a:solidFill>
+                      <a:prstDash val="dot"/>
+                      <a:round/>
+                      <a:headEnd type="none" w="med" len="med"/>
+                      <a:tailEnd type="none" w="med" len="med"/>
+                    </a:lnL>
+                    <a:lnR w="6350" cap="flat" cmpd="sng" algn="ctr">
+                      <a:solidFill>
+                        <a:srgbClr val="CCCCCC"/>
+                      </a:solidFill>
+                      <a:prstDash val="dot"/>
+                      <a:round/>
+                      <a:headEnd type="none" w="med" len="med"/>
+                      <a:tailEnd type="none" w="med" len="med"/>
+                    </a:lnR>
+                    <a:lnT w="6350" cap="flat" cmpd="sng" algn="ctr">
+                      <a:solidFill>
+                        <a:srgbClr val="CCCCCC"/>
+                      </a:solidFill>
+                      <a:prstDash val="dot"/>
+                      <a:round/>
+                      <a:headEnd type="none" w="med" len="med"/>
+                      <a:tailEnd type="none" w="med" len="med"/>
+                    </a:lnT>
+                    <a:lnB w="6350" cap="flat" cmpd="sng" algn="ctr">
+                      <a:solidFill>
+                        <a:srgbClr val="000000"/>
+                      </a:solidFill>
+                      <a:prstDash val="solid"/>
+                      <a:round/>
+                      <a:headEnd type="none" w="med" len="med"/>
+                      <a:tailEnd type="none" w="med" len="med"/>
+                    </a:lnB>
+                    <a:solidFill>
+                      <a:srgbClr val="FFFFFF"/>
+                    </a:solidFill>
+                  </a:tcPr>
+                </a:tc>
+                <a:tc>
+                  <a:txBody>
+                    <a:bodyPr/>
+                    <a:lstStyle/>
+                    <a:p>
+                      <a:pPr algn="l" fontAlgn="ctr"/>
+                      <a:r>
+                        <a:rPr lang="ko-KR" altLang="en-US" sz="1100" b="0" i="0" u="none" strike="noStrike">
+                          <a:solidFill>
+                            <a:srgbClr val="1F4E78"/>
+                          </a:solidFill>
+                          <a:effectLst/>
+                          <a:latin typeface="Roboto" panose="02000000000000000000" pitchFamily="2" charset="0"/>
+                        </a:rPr>
+                        <a:t>　</a:t>
+                      </a:r>
+                    </a:p>
+                  </a:txBody>
+                  <a:tcPr marL="11575" marR="11575" marT="11575" marB="0" anchor="ctr">
+                    <a:lnL w="6350" cap="flat" cmpd="sng" algn="ctr">
+                      <a:solidFill>
+                        <a:srgbClr val="CCCCCC"/>
+                      </a:solidFill>
+                      <a:prstDash val="dot"/>
+                      <a:round/>
+                      <a:headEnd type="none" w="med" len="med"/>
+                      <a:tailEnd type="none" w="med" len="med"/>
+                    </a:lnL>
+                    <a:lnR w="6350" cap="flat" cmpd="sng" algn="ctr">
+                      <a:solidFill>
+                        <a:srgbClr val="CCCCCC"/>
+                      </a:solidFill>
+                      <a:prstDash val="dot"/>
+                      <a:round/>
+                      <a:headEnd type="none" w="med" len="med"/>
+                      <a:tailEnd type="none" w="med" len="med"/>
+                    </a:lnR>
+                    <a:lnT w="6350" cap="flat" cmpd="sng" algn="ctr">
+                      <a:solidFill>
+                        <a:srgbClr val="CCCCCC"/>
+                      </a:solidFill>
+                      <a:prstDash val="dot"/>
+                      <a:round/>
+                      <a:headEnd type="none" w="med" len="med"/>
+                      <a:tailEnd type="none" w="med" len="med"/>
+                    </a:lnT>
+                    <a:lnB w="6350" cap="flat" cmpd="sng" algn="ctr">
+                      <a:solidFill>
+                        <a:srgbClr val="000000"/>
+                      </a:solidFill>
+                      <a:prstDash val="solid"/>
+                      <a:round/>
+                      <a:headEnd type="none" w="med" len="med"/>
+                      <a:tailEnd type="none" w="med" len="med"/>
+                    </a:lnB>
+                    <a:solidFill>
+                      <a:srgbClr val="FFFFFF"/>
+                    </a:solidFill>
+                  </a:tcPr>
+                </a:tc>
+                <a:tc>
+                  <a:txBody>
+                    <a:bodyPr/>
+                    <a:lstStyle/>
+                    <a:p>
+                      <a:pPr algn="l" fontAlgn="ctr"/>
+                      <a:r>
+                        <a:rPr lang="ko-KR" altLang="en-US" sz="1100" b="0" i="0" u="none" strike="noStrike" dirty="0">
+                          <a:solidFill>
+                            <a:srgbClr val="1F4E78"/>
+                          </a:solidFill>
+                          <a:effectLst/>
+                          <a:latin typeface="Roboto" panose="02000000000000000000" pitchFamily="2" charset="0"/>
+                        </a:rPr>
+                        <a:t>　</a:t>
+                      </a:r>
+                    </a:p>
+                  </a:txBody>
+                  <a:tcPr marL="11575" marR="11575" marT="11575" marB="0" anchor="ctr">
+                    <a:lnL w="6350" cap="flat" cmpd="sng" algn="ctr">
+                      <a:solidFill>
+                        <a:srgbClr val="CCCCCC"/>
+                      </a:solidFill>
+                      <a:prstDash val="dot"/>
+                      <a:round/>
+                      <a:headEnd type="none" w="med" len="med"/>
+                      <a:tailEnd type="none" w="med" len="med"/>
+                    </a:lnL>
+                    <a:lnR w="6350" cap="flat" cmpd="sng" algn="ctr">
+                      <a:solidFill>
+                        <a:srgbClr val="CCCCCC"/>
+                      </a:solidFill>
+                      <a:prstDash val="dot"/>
+                      <a:round/>
+                      <a:headEnd type="none" w="med" len="med"/>
+                      <a:tailEnd type="none" w="med" len="med"/>
+                    </a:lnR>
+                    <a:lnT w="6350" cap="flat" cmpd="sng" algn="ctr">
+                      <a:solidFill>
+                        <a:srgbClr val="CCCCCC"/>
+                      </a:solidFill>
+                      <a:prstDash val="dot"/>
+                      <a:round/>
+                      <a:headEnd type="none" w="med" len="med"/>
+                      <a:tailEnd type="none" w="med" len="med"/>
+                    </a:lnT>
+                    <a:lnB w="6350" cap="flat" cmpd="sng" algn="ctr">
+                      <a:solidFill>
+                        <a:srgbClr val="000000"/>
+                      </a:solidFill>
+                      <a:prstDash val="solid"/>
+                      <a:round/>
+                      <a:headEnd type="none" w="med" len="med"/>
+                      <a:tailEnd type="none" w="med" len="med"/>
+                    </a:lnB>
+                    <a:solidFill>
+                      <a:srgbClr val="FFFFFF"/>
+                    </a:solidFill>
+                  </a:tcPr>
+                </a:tc>
+                <a:tc>
+                  <a:txBody>
+                    <a:bodyPr/>
+                    <a:lstStyle/>
+                    <a:p>
+                      <a:pPr algn="l" fontAlgn="ctr"/>
+                      <a:r>
+                        <a:rPr lang="ko-KR" altLang="en-US" sz="1100" b="0" i="0" u="none" strike="noStrike">
+                          <a:solidFill>
+                            <a:srgbClr val="1F4E78"/>
+                          </a:solidFill>
+                          <a:effectLst/>
+                          <a:latin typeface="Roboto" panose="02000000000000000000" pitchFamily="2" charset="0"/>
+                        </a:rPr>
+                        <a:t>　</a:t>
+                      </a:r>
+                    </a:p>
+                  </a:txBody>
+                  <a:tcPr marL="11575" marR="11575" marT="11575" marB="0" anchor="ctr">
+                    <a:lnL w="6350" cap="flat" cmpd="sng" algn="ctr">
+                      <a:solidFill>
+                        <a:srgbClr val="CCCCCC"/>
+                      </a:solidFill>
+                      <a:prstDash val="dot"/>
+                      <a:round/>
+                      <a:headEnd type="none" w="med" len="med"/>
+                      <a:tailEnd type="none" w="med" len="med"/>
+                    </a:lnL>
+                    <a:lnR w="6350" cap="flat" cmpd="sng" algn="ctr">
+                      <a:solidFill>
+                        <a:srgbClr val="CCCCCC"/>
+                      </a:solidFill>
+                      <a:prstDash val="dot"/>
+                      <a:round/>
+                      <a:headEnd type="none" w="med" len="med"/>
+                      <a:tailEnd type="none" w="med" len="med"/>
+                    </a:lnR>
+                    <a:lnT w="6350" cap="flat" cmpd="sng" algn="ctr">
+                      <a:solidFill>
+                        <a:srgbClr val="CCCCCC"/>
+                      </a:solidFill>
+                      <a:prstDash val="dot"/>
+                      <a:round/>
+                      <a:headEnd type="none" w="med" len="med"/>
+                      <a:tailEnd type="none" w="med" len="med"/>
+                    </a:lnT>
+                    <a:lnB w="6350" cap="flat" cmpd="sng" algn="ctr">
+                      <a:solidFill>
+                        <a:srgbClr val="000000"/>
+                      </a:solidFill>
+                      <a:prstDash val="solid"/>
+                      <a:round/>
+                      <a:headEnd type="none" w="med" len="med"/>
+                      <a:tailEnd type="none" w="med" len="med"/>
+                    </a:lnB>
+                    <a:solidFill>
+                      <a:srgbClr val="FFFFFF"/>
+                    </a:solidFill>
+                  </a:tcPr>
+                </a:tc>
+                <a:tc>
+                  <a:txBody>
+                    <a:bodyPr/>
+                    <a:lstStyle/>
+                    <a:p>
+                      <a:pPr algn="l" fontAlgn="ctr"/>
+                      <a:r>
+                        <a:rPr lang="ko-KR" altLang="en-US" sz="1100" b="0" i="0" u="none" strike="noStrike">
+                          <a:solidFill>
+                            <a:srgbClr val="1F4E78"/>
+                          </a:solidFill>
+                          <a:effectLst/>
+                          <a:latin typeface="Roboto" panose="02000000000000000000" pitchFamily="2" charset="0"/>
+                        </a:rPr>
+                        <a:t>　</a:t>
+                      </a:r>
+                    </a:p>
+                  </a:txBody>
+                  <a:tcPr marL="11575" marR="11575" marT="11575" marB="0" anchor="ctr">
+                    <a:lnL w="6350" cap="flat" cmpd="sng" algn="ctr">
+                      <a:solidFill>
+                        <a:srgbClr val="CCCCCC"/>
+                      </a:solidFill>
+                      <a:prstDash val="dot"/>
+                      <a:round/>
+                      <a:headEnd type="none" w="med" len="med"/>
+                      <a:tailEnd type="none" w="med" len="med"/>
+                    </a:lnL>
+                    <a:lnR w="6350" cap="flat" cmpd="sng" algn="ctr">
+                      <a:solidFill>
+                        <a:srgbClr val="CCCCCC"/>
+                      </a:solidFill>
+                      <a:prstDash val="dot"/>
+                      <a:round/>
+                      <a:headEnd type="none" w="med" len="med"/>
+                      <a:tailEnd type="none" w="med" len="med"/>
+                    </a:lnR>
+                    <a:lnT w="6350" cap="flat" cmpd="sng" algn="ctr">
+                      <a:solidFill>
+                        <a:srgbClr val="CCCCCC"/>
+                      </a:solidFill>
+                      <a:prstDash val="dot"/>
+                      <a:round/>
+                      <a:headEnd type="none" w="med" len="med"/>
+                      <a:tailEnd type="none" w="med" len="med"/>
+                    </a:lnT>
+                    <a:lnB w="6350" cap="flat" cmpd="sng" algn="ctr">
+                      <a:solidFill>
+                        <a:srgbClr val="000000"/>
+                      </a:solidFill>
+                      <a:prstDash val="solid"/>
+                      <a:round/>
+                      <a:headEnd type="none" w="med" len="med"/>
+                      <a:tailEnd type="none" w="med" len="med"/>
+                    </a:lnB>
+                    <a:solidFill>
+                      <a:srgbClr val="FFFFFF"/>
+                    </a:solidFill>
+                  </a:tcPr>
+                </a:tc>
+                <a:tc>
+                  <a:txBody>
+                    <a:bodyPr/>
+                    <a:lstStyle/>
+                    <a:p>
+                      <a:pPr algn="l" fontAlgn="ctr"/>
+                      <a:r>
+                        <a:rPr lang="ko-KR" altLang="en-US" sz="1100" b="0" i="0" u="none" strike="noStrike">
+                          <a:solidFill>
+                            <a:srgbClr val="1F4E78"/>
+                          </a:solidFill>
+                          <a:effectLst/>
+                          <a:latin typeface="Roboto" panose="02000000000000000000" pitchFamily="2" charset="0"/>
+                        </a:rPr>
+                        <a:t>　</a:t>
+                      </a:r>
+                    </a:p>
+                  </a:txBody>
+                  <a:tcPr marL="11575" marR="11575" marT="11575" marB="0" anchor="ctr">
+                    <a:lnL w="6350" cap="flat" cmpd="sng" algn="ctr">
+                      <a:solidFill>
+                        <a:srgbClr val="CCCCCC"/>
+                      </a:solidFill>
+                      <a:prstDash val="dot"/>
+                      <a:round/>
+                      <a:headEnd type="none" w="med" len="med"/>
+                      <a:tailEnd type="none" w="med" len="med"/>
+                    </a:lnL>
+                    <a:lnR w="6350" cap="flat" cmpd="sng" algn="ctr">
+                      <a:solidFill>
+                        <a:srgbClr val="CCCCCC"/>
+                      </a:solidFill>
+                      <a:prstDash val="dot"/>
+                      <a:round/>
+                      <a:headEnd type="none" w="med" len="med"/>
+                      <a:tailEnd type="none" w="med" len="med"/>
+                    </a:lnR>
+                    <a:lnT w="6350" cap="flat" cmpd="sng" algn="ctr">
+                      <a:solidFill>
+                        <a:srgbClr val="CCCCCC"/>
+                      </a:solidFill>
+                      <a:prstDash val="dot"/>
+                      <a:round/>
+                      <a:headEnd type="none" w="med" len="med"/>
+                      <a:tailEnd type="none" w="med" len="med"/>
+                    </a:lnT>
+                    <a:lnB w="6350" cap="flat" cmpd="sng" algn="ctr">
+                      <a:solidFill>
+                        <a:srgbClr val="000000"/>
+                      </a:solidFill>
+                      <a:prstDash val="solid"/>
+                      <a:round/>
+                      <a:headEnd type="none" w="med" len="med"/>
+                      <a:tailEnd type="none" w="med" len="med"/>
+                    </a:lnB>
+                    <a:solidFill>
+                      <a:srgbClr val="FFFFFF"/>
+                    </a:solidFill>
+                  </a:tcPr>
+                </a:tc>
+                <a:tc>
+                  <a:txBody>
+                    <a:bodyPr/>
+                    <a:lstStyle/>
+                    <a:p>
+                      <a:pPr algn="l" fontAlgn="ctr"/>
+                      <a:r>
+                        <a:rPr lang="ko-KR" altLang="en-US" sz="1100" b="0" i="0" u="none" strike="noStrike">
+                          <a:solidFill>
+                            <a:srgbClr val="1F4E78"/>
+                          </a:solidFill>
+                          <a:effectLst/>
+                          <a:latin typeface="Roboto" panose="02000000000000000000" pitchFamily="2" charset="0"/>
+                        </a:rPr>
+                        <a:t>　</a:t>
+                      </a:r>
+                    </a:p>
+                  </a:txBody>
+                  <a:tcPr marL="11575" marR="11575" marT="11575" marB="0" anchor="ctr">
+                    <a:lnL w="6350" cap="flat" cmpd="sng" algn="ctr">
+                      <a:solidFill>
+                        <a:srgbClr val="CCCCCC"/>
+                      </a:solidFill>
+                      <a:prstDash val="dot"/>
+                      <a:round/>
+                      <a:headEnd type="none" w="med" len="med"/>
+                      <a:tailEnd type="none" w="med" len="med"/>
+                    </a:lnL>
+                    <a:lnR w="6350" cap="flat" cmpd="sng" algn="ctr">
+                      <a:solidFill>
+                        <a:srgbClr val="CCCCCC"/>
+                      </a:solidFill>
+                      <a:prstDash val="dot"/>
+                      <a:round/>
+                      <a:headEnd type="none" w="med" len="med"/>
+                      <a:tailEnd type="none" w="med" len="med"/>
+                    </a:lnR>
+                    <a:lnT w="6350" cap="flat" cmpd="sng" algn="ctr">
+                      <a:solidFill>
+                        <a:srgbClr val="CCCCCC"/>
+                      </a:solidFill>
+                      <a:prstDash val="dot"/>
+                      <a:round/>
+                      <a:headEnd type="none" w="med" len="med"/>
+                      <a:tailEnd type="none" w="med" len="med"/>
+                    </a:lnT>
+                    <a:lnB w="6350" cap="flat" cmpd="sng" algn="ctr">
+                      <a:solidFill>
+                        <a:srgbClr val="000000"/>
+                      </a:solidFill>
+                      <a:prstDash val="solid"/>
+                      <a:round/>
+                      <a:headEnd type="none" w="med" len="med"/>
+                      <a:tailEnd type="none" w="med" len="med"/>
+                    </a:lnB>
+                    <a:solidFill>
+                      <a:srgbClr val="FFFFFF"/>
+                    </a:solidFill>
+                  </a:tcPr>
+                </a:tc>
+                <a:tc>
+                  <a:txBody>
+                    <a:bodyPr/>
+                    <a:lstStyle/>
+                    <a:p>
+                      <a:pPr algn="l" fontAlgn="ctr"/>
+                      <a:r>
+                        <a:rPr lang="ko-KR" altLang="en-US" sz="1100" b="0" i="0" u="none" strike="noStrike">
+                          <a:solidFill>
+                            <a:srgbClr val="1F4E78"/>
+                          </a:solidFill>
+                          <a:effectLst/>
+                          <a:latin typeface="Roboto" panose="02000000000000000000" pitchFamily="2" charset="0"/>
+                        </a:rPr>
+                        <a:t>　</a:t>
+                      </a:r>
+                    </a:p>
+                  </a:txBody>
+                  <a:tcPr marL="11575" marR="11575" marT="11575" marB="0" anchor="ctr">
+                    <a:lnL w="6350" cap="flat" cmpd="sng" algn="ctr">
+                      <a:solidFill>
+                        <a:srgbClr val="CCCCCC"/>
+                      </a:solidFill>
+                      <a:prstDash val="dot"/>
+                      <a:round/>
+                      <a:headEnd type="none" w="med" len="med"/>
+                      <a:tailEnd type="none" w="med" len="med"/>
+                    </a:lnL>
+                    <a:lnR w="6350" cap="flat" cmpd="sng" algn="ctr">
+                      <a:solidFill>
+                        <a:srgbClr val="CCCCCC"/>
+                      </a:solidFill>
+                      <a:prstDash val="dot"/>
+                      <a:round/>
+                      <a:headEnd type="none" w="med" len="med"/>
+                      <a:tailEnd type="none" w="med" len="med"/>
+                    </a:lnR>
+                    <a:lnT w="6350" cap="flat" cmpd="sng" algn="ctr">
+                      <a:solidFill>
+                        <a:srgbClr val="CCCCCC"/>
+                      </a:solidFill>
+                      <a:prstDash val="dot"/>
+                      <a:round/>
+                      <a:headEnd type="none" w="med" len="med"/>
+                      <a:tailEnd type="none" w="med" len="med"/>
+                    </a:lnT>
+                    <a:lnB w="6350" cap="flat" cmpd="sng" algn="ctr">
+                      <a:solidFill>
+                        <a:srgbClr val="000000"/>
+                      </a:solidFill>
+                      <a:prstDash val="solid"/>
+                      <a:round/>
+                      <a:headEnd type="none" w="med" len="med"/>
+                      <a:tailEnd type="none" w="med" len="med"/>
+                    </a:lnB>
+                    <a:solidFill>
+                      <a:srgbClr val="FFFFFF"/>
+                    </a:solidFill>
+                  </a:tcPr>
+                </a:tc>
+                <a:tc>
+                  <a:txBody>
+                    <a:bodyPr/>
+                    <a:lstStyle/>
+                    <a:p>
+                      <a:pPr algn="l" fontAlgn="ctr"/>
+                      <a:r>
+                        <a:rPr lang="ko-KR" altLang="en-US" sz="1100" b="0" i="0" u="none" strike="noStrike">
+                          <a:solidFill>
+                            <a:srgbClr val="1F4E78"/>
+                          </a:solidFill>
+                          <a:effectLst/>
+                          <a:latin typeface="Roboto" panose="02000000000000000000" pitchFamily="2" charset="0"/>
+                        </a:rPr>
+                        <a:t>　</a:t>
+                      </a:r>
+                    </a:p>
+                  </a:txBody>
+                  <a:tcPr marL="11575" marR="11575" marT="11575" marB="0" anchor="ctr">
+                    <a:lnL w="6350" cap="flat" cmpd="sng" algn="ctr">
+                      <a:solidFill>
+                        <a:srgbClr val="CCCCCC"/>
+                      </a:solidFill>
+                      <a:prstDash val="dot"/>
+                      <a:round/>
+                      <a:headEnd type="none" w="med" len="med"/>
+                      <a:tailEnd type="none" w="med" len="med"/>
+                    </a:lnL>
+                    <a:lnR w="6350" cap="flat" cmpd="sng" algn="ctr">
+                      <a:solidFill>
+                        <a:srgbClr val="CCCCCC"/>
+                      </a:solidFill>
+                      <a:prstDash val="dot"/>
+                      <a:round/>
+                      <a:headEnd type="none" w="med" len="med"/>
+                      <a:tailEnd type="none" w="med" len="med"/>
+                    </a:lnR>
+                    <a:lnT w="6350" cap="flat" cmpd="sng" algn="ctr">
+                      <a:solidFill>
+                        <a:srgbClr val="CCCCCC"/>
+                      </a:solidFill>
+                      <a:prstDash val="dot"/>
+                      <a:round/>
+                      <a:headEnd type="none" w="med" len="med"/>
+                      <a:tailEnd type="none" w="med" len="med"/>
+                    </a:lnT>
+                    <a:lnB w="6350" cap="flat" cmpd="sng" algn="ctr">
+                      <a:solidFill>
+                        <a:srgbClr val="000000"/>
+                      </a:solidFill>
+                      <a:prstDash val="solid"/>
+                      <a:round/>
+                      <a:headEnd type="none" w="med" len="med"/>
+                      <a:tailEnd type="none" w="med" len="med"/>
+                    </a:lnB>
+                    <a:solidFill>
+                      <a:srgbClr val="FFFFFF"/>
+                    </a:solidFill>
+                  </a:tcPr>
+                </a:tc>
+                <a:tc>
+                  <a:txBody>
+                    <a:bodyPr/>
+                    <a:lstStyle/>
+                    <a:p>
+                      <a:pPr algn="l" fontAlgn="ctr"/>
+                      <a:r>
+                        <a:rPr lang="ko-KR" altLang="en-US" sz="1100" b="0" i="0" u="none" strike="noStrike">
+                          <a:solidFill>
+                            <a:srgbClr val="1F4E78"/>
+                          </a:solidFill>
+                          <a:effectLst/>
+                          <a:latin typeface="Roboto" panose="02000000000000000000" pitchFamily="2" charset="0"/>
+                        </a:rPr>
+                        <a:t>　</a:t>
+                      </a:r>
+                    </a:p>
+                  </a:txBody>
+                  <a:tcPr marL="11575" marR="11575" marT="11575" marB="0" anchor="ctr">
+                    <a:lnL w="6350" cap="flat" cmpd="sng" algn="ctr">
+                      <a:solidFill>
+                        <a:srgbClr val="CCCCCC"/>
+                      </a:solidFill>
+                      <a:prstDash val="dot"/>
+                      <a:round/>
+                      <a:headEnd type="none" w="med" len="med"/>
+                      <a:tailEnd type="none" w="med" len="med"/>
+                    </a:lnL>
+                    <a:lnR w="6350" cap="flat" cmpd="sng" algn="ctr">
+                      <a:solidFill>
+                        <a:srgbClr val="CCCCCC"/>
+                      </a:solidFill>
+                      <a:prstDash val="dot"/>
+                      <a:round/>
+                      <a:headEnd type="none" w="med" len="med"/>
+                      <a:tailEnd type="none" w="med" len="med"/>
+                    </a:lnR>
+                    <a:lnT w="6350" cap="flat" cmpd="sng" algn="ctr">
+                      <a:solidFill>
+                        <a:srgbClr val="CCCCCC"/>
+                      </a:solidFill>
+                      <a:prstDash val="dot"/>
+                      <a:round/>
+                      <a:headEnd type="none" w="med" len="med"/>
+                      <a:tailEnd type="none" w="med" len="med"/>
+                    </a:lnT>
+                    <a:lnB w="6350" cap="flat" cmpd="sng" algn="ctr">
+                      <a:solidFill>
+                        <a:srgbClr val="000000"/>
+                      </a:solidFill>
+                      <a:prstDash val="solid"/>
+                      <a:round/>
+                      <a:headEnd type="none" w="med" len="med"/>
+                      <a:tailEnd type="none" w="med" len="med"/>
+                    </a:lnB>
+                    <a:solidFill>
+                      <a:srgbClr val="FFFFFF"/>
+                    </a:solidFill>
+                  </a:tcPr>
+                </a:tc>
+                <a:tc>
+                  <a:txBody>
+                    <a:bodyPr/>
+                    <a:lstStyle/>
+                    <a:p>
+                      <a:pPr algn="l" fontAlgn="ctr"/>
+                      <a:r>
+                        <a:rPr lang="ko-KR" altLang="en-US" sz="1100" b="0" i="0" u="none" strike="noStrike">
+                          <a:solidFill>
+                            <a:srgbClr val="1F4E78"/>
+                          </a:solidFill>
+                          <a:effectLst/>
+                          <a:latin typeface="Roboto" panose="02000000000000000000" pitchFamily="2" charset="0"/>
+                        </a:rPr>
+                        <a:t>　</a:t>
+                      </a:r>
+                    </a:p>
+                  </a:txBody>
+                  <a:tcPr marL="11575" marR="11575" marT="11575" marB="0" anchor="ctr">
+                    <a:lnL w="6350" cap="flat" cmpd="sng" algn="ctr">
+                      <a:solidFill>
+                        <a:srgbClr val="CCCCCC"/>
+                      </a:solidFill>
+                      <a:prstDash val="dot"/>
+                      <a:round/>
+                      <a:headEnd type="none" w="med" len="med"/>
+                      <a:tailEnd type="none" w="med" len="med"/>
+                    </a:lnL>
+                    <a:lnR w="6350" cap="flat" cmpd="sng" algn="ctr">
+                      <a:solidFill>
+                        <a:srgbClr val="CCCCCC"/>
+                      </a:solidFill>
+                      <a:prstDash val="dot"/>
+                      <a:round/>
+                      <a:headEnd type="none" w="med" len="med"/>
+                      <a:tailEnd type="none" w="med" len="med"/>
+                    </a:lnR>
+                    <a:lnT w="6350" cap="flat" cmpd="sng" algn="ctr">
+                      <a:solidFill>
+                        <a:srgbClr val="CCCCCC"/>
+                      </a:solidFill>
+                      <a:prstDash val="dot"/>
+                      <a:round/>
+                      <a:headEnd type="none" w="med" len="med"/>
+                      <a:tailEnd type="none" w="med" len="med"/>
+                    </a:lnT>
+                    <a:lnB w="6350" cap="flat" cmpd="sng" algn="ctr">
+                      <a:solidFill>
+                        <a:srgbClr val="000000"/>
+                      </a:solidFill>
+                      <a:prstDash val="solid"/>
+                      <a:round/>
+                      <a:headEnd type="none" w="med" len="med"/>
+                      <a:tailEnd type="none" w="med" len="med"/>
+                    </a:lnB>
+                    <a:solidFill>
+                      <a:srgbClr val="FFFFFF"/>
+                    </a:solidFill>
+                  </a:tcPr>
+                </a:tc>
+                <a:tc>
+                  <a:txBody>
+                    <a:bodyPr/>
+                    <a:lstStyle/>
+                    <a:p>
+                      <a:pPr algn="l" fontAlgn="ctr"/>
+                      <a:r>
+                        <a:rPr lang="ko-KR" altLang="en-US" sz="1100" b="0" i="0" u="none" strike="noStrike">
+                          <a:solidFill>
+                            <a:srgbClr val="1F4E78"/>
+                          </a:solidFill>
+                          <a:effectLst/>
+                          <a:latin typeface="Roboto" panose="02000000000000000000" pitchFamily="2" charset="0"/>
+                        </a:rPr>
+                        <a:t>　</a:t>
+                      </a:r>
+                    </a:p>
+                  </a:txBody>
+                  <a:tcPr marL="11575" marR="11575" marT="11575" marB="0" anchor="ctr">
+                    <a:lnL w="6350" cap="flat" cmpd="sng" algn="ctr">
+                      <a:solidFill>
+                        <a:srgbClr val="CCCCCC"/>
+                      </a:solidFill>
+                      <a:prstDash val="dot"/>
+                      <a:round/>
+                      <a:headEnd type="none" w="med" len="med"/>
+                      <a:tailEnd type="none" w="med" len="med"/>
+                    </a:lnL>
+                    <a:lnR w="6350" cap="flat" cmpd="sng" algn="ctr">
+                      <a:solidFill>
+                        <a:srgbClr val="CCCCCC"/>
+                      </a:solidFill>
+                      <a:prstDash val="dot"/>
+                      <a:round/>
+                      <a:headEnd type="none" w="med" len="med"/>
+                      <a:tailEnd type="none" w="med" len="med"/>
+                    </a:lnR>
+                    <a:lnT w="6350" cap="flat" cmpd="sng" algn="ctr">
+                      <a:solidFill>
+                        <a:srgbClr val="CCCCCC"/>
+                      </a:solidFill>
+                      <a:prstDash val="dot"/>
+                      <a:round/>
+                      <a:headEnd type="none" w="med" len="med"/>
+                      <a:tailEnd type="none" w="med" len="med"/>
+                    </a:lnT>
+                    <a:lnB w="6350" cap="flat" cmpd="sng" algn="ctr">
+                      <a:solidFill>
+                        <a:srgbClr val="000000"/>
+                      </a:solidFill>
+                      <a:prstDash val="solid"/>
+                      <a:round/>
+                      <a:headEnd type="none" w="med" len="med"/>
+                      <a:tailEnd type="none" w="med" len="med"/>
+                    </a:lnB>
+                    <a:solidFill>
+                      <a:srgbClr val="FFFFFF"/>
+                    </a:solidFill>
+                  </a:tcPr>
+                </a:tc>
+                <a:tc gridSpan="2">
+                  <a:txBody>
+                    <a:bodyPr/>
+                    <a:lstStyle/>
+                    <a:p>
+                      <a:pPr algn="ctr" fontAlgn="ctr"/>
+                      <a:r>
+                        <a:rPr lang="ko-KR" altLang="en-US" sz="1100" b="0" i="0" u="none" strike="noStrike" dirty="0">
+                          <a:solidFill>
+                            <a:srgbClr val="EFEFEF"/>
+                          </a:solidFill>
+                          <a:effectLst/>
+                          <a:latin typeface="Arial Unicode MS"/>
+                        </a:rPr>
+                        <a:t>테스트</a:t>
+                      </a:r>
+                    </a:p>
+                  </a:txBody>
+                  <a:tcPr marL="111124" marR="111124" marT="55562" marB="55562" anchor="ctr">
+                    <a:lnL w="6350" cap="flat" cmpd="sng" algn="ctr">
+                      <a:solidFill>
+                        <a:srgbClr val="CCCCCC"/>
+                      </a:solidFill>
+                      <a:prstDash val="dot"/>
+                      <a:round/>
+                      <a:headEnd type="none" w="med" len="med"/>
+                      <a:tailEnd type="none" w="med" len="med"/>
+                    </a:lnL>
+                    <a:lnR>
+                      <a:noFill/>
+                    </a:lnR>
+                    <a:lnT w="6350" cap="flat" cmpd="sng" algn="ctr">
+                      <a:solidFill>
+                        <a:srgbClr val="CCCCCC"/>
+                      </a:solidFill>
+                      <a:prstDash val="dot"/>
+                      <a:round/>
+                      <a:headEnd type="none" w="med" len="med"/>
+                      <a:tailEnd type="none" w="med" len="med"/>
+                    </a:lnT>
+                    <a:lnB w="6350" cap="flat" cmpd="sng" algn="ctr">
+                      <a:solidFill>
+                        <a:srgbClr val="000000"/>
+                      </a:solidFill>
+                      <a:prstDash val="solid"/>
+                      <a:round/>
+                      <a:headEnd type="none" w="med" len="med"/>
+                      <a:tailEnd type="none" w="med" len="med"/>
+                    </a:lnB>
+                    <a:solidFill>
+                      <a:srgbClr val="351C75"/>
+                    </a:solidFill>
+                  </a:tcPr>
+                </a:tc>
+                <a:tc hMerge="1">
+                  <a:txBody>
+                    <a:bodyPr/>
+                    <a:lstStyle/>
+                    <a:p>
+                      <a:pPr latinLnBrk="1"/>
+                      <a:endParaRPr lang="ko-KR" altLang="en-US"/>
+                    </a:p>
+                  </a:txBody>
+                  <a:tcPr/>
+                </a:tc>
+                <a:tc>
+                  <a:txBody>
+                    <a:bodyPr/>
+                    <a:lstStyle/>
+                    <a:p>
+                      <a:pPr algn="l" fontAlgn="ctr"/>
+                      <a:r>
+                        <a:rPr lang="ko-KR" altLang="en-US" sz="1100" b="0" i="0" u="none" strike="noStrike" dirty="0">
+                          <a:solidFill>
+                            <a:srgbClr val="EFEFEF"/>
+                          </a:solidFill>
+                          <a:effectLst/>
+                          <a:latin typeface="Arial Unicode MS"/>
+                        </a:rPr>
+                        <a:t>　</a:t>
+                      </a:r>
+                    </a:p>
+                  </a:txBody>
+                  <a:tcPr marL="11575" marR="11575" marT="11575" marB="0" anchor="ctr">
+                    <a:lnL>
+                      <a:noFill/>
+                    </a:lnL>
+                    <a:lnR w="6350" cap="flat" cmpd="sng" algn="ctr">
+                      <a:solidFill>
+                        <a:srgbClr val="000000"/>
+                      </a:solidFill>
+                      <a:prstDash val="solid"/>
+                      <a:round/>
+                      <a:headEnd type="none" w="med" len="med"/>
+                      <a:tailEnd type="none" w="med" len="med"/>
+                    </a:lnR>
+                    <a:lnT w="6350" cap="flat" cmpd="sng" algn="ctr">
+                      <a:solidFill>
+                        <a:srgbClr val="CCCCCC"/>
+                      </a:solidFill>
+                      <a:prstDash val="dot"/>
+                      <a:round/>
+                      <a:headEnd type="none" w="med" len="med"/>
+                      <a:tailEnd type="none" w="med" len="med"/>
+                    </a:lnT>
+                    <a:lnB w="6350" cap="flat" cmpd="sng" algn="ctr">
+                      <a:solidFill>
+                        <a:srgbClr val="000000"/>
+                      </a:solidFill>
+                      <a:prstDash val="solid"/>
+                      <a:round/>
+                      <a:headEnd type="none" w="med" len="med"/>
+                      <a:tailEnd type="none" w="med" len="med"/>
+                    </a:lnB>
+                    <a:solidFill>
+                      <a:srgbClr val="351C75"/>
+                    </a:solidFill>
+                  </a:tcPr>
+                </a:tc>
+                <a:extLst>
+                  <a:ext uri="{0D108BD9-81ED-4DB2-BD59-A6C34878D82A}">
+                    <a16:rowId xmlns:a16="http://schemas.microsoft.com/office/drawing/2014/main" val="96481152"/>
+                  </a:ext>
+                </a:extLst>
+              </a:tr>
+            </a:tbl>
+          </a:graphicData>
+        </a:graphic>
+      </p:graphicFrame>
     </p:spTree>
     <p:extLst>
       <p:ext uri="{BB962C8B-B14F-4D97-AF65-F5344CB8AC3E}">
